--- a/Ideias/PP.pptx
+++ b/Ideias/PP.pptx
@@ -8,7 +8,8 @@
     <p:sldId id="257" r:id="rId2"/>
     <p:sldId id="258" r:id="rId3"/>
     <p:sldId id="259" r:id="rId4"/>
-    <p:sldId id="260" r:id="rId5"/>
+    <p:sldId id="261" r:id="rId5"/>
+    <p:sldId id="260" r:id="rId6"/>
   </p:sldIdLst>
   <p:sldSz cx="12192000" cy="6858000"/>
   <p:notesSz cx="6858000" cy="9144000"/>
@@ -241,7 +242,7 @@
           <a:p>
             <a:fld id="{CB3F135A-69BC-4DF6-ADD3-5F6FF918595A}" type="datetimeFigureOut">
               <a:rPr lang="pt-BR" smtClean="0"/>
-              <a:t>25/02/2019</a:t>
+              <a:t>01/03/2019</a:t>
             </a:fld>
             <a:endParaRPr lang="pt-BR"/>
           </a:p>
@@ -411,7 +412,7 @@
           <a:p>
             <a:fld id="{CB3F135A-69BC-4DF6-ADD3-5F6FF918595A}" type="datetimeFigureOut">
               <a:rPr lang="pt-BR" smtClean="0"/>
-              <a:t>25/02/2019</a:t>
+              <a:t>01/03/2019</a:t>
             </a:fld>
             <a:endParaRPr lang="pt-BR"/>
           </a:p>
@@ -591,7 +592,7 @@
           <a:p>
             <a:fld id="{CB3F135A-69BC-4DF6-ADD3-5F6FF918595A}" type="datetimeFigureOut">
               <a:rPr lang="pt-BR" smtClean="0"/>
-              <a:t>25/02/2019</a:t>
+              <a:t>01/03/2019</a:t>
             </a:fld>
             <a:endParaRPr lang="pt-BR"/>
           </a:p>
@@ -761,7 +762,7 @@
           <a:p>
             <a:fld id="{CB3F135A-69BC-4DF6-ADD3-5F6FF918595A}" type="datetimeFigureOut">
               <a:rPr lang="pt-BR" smtClean="0"/>
-              <a:t>25/02/2019</a:t>
+              <a:t>01/03/2019</a:t>
             </a:fld>
             <a:endParaRPr lang="pt-BR"/>
           </a:p>
@@ -1007,7 +1008,7 @@
           <a:p>
             <a:fld id="{CB3F135A-69BC-4DF6-ADD3-5F6FF918595A}" type="datetimeFigureOut">
               <a:rPr lang="pt-BR" smtClean="0"/>
-              <a:t>25/02/2019</a:t>
+              <a:t>01/03/2019</a:t>
             </a:fld>
             <a:endParaRPr lang="pt-BR"/>
           </a:p>
@@ -1239,7 +1240,7 @@
           <a:p>
             <a:fld id="{CB3F135A-69BC-4DF6-ADD3-5F6FF918595A}" type="datetimeFigureOut">
               <a:rPr lang="pt-BR" smtClean="0"/>
-              <a:t>25/02/2019</a:t>
+              <a:t>01/03/2019</a:t>
             </a:fld>
             <a:endParaRPr lang="pt-BR"/>
           </a:p>
@@ -1606,7 +1607,7 @@
           <a:p>
             <a:fld id="{CB3F135A-69BC-4DF6-ADD3-5F6FF918595A}" type="datetimeFigureOut">
               <a:rPr lang="pt-BR" smtClean="0"/>
-              <a:t>25/02/2019</a:t>
+              <a:t>01/03/2019</a:t>
             </a:fld>
             <a:endParaRPr lang="pt-BR"/>
           </a:p>
@@ -1724,7 +1725,7 @@
           <a:p>
             <a:fld id="{CB3F135A-69BC-4DF6-ADD3-5F6FF918595A}" type="datetimeFigureOut">
               <a:rPr lang="pt-BR" smtClean="0"/>
-              <a:t>25/02/2019</a:t>
+              <a:t>01/03/2019</a:t>
             </a:fld>
             <a:endParaRPr lang="pt-BR"/>
           </a:p>
@@ -1819,7 +1820,7 @@
           <a:p>
             <a:fld id="{CB3F135A-69BC-4DF6-ADD3-5F6FF918595A}" type="datetimeFigureOut">
               <a:rPr lang="pt-BR" smtClean="0"/>
-              <a:t>25/02/2019</a:t>
+              <a:t>01/03/2019</a:t>
             </a:fld>
             <a:endParaRPr lang="pt-BR"/>
           </a:p>
@@ -2096,7 +2097,7 @@
           <a:p>
             <a:fld id="{CB3F135A-69BC-4DF6-ADD3-5F6FF918595A}" type="datetimeFigureOut">
               <a:rPr lang="pt-BR" smtClean="0"/>
-              <a:t>25/02/2019</a:t>
+              <a:t>01/03/2019</a:t>
             </a:fld>
             <a:endParaRPr lang="pt-BR"/>
           </a:p>
@@ -2349,7 +2350,7 @@
           <a:p>
             <a:fld id="{CB3F135A-69BC-4DF6-ADD3-5F6FF918595A}" type="datetimeFigureOut">
               <a:rPr lang="pt-BR" smtClean="0"/>
-              <a:t>25/02/2019</a:t>
+              <a:t>01/03/2019</a:t>
             </a:fld>
             <a:endParaRPr lang="pt-BR"/>
           </a:p>
@@ -2562,7 +2563,7 @@
           <a:p>
             <a:fld id="{CB3F135A-69BC-4DF6-ADD3-5F6FF918595A}" type="datetimeFigureOut">
               <a:rPr lang="pt-BR" smtClean="0"/>
-              <a:t>25/02/2019</a:t>
+              <a:t>01/03/2019</a:t>
             </a:fld>
             <a:endParaRPr lang="pt-BR"/>
           </a:p>
@@ -5343,16 +5344,16 @@
       </p:grpSpPr>
       <p:sp>
         <p:nvSpPr>
-          <p:cNvPr id="2" name="Retângulo 1"/>
+          <p:cNvPr id="2" name="Elipse 1"/>
           <p:cNvSpPr/>
           <p:nvPr/>
         </p:nvSpPr>
         <p:spPr>
           <a:xfrm>
-            <a:off x="0" y="1488558"/>
-            <a:ext cx="12192000" cy="5369442"/>
-          </a:xfrm>
-          <a:prstGeom prst="rect">
+            <a:off x="5330755" y="1624519"/>
+            <a:ext cx="2500009" cy="2354094"/>
+          </a:xfrm>
+          <a:prstGeom prst="ellipse">
             <a:avLst/>
           </a:prstGeom>
           <a:solidFill>
@@ -5360,6 +5361,13 @@
               <a:lumMod val="75000"/>
             </a:schemeClr>
           </a:solidFill>
+          <a:ln>
+            <a:solidFill>
+              <a:schemeClr val="accent1">
+                <a:lumMod val="75000"/>
+              </a:schemeClr>
+            </a:solidFill>
+          </a:ln>
         </p:spPr>
         <p:style>
           <a:lnRef idx="2">
@@ -5382,24 +5390,36 @@
           <a:lstStyle/>
           <a:p>
             <a:pPr algn="ctr"/>
-            <a:endParaRPr lang="pt-BR" dirty="0"/>
-          </a:p>
-        </p:txBody>
-      </p:sp>
-      <p:sp>
-        <p:nvSpPr>
-          <p:cNvPr id="3" name="Elipse 2"/>
+            <a:endParaRPr lang="pt-BR"/>
+          </a:p>
+        </p:txBody>
+      </p:sp>
+      <p:sp>
+        <p:nvSpPr>
+          <p:cNvPr id="3" name="Triângulo isósceles 2"/>
           <p:cNvSpPr/>
           <p:nvPr/>
         </p:nvSpPr>
         <p:spPr>
-          <a:xfrm>
-            <a:off x="7861003" y="1733103"/>
-            <a:ext cx="712381" cy="659219"/>
-          </a:xfrm>
-          <a:prstGeom prst="ellipse">
-            <a:avLst/>
-          </a:prstGeom>
+          <a:xfrm rot="10800000">
+            <a:off x="5424709" y="3258784"/>
+            <a:ext cx="2311200" cy="2548644"/>
+          </a:xfrm>
+          <a:prstGeom prst="triangle">
+            <a:avLst/>
+          </a:prstGeom>
+          <a:solidFill>
+            <a:schemeClr val="accent1">
+              <a:lumMod val="75000"/>
+            </a:schemeClr>
+          </a:solidFill>
+          <a:ln>
+            <a:solidFill>
+              <a:schemeClr val="accent1">
+                <a:lumMod val="75000"/>
+              </a:schemeClr>
+            </a:solidFill>
+          </a:ln>
         </p:spPr>
         <p:style>
           <a:lnRef idx="2">
@@ -5434,12 +5454,20 @@
         </p:nvSpPr>
         <p:spPr>
           <a:xfrm>
-            <a:off x="9594111" y="1733105"/>
-            <a:ext cx="712381" cy="659219"/>
+            <a:off x="5821552" y="2008762"/>
+            <a:ext cx="1517515" cy="1585608"/>
           </a:xfrm>
           <a:prstGeom prst="ellipse">
             <a:avLst/>
           </a:prstGeom>
+          <a:solidFill>
+            <a:schemeClr val="bg1"/>
+          </a:solidFill>
+          <a:ln>
+            <a:solidFill>
+              <a:schemeClr val="bg1"/>
+            </a:solidFill>
+          </a:ln>
         </p:spPr>
         <p:style>
           <a:lnRef idx="2">
@@ -5466,20 +5494,55 @@
           </a:p>
         </p:txBody>
       </p:sp>
-      <p:sp>
-        <p:nvSpPr>
-          <p:cNvPr id="5" name="Elipse 4"/>
+    </p:spTree>
+    <p:extLst>
+      <p:ext uri="{BB962C8B-B14F-4D97-AF65-F5344CB8AC3E}">
+        <p14:creationId xmlns:p14="http://schemas.microsoft.com/office/powerpoint/2010/main" val="4008943193"/>
+      </p:ext>
+    </p:extLst>
+  </p:cSld>
+  <p:clrMapOvr>
+    <a:masterClrMapping/>
+  </p:clrMapOvr>
+</p:sld>
+</file>
+
+<file path=ppt/slides/slide5.xml><?xml version="1.0" encoding="utf-8"?>
+<p:sld xmlns:a="http://schemas.openxmlformats.org/drawingml/2006/main" xmlns:r="http://schemas.openxmlformats.org/officeDocument/2006/relationships" xmlns:p="http://schemas.openxmlformats.org/presentationml/2006/main">
+  <p:cSld>
+    <p:spTree>
+      <p:nvGrpSpPr>
+        <p:cNvPr id="1" name=""/>
+        <p:cNvGrpSpPr/>
+        <p:nvPr/>
+      </p:nvGrpSpPr>
+      <p:grpSpPr>
+        <a:xfrm>
+          <a:off x="0" y="0"/>
+          <a:ext cx="0" cy="0"/>
+          <a:chOff x="0" y="0"/>
+          <a:chExt cx="0" cy="0"/>
+        </a:xfrm>
+      </p:grpSpPr>
+      <p:sp>
+        <p:nvSpPr>
+          <p:cNvPr id="2" name="Retângulo 1"/>
           <p:cNvSpPr/>
           <p:nvPr/>
         </p:nvSpPr>
         <p:spPr>
           <a:xfrm>
-            <a:off x="8727557" y="1733104"/>
-            <a:ext cx="712381" cy="659219"/>
-          </a:xfrm>
-          <a:prstGeom prst="ellipse">
-            <a:avLst/>
-          </a:prstGeom>
+            <a:off x="0" y="1488558"/>
+            <a:ext cx="12192000" cy="5369442"/>
+          </a:xfrm>
+          <a:prstGeom prst="rect">
+            <a:avLst/>
+          </a:prstGeom>
+          <a:solidFill>
+            <a:schemeClr val="accent1">
+              <a:lumMod val="75000"/>
+            </a:schemeClr>
+          </a:solidFill>
         </p:spPr>
         <p:style>
           <a:lnRef idx="2">
@@ -5502,19 +5565,19 @@
           <a:lstStyle/>
           <a:p>
             <a:pPr algn="ctr"/>
-            <a:endParaRPr lang="pt-BR"/>
-          </a:p>
-        </p:txBody>
-      </p:sp>
-      <p:sp>
-        <p:nvSpPr>
-          <p:cNvPr id="6" name="Elipse 5"/>
+            <a:endParaRPr lang="pt-BR" u="sng" dirty="0"/>
+          </a:p>
+        </p:txBody>
+      </p:sp>
+      <p:sp>
+        <p:nvSpPr>
+          <p:cNvPr id="3" name="Elipse 2"/>
           <p:cNvSpPr/>
           <p:nvPr/>
         </p:nvSpPr>
         <p:spPr>
           <a:xfrm>
-            <a:off x="10460665" y="1733105"/>
+            <a:off x="7861003" y="1733103"/>
             <a:ext cx="712381" cy="659219"/>
           </a:xfrm>
           <a:prstGeom prst="ellipse">
@@ -5548,13 +5611,13 @@
       </p:sp>
       <p:sp>
         <p:nvSpPr>
-          <p:cNvPr id="7" name="Elipse 6"/>
+          <p:cNvPr id="4" name="Elipse 3"/>
           <p:cNvSpPr/>
           <p:nvPr/>
         </p:nvSpPr>
         <p:spPr>
           <a:xfrm>
-            <a:off x="11327219" y="1733105"/>
+            <a:off x="9594111" y="1733105"/>
             <a:ext cx="712381" cy="659219"/>
           </a:xfrm>
           <a:prstGeom prst="ellipse">
@@ -5588,190 +5651,16 @@
       </p:sp>
       <p:sp>
         <p:nvSpPr>
-          <p:cNvPr id="9" name="CaixaDeTexto 8"/>
-          <p:cNvSpPr txBox="1"/>
-          <p:nvPr/>
-        </p:nvSpPr>
-        <p:spPr>
-          <a:xfrm>
-            <a:off x="8533696" y="6119336"/>
-            <a:ext cx="3853938" cy="738664"/>
-          </a:xfrm>
-          <a:prstGeom prst="rect">
-            <a:avLst/>
-          </a:prstGeom>
-          <a:noFill/>
-        </p:spPr>
-        <p:txBody>
-          <a:bodyPr wrap="square" rtlCol="0">
-            <a:spAutoFit/>
-          </a:bodyPr>
-          <a:lstStyle/>
-          <a:p>
-            <a:r>
-              <a:rPr lang="pt-BR" sz="1200" dirty="0" err="1" smtClean="0">
-                <a:solidFill>
-                  <a:schemeClr val="bg1"/>
-                </a:solidFill>
-              </a:rPr>
-              <a:t>PetFeed</a:t>
-            </a:r>
-            <a:r>
-              <a:rPr lang="pt-BR" sz="1200" dirty="0" smtClean="0">
-                <a:solidFill>
-                  <a:schemeClr val="bg1"/>
-                </a:solidFill>
-              </a:rPr>
-              <a:t> º </a:t>
-            </a:r>
-            <a:r>
-              <a:rPr lang="pt-BR" sz="1200" dirty="0" err="1" smtClean="0">
-                <a:solidFill>
-                  <a:schemeClr val="bg1"/>
-                </a:solidFill>
-              </a:rPr>
-              <a:t>Lorenna</a:t>
-            </a:r>
-            <a:r>
-              <a:rPr lang="pt-BR" sz="1200" dirty="0" smtClean="0">
-                <a:solidFill>
-                  <a:schemeClr val="bg1"/>
-                </a:solidFill>
-              </a:rPr>
-              <a:t> Joanna Leal Nunes e Maria Eduarda Elias Rocha. Todos os direitos reservados.</a:t>
-            </a:r>
-          </a:p>
-          <a:p>
-            <a:endParaRPr lang="pt-BR" dirty="0"/>
-          </a:p>
-        </p:txBody>
-      </p:sp>
-      <p:sp>
-        <p:nvSpPr>
-          <p:cNvPr id="10" name="CaixaDeTexto 9"/>
-          <p:cNvSpPr txBox="1"/>
-          <p:nvPr/>
-        </p:nvSpPr>
-        <p:spPr>
-          <a:xfrm>
-            <a:off x="634348" y="2378089"/>
-            <a:ext cx="1112997" cy="369332"/>
-          </a:xfrm>
-          <a:prstGeom prst="rect">
-            <a:avLst/>
-          </a:prstGeom>
-          <a:noFill/>
-        </p:spPr>
-        <p:txBody>
-          <a:bodyPr wrap="none" rtlCol="0">
-            <a:spAutoFit/>
-          </a:bodyPr>
-          <a:lstStyle/>
-          <a:p>
-            <a:r>
-              <a:rPr lang="pt-BR" dirty="0" smtClean="0">
-                <a:solidFill>
-                  <a:schemeClr val="bg1"/>
-                </a:solidFill>
-              </a:rPr>
-              <a:t>Sobre nós</a:t>
-            </a:r>
-            <a:endParaRPr lang="pt-BR" dirty="0">
-              <a:solidFill>
-                <a:schemeClr val="bg1"/>
-              </a:solidFill>
-            </a:endParaRPr>
-          </a:p>
-        </p:txBody>
-      </p:sp>
-      <p:sp>
-        <p:nvSpPr>
-          <p:cNvPr id="11" name="CaixaDeTexto 10"/>
-          <p:cNvSpPr txBox="1"/>
-          <p:nvPr/>
-        </p:nvSpPr>
-        <p:spPr>
-          <a:xfrm>
-            <a:off x="3132528" y="2392322"/>
-            <a:ext cx="1007007" cy="369332"/>
-          </a:xfrm>
-          <a:prstGeom prst="rect">
-            <a:avLst/>
-          </a:prstGeom>
-          <a:noFill/>
-        </p:spPr>
-        <p:txBody>
-          <a:bodyPr wrap="none" rtlCol="0">
-            <a:spAutoFit/>
-          </a:bodyPr>
-          <a:lstStyle/>
-          <a:p>
-            <a:r>
-              <a:rPr lang="pt-BR" dirty="0" smtClean="0">
-                <a:solidFill>
-                  <a:schemeClr val="bg1"/>
-                </a:solidFill>
-              </a:rPr>
-              <a:t>Contrato</a:t>
-            </a:r>
-            <a:endParaRPr lang="pt-BR" dirty="0">
-              <a:solidFill>
-                <a:schemeClr val="bg1"/>
-              </a:solidFill>
-            </a:endParaRPr>
-          </a:p>
-        </p:txBody>
-      </p:sp>
-      <p:sp>
-        <p:nvSpPr>
-          <p:cNvPr id="12" name="CaixaDeTexto 11"/>
-          <p:cNvSpPr txBox="1"/>
-          <p:nvPr/>
-        </p:nvSpPr>
-        <p:spPr>
-          <a:xfrm>
-            <a:off x="5109479" y="2392322"/>
-            <a:ext cx="1973041" cy="369332"/>
-          </a:xfrm>
-          <a:prstGeom prst="rect">
-            <a:avLst/>
-          </a:prstGeom>
-          <a:noFill/>
-        </p:spPr>
-        <p:txBody>
-          <a:bodyPr wrap="none" rtlCol="0">
-            <a:spAutoFit/>
-          </a:bodyPr>
-          <a:lstStyle/>
-          <a:p>
-            <a:r>
-              <a:rPr lang="pt-BR" dirty="0" smtClean="0">
-                <a:solidFill>
-                  <a:schemeClr val="bg1"/>
-                </a:solidFill>
-              </a:rPr>
-              <a:t>Entrar ou cadastrar</a:t>
-            </a:r>
-            <a:endParaRPr lang="pt-BR" dirty="0">
-              <a:solidFill>
-                <a:schemeClr val="bg1"/>
-              </a:solidFill>
-            </a:endParaRPr>
-          </a:p>
-        </p:txBody>
-      </p:sp>
-      <p:sp>
-        <p:nvSpPr>
-          <p:cNvPr id="13" name="Retângulo 12"/>
+          <p:cNvPr id="5" name="Elipse 4"/>
           <p:cNvSpPr/>
           <p:nvPr/>
         </p:nvSpPr>
         <p:spPr>
           <a:xfrm>
-            <a:off x="170122" y="2892759"/>
-            <a:ext cx="2041450" cy="510363"/>
-          </a:xfrm>
-          <a:prstGeom prst="rect">
+            <a:off x="8727557" y="1733104"/>
+            <a:ext cx="712381" cy="659219"/>
+          </a:xfrm>
+          <a:prstGeom prst="ellipse">
             <a:avLst/>
           </a:prstGeom>
         </p:spPr>
@@ -5802,16 +5691,16 @@
       </p:sp>
       <p:sp>
         <p:nvSpPr>
-          <p:cNvPr id="14" name="Retângulo 13"/>
+          <p:cNvPr id="6" name="Elipse 5"/>
           <p:cNvSpPr/>
           <p:nvPr/>
         </p:nvSpPr>
         <p:spPr>
           <a:xfrm>
-            <a:off x="170122" y="3536421"/>
-            <a:ext cx="2041450" cy="510363"/>
-          </a:xfrm>
-          <a:prstGeom prst="rect">
+            <a:off x="10460665" y="1733105"/>
+            <a:ext cx="712381" cy="659219"/>
+          </a:xfrm>
+          <a:prstGeom prst="ellipse">
             <a:avLst/>
           </a:prstGeom>
         </p:spPr>
@@ -5842,16 +5731,16 @@
       </p:sp>
       <p:sp>
         <p:nvSpPr>
-          <p:cNvPr id="15" name="Retângulo 14"/>
+          <p:cNvPr id="7" name="Elipse 6"/>
           <p:cNvSpPr/>
           <p:nvPr/>
         </p:nvSpPr>
         <p:spPr>
           <a:xfrm>
-            <a:off x="170122" y="4192122"/>
-            <a:ext cx="2041450" cy="510363"/>
-          </a:xfrm>
-          <a:prstGeom prst="rect">
+            <a:off x="11327219" y="1733105"/>
+            <a:ext cx="712381" cy="659219"/>
+          </a:xfrm>
+          <a:prstGeom prst="ellipse">
             <a:avLst/>
           </a:prstGeom>
         </p:spPr>
@@ -5882,13 +5771,187 @@
       </p:sp>
       <p:sp>
         <p:nvSpPr>
-          <p:cNvPr id="16" name="Retângulo 15"/>
+          <p:cNvPr id="9" name="CaixaDeTexto 8"/>
+          <p:cNvSpPr txBox="1"/>
+          <p:nvPr/>
+        </p:nvSpPr>
+        <p:spPr>
+          <a:xfrm>
+            <a:off x="8533696" y="6119336"/>
+            <a:ext cx="3853938" cy="738664"/>
+          </a:xfrm>
+          <a:prstGeom prst="rect">
+            <a:avLst/>
+          </a:prstGeom>
+          <a:noFill/>
+        </p:spPr>
+        <p:txBody>
+          <a:bodyPr wrap="square" rtlCol="0">
+            <a:spAutoFit/>
+          </a:bodyPr>
+          <a:lstStyle/>
+          <a:p>
+            <a:r>
+              <a:rPr lang="pt-BR" sz="1200" dirty="0" err="1" smtClean="0">
+                <a:solidFill>
+                  <a:schemeClr val="bg1"/>
+                </a:solidFill>
+              </a:rPr>
+              <a:t>PetFeed</a:t>
+            </a:r>
+            <a:r>
+              <a:rPr lang="pt-BR" sz="1200" dirty="0" smtClean="0">
+                <a:solidFill>
+                  <a:schemeClr val="bg1"/>
+                </a:solidFill>
+              </a:rPr>
+              <a:t> º </a:t>
+            </a:r>
+            <a:r>
+              <a:rPr lang="pt-BR" sz="1200" dirty="0" err="1" smtClean="0">
+                <a:solidFill>
+                  <a:schemeClr val="bg1"/>
+                </a:solidFill>
+              </a:rPr>
+              <a:t>Lorenna</a:t>
+            </a:r>
+            <a:r>
+              <a:rPr lang="pt-BR" sz="1200" dirty="0" smtClean="0">
+                <a:solidFill>
+                  <a:schemeClr val="bg1"/>
+                </a:solidFill>
+              </a:rPr>
+              <a:t> Joanna Leal Nunes e Maria Eduarda Elias Rocha. Todos os direitos reservados.</a:t>
+            </a:r>
+          </a:p>
+          <a:p>
+            <a:endParaRPr lang="pt-BR" dirty="0"/>
+          </a:p>
+        </p:txBody>
+      </p:sp>
+      <p:sp>
+        <p:nvSpPr>
+          <p:cNvPr id="10" name="CaixaDeTexto 9"/>
+          <p:cNvSpPr txBox="1"/>
+          <p:nvPr/>
+        </p:nvSpPr>
+        <p:spPr>
+          <a:xfrm>
+            <a:off x="634348" y="2378089"/>
+            <a:ext cx="1112997" cy="369332"/>
+          </a:xfrm>
+          <a:prstGeom prst="rect">
+            <a:avLst/>
+          </a:prstGeom>
+          <a:noFill/>
+        </p:spPr>
+        <p:txBody>
+          <a:bodyPr wrap="none" rtlCol="0">
+            <a:spAutoFit/>
+          </a:bodyPr>
+          <a:lstStyle/>
+          <a:p>
+            <a:r>
+              <a:rPr lang="pt-BR" dirty="0" smtClean="0">
+                <a:solidFill>
+                  <a:schemeClr val="bg1"/>
+                </a:solidFill>
+              </a:rPr>
+              <a:t>Sobre nós</a:t>
+            </a:r>
+            <a:endParaRPr lang="pt-BR" dirty="0">
+              <a:solidFill>
+                <a:schemeClr val="bg1"/>
+              </a:solidFill>
+            </a:endParaRPr>
+          </a:p>
+        </p:txBody>
+      </p:sp>
+      <p:sp>
+        <p:nvSpPr>
+          <p:cNvPr id="11" name="CaixaDeTexto 10"/>
+          <p:cNvSpPr txBox="1"/>
+          <p:nvPr/>
+        </p:nvSpPr>
+        <p:spPr>
+          <a:xfrm>
+            <a:off x="3132528" y="2392322"/>
+            <a:ext cx="1007007" cy="369332"/>
+          </a:xfrm>
+          <a:prstGeom prst="rect">
+            <a:avLst/>
+          </a:prstGeom>
+          <a:noFill/>
+        </p:spPr>
+        <p:txBody>
+          <a:bodyPr wrap="none" rtlCol="0">
+            <a:spAutoFit/>
+          </a:bodyPr>
+          <a:lstStyle/>
+          <a:p>
+            <a:r>
+              <a:rPr lang="pt-BR" dirty="0" smtClean="0">
+                <a:solidFill>
+                  <a:schemeClr val="bg1"/>
+                </a:solidFill>
+              </a:rPr>
+              <a:t>Contrato</a:t>
+            </a:r>
+            <a:endParaRPr lang="pt-BR" dirty="0">
+              <a:solidFill>
+                <a:schemeClr val="bg1"/>
+              </a:solidFill>
+            </a:endParaRPr>
+          </a:p>
+        </p:txBody>
+      </p:sp>
+      <p:sp>
+        <p:nvSpPr>
+          <p:cNvPr id="12" name="CaixaDeTexto 11"/>
+          <p:cNvSpPr txBox="1"/>
+          <p:nvPr/>
+        </p:nvSpPr>
+        <p:spPr>
+          <a:xfrm>
+            <a:off x="5109479" y="2392322"/>
+            <a:ext cx="1973041" cy="369332"/>
+          </a:xfrm>
+          <a:prstGeom prst="rect">
+            <a:avLst/>
+          </a:prstGeom>
+          <a:noFill/>
+        </p:spPr>
+        <p:txBody>
+          <a:bodyPr wrap="none" rtlCol="0">
+            <a:spAutoFit/>
+          </a:bodyPr>
+          <a:lstStyle/>
+          <a:p>
+            <a:r>
+              <a:rPr lang="pt-BR" dirty="0" smtClean="0">
+                <a:solidFill>
+                  <a:schemeClr val="bg1"/>
+                </a:solidFill>
+              </a:rPr>
+              <a:t>Entrar ou cadastrar</a:t>
+            </a:r>
+            <a:endParaRPr lang="pt-BR" dirty="0">
+              <a:solidFill>
+                <a:schemeClr val="bg1"/>
+              </a:solidFill>
+            </a:endParaRPr>
+          </a:p>
+        </p:txBody>
+      </p:sp>
+      <p:sp>
+        <p:nvSpPr>
+          <p:cNvPr id="13" name="Retângulo 12"/>
           <p:cNvSpPr/>
           <p:nvPr/>
         </p:nvSpPr>
         <p:spPr>
           <a:xfrm>
-            <a:off x="2614067" y="2892758"/>
+            <a:off x="170122" y="2892759"/>
             <a:ext cx="2041450" cy="510363"/>
           </a:xfrm>
           <a:prstGeom prst="rect">
@@ -5922,13 +5985,13 @@
       </p:sp>
       <p:sp>
         <p:nvSpPr>
-          <p:cNvPr id="17" name="Retângulo 16"/>
+          <p:cNvPr id="14" name="Retângulo 13"/>
           <p:cNvSpPr/>
           <p:nvPr/>
         </p:nvSpPr>
         <p:spPr>
           <a:xfrm>
-            <a:off x="5058013" y="2892758"/>
+            <a:off x="170122" y="3536421"/>
             <a:ext cx="2041450" cy="510363"/>
           </a:xfrm>
           <a:prstGeom prst="rect">
@@ -5962,13 +6025,13 @@
       </p:sp>
       <p:sp>
         <p:nvSpPr>
-          <p:cNvPr id="18" name="Retângulo 17"/>
+          <p:cNvPr id="15" name="Retângulo 14"/>
           <p:cNvSpPr/>
           <p:nvPr/>
         </p:nvSpPr>
         <p:spPr>
           <a:xfrm>
-            <a:off x="5075275" y="3534225"/>
+            <a:off x="170122" y="4192122"/>
             <a:ext cx="2041450" cy="510363"/>
           </a:xfrm>
           <a:prstGeom prst="rect">
@@ -5997,6 +6060,164 @@
           <a:p>
             <a:pPr algn="ctr"/>
             <a:endParaRPr lang="pt-BR"/>
+          </a:p>
+        </p:txBody>
+      </p:sp>
+      <p:sp>
+        <p:nvSpPr>
+          <p:cNvPr id="16" name="Retângulo 15"/>
+          <p:cNvSpPr/>
+          <p:nvPr/>
+        </p:nvSpPr>
+        <p:spPr>
+          <a:xfrm>
+            <a:off x="2614067" y="2892758"/>
+            <a:ext cx="2041450" cy="510363"/>
+          </a:xfrm>
+          <a:prstGeom prst="rect">
+            <a:avLst/>
+          </a:prstGeom>
+        </p:spPr>
+        <p:style>
+          <a:lnRef idx="2">
+            <a:schemeClr val="accent1">
+              <a:shade val="50000"/>
+            </a:schemeClr>
+          </a:lnRef>
+          <a:fillRef idx="1">
+            <a:schemeClr val="accent1"/>
+          </a:fillRef>
+          <a:effectRef idx="0">
+            <a:schemeClr val="accent1"/>
+          </a:effectRef>
+          <a:fontRef idx="minor">
+            <a:schemeClr val="lt1"/>
+          </a:fontRef>
+        </p:style>
+        <p:txBody>
+          <a:bodyPr rtlCol="0" anchor="ctr"/>
+          <a:lstStyle/>
+          <a:p>
+            <a:pPr algn="ctr"/>
+            <a:endParaRPr lang="pt-BR"/>
+          </a:p>
+        </p:txBody>
+      </p:sp>
+      <p:sp>
+        <p:nvSpPr>
+          <p:cNvPr id="17" name="Retângulo 16"/>
+          <p:cNvSpPr/>
+          <p:nvPr/>
+        </p:nvSpPr>
+        <p:spPr>
+          <a:xfrm>
+            <a:off x="5058013" y="2892758"/>
+            <a:ext cx="2041450" cy="510363"/>
+          </a:xfrm>
+          <a:prstGeom prst="rect">
+            <a:avLst/>
+          </a:prstGeom>
+        </p:spPr>
+        <p:style>
+          <a:lnRef idx="2">
+            <a:schemeClr val="accent1">
+              <a:shade val="50000"/>
+            </a:schemeClr>
+          </a:lnRef>
+          <a:fillRef idx="1">
+            <a:schemeClr val="accent1"/>
+          </a:fillRef>
+          <a:effectRef idx="0">
+            <a:schemeClr val="accent1"/>
+          </a:effectRef>
+          <a:fontRef idx="minor">
+            <a:schemeClr val="lt1"/>
+          </a:fontRef>
+        </p:style>
+        <p:txBody>
+          <a:bodyPr rtlCol="0" anchor="ctr"/>
+          <a:lstStyle/>
+          <a:p>
+            <a:pPr algn="ctr"/>
+            <a:endParaRPr lang="pt-BR"/>
+          </a:p>
+        </p:txBody>
+      </p:sp>
+      <p:sp>
+        <p:nvSpPr>
+          <p:cNvPr id="18" name="Retângulo 17"/>
+          <p:cNvSpPr/>
+          <p:nvPr/>
+        </p:nvSpPr>
+        <p:spPr>
+          <a:xfrm>
+            <a:off x="5075275" y="3534225"/>
+            <a:ext cx="2041450" cy="510363"/>
+          </a:xfrm>
+          <a:prstGeom prst="rect">
+            <a:avLst/>
+          </a:prstGeom>
+        </p:spPr>
+        <p:style>
+          <a:lnRef idx="2">
+            <a:schemeClr val="accent1">
+              <a:shade val="50000"/>
+            </a:schemeClr>
+          </a:lnRef>
+          <a:fillRef idx="1">
+            <a:schemeClr val="accent1"/>
+          </a:fillRef>
+          <a:effectRef idx="0">
+            <a:schemeClr val="accent1"/>
+          </a:effectRef>
+          <a:fontRef idx="minor">
+            <a:schemeClr val="lt1"/>
+          </a:fontRef>
+        </p:style>
+        <p:txBody>
+          <a:bodyPr rtlCol="0" anchor="ctr"/>
+          <a:lstStyle/>
+          <a:p>
+            <a:pPr algn="ctr"/>
+            <a:endParaRPr lang="pt-BR"/>
+          </a:p>
+        </p:txBody>
+      </p:sp>
+      <p:sp>
+        <p:nvSpPr>
+          <p:cNvPr id="8" name="CaixaDeTexto 7"/>
+          <p:cNvSpPr txBox="1"/>
+          <p:nvPr/>
+        </p:nvSpPr>
+        <p:spPr>
+          <a:xfrm>
+            <a:off x="581450" y="2963273"/>
+            <a:ext cx="1163332" cy="369332"/>
+          </a:xfrm>
+          <a:prstGeom prst="rect">
+            <a:avLst/>
+          </a:prstGeom>
+          <a:noFill/>
+        </p:spPr>
+        <p:txBody>
+          <a:bodyPr wrap="none" rtlCol="0">
+            <a:spAutoFit/>
+          </a:bodyPr>
+          <a:lstStyle/>
+          <a:p>
+            <a:r>
+              <a:rPr lang="pt-BR" dirty="0" smtClean="0">
+                <a:solidFill>
+                  <a:schemeClr val="bg1"/>
+                </a:solidFill>
+              </a:rPr>
+              <a:t>Bastidores</a:t>
+            </a:r>
+            <a:endParaRPr lang="pt-BR" dirty="0">
+              <a:solidFill>
+                <a:schemeClr val="bg1"/>
+              </a:solidFill>
+            </a:endParaRPr>
           </a:p>
         </p:txBody>
       </p:sp>
@@ -6268,7 +6489,7 @@
   <a:extraClrSchemeLst/>
   <a:extLst>
     <a:ext uri="{05A4C25C-085E-4340-85A3-A5531E510DB2}">
-      <thm15:themeFamily xmlns:thm15="http://schemas.microsoft.com/office/thememl/2012/main" name="Office Theme" id="{62F939B6-93AF-4DB8-9C6B-D6C7DFDC589F}" vid="{4A3C46E8-61CC-4603-A589-7422A47A8E4A}"/>
+      <thm15:themeFamily xmlns:thm15="http://schemas.microsoft.com/office/thememl/2012/main" xmlns="" name="Office Theme" id="{62F939B6-93AF-4DB8-9C6B-D6C7DFDC589F}" vid="{4A3C46E8-61CC-4603-A589-7422A47A8E4A}"/>
     </a:ext>
   </a:extLst>
 </a:theme>

--- a/Ideias/PP.pptx
+++ b/Ideias/PP.pptx
@@ -10,6 +10,8 @@
     <p:sldId id="259" r:id="rId4"/>
     <p:sldId id="261" r:id="rId5"/>
     <p:sldId id="260" r:id="rId6"/>
+    <p:sldId id="262" r:id="rId7"/>
+    <p:sldId id="263" r:id="rId8"/>
   </p:sldIdLst>
   <p:sldSz cx="12192000" cy="6858000"/>
   <p:notesSz cx="6858000" cy="9144000"/>
@@ -242,7 +244,7 @@
           <a:p>
             <a:fld id="{CB3F135A-69BC-4DF6-ADD3-5F6FF918595A}" type="datetimeFigureOut">
               <a:rPr lang="pt-BR" smtClean="0"/>
-              <a:t>01/03/2019</a:t>
+              <a:t>15/03/2019</a:t>
             </a:fld>
             <a:endParaRPr lang="pt-BR"/>
           </a:p>
@@ -412,7 +414,7 @@
           <a:p>
             <a:fld id="{CB3F135A-69BC-4DF6-ADD3-5F6FF918595A}" type="datetimeFigureOut">
               <a:rPr lang="pt-BR" smtClean="0"/>
-              <a:t>01/03/2019</a:t>
+              <a:t>15/03/2019</a:t>
             </a:fld>
             <a:endParaRPr lang="pt-BR"/>
           </a:p>
@@ -592,7 +594,7 @@
           <a:p>
             <a:fld id="{CB3F135A-69BC-4DF6-ADD3-5F6FF918595A}" type="datetimeFigureOut">
               <a:rPr lang="pt-BR" smtClean="0"/>
-              <a:t>01/03/2019</a:t>
+              <a:t>15/03/2019</a:t>
             </a:fld>
             <a:endParaRPr lang="pt-BR"/>
           </a:p>
@@ -762,7 +764,7 @@
           <a:p>
             <a:fld id="{CB3F135A-69BC-4DF6-ADD3-5F6FF918595A}" type="datetimeFigureOut">
               <a:rPr lang="pt-BR" smtClean="0"/>
-              <a:t>01/03/2019</a:t>
+              <a:t>15/03/2019</a:t>
             </a:fld>
             <a:endParaRPr lang="pt-BR"/>
           </a:p>
@@ -1008,7 +1010,7 @@
           <a:p>
             <a:fld id="{CB3F135A-69BC-4DF6-ADD3-5F6FF918595A}" type="datetimeFigureOut">
               <a:rPr lang="pt-BR" smtClean="0"/>
-              <a:t>01/03/2019</a:t>
+              <a:t>15/03/2019</a:t>
             </a:fld>
             <a:endParaRPr lang="pt-BR"/>
           </a:p>
@@ -1240,7 +1242,7 @@
           <a:p>
             <a:fld id="{CB3F135A-69BC-4DF6-ADD3-5F6FF918595A}" type="datetimeFigureOut">
               <a:rPr lang="pt-BR" smtClean="0"/>
-              <a:t>01/03/2019</a:t>
+              <a:t>15/03/2019</a:t>
             </a:fld>
             <a:endParaRPr lang="pt-BR"/>
           </a:p>
@@ -1607,7 +1609,7 @@
           <a:p>
             <a:fld id="{CB3F135A-69BC-4DF6-ADD3-5F6FF918595A}" type="datetimeFigureOut">
               <a:rPr lang="pt-BR" smtClean="0"/>
-              <a:t>01/03/2019</a:t>
+              <a:t>15/03/2019</a:t>
             </a:fld>
             <a:endParaRPr lang="pt-BR"/>
           </a:p>
@@ -1725,7 +1727,7 @@
           <a:p>
             <a:fld id="{CB3F135A-69BC-4DF6-ADD3-5F6FF918595A}" type="datetimeFigureOut">
               <a:rPr lang="pt-BR" smtClean="0"/>
-              <a:t>01/03/2019</a:t>
+              <a:t>15/03/2019</a:t>
             </a:fld>
             <a:endParaRPr lang="pt-BR"/>
           </a:p>
@@ -1820,7 +1822,7 @@
           <a:p>
             <a:fld id="{CB3F135A-69BC-4DF6-ADD3-5F6FF918595A}" type="datetimeFigureOut">
               <a:rPr lang="pt-BR" smtClean="0"/>
-              <a:t>01/03/2019</a:t>
+              <a:t>15/03/2019</a:t>
             </a:fld>
             <a:endParaRPr lang="pt-BR"/>
           </a:p>
@@ -2097,7 +2099,7 @@
           <a:p>
             <a:fld id="{CB3F135A-69BC-4DF6-ADD3-5F6FF918595A}" type="datetimeFigureOut">
               <a:rPr lang="pt-BR" smtClean="0"/>
-              <a:t>01/03/2019</a:t>
+              <a:t>15/03/2019</a:t>
             </a:fld>
             <a:endParaRPr lang="pt-BR"/>
           </a:p>
@@ -2350,7 +2352,7 @@
           <a:p>
             <a:fld id="{CB3F135A-69BC-4DF6-ADD3-5F6FF918595A}" type="datetimeFigureOut">
               <a:rPr lang="pt-BR" smtClean="0"/>
-              <a:t>01/03/2019</a:t>
+              <a:t>15/03/2019</a:t>
             </a:fld>
             <a:endParaRPr lang="pt-BR"/>
           </a:p>
@@ -2563,7 +2565,7 @@
           <a:p>
             <a:fld id="{CB3F135A-69BC-4DF6-ADD3-5F6FF918595A}" type="datetimeFigureOut">
               <a:rPr lang="pt-BR" smtClean="0"/>
-              <a:t>01/03/2019</a:t>
+              <a:t>15/03/2019</a:t>
             </a:fld>
             <a:endParaRPr lang="pt-BR"/>
           </a:p>
@@ -5792,20 +5794,12 @@
           <a:lstStyle/>
           <a:p>
             <a:r>
-              <a:rPr lang="pt-BR" sz="1200" dirty="0" err="1" smtClean="0">
-                <a:solidFill>
-                  <a:schemeClr val="bg1"/>
-                </a:solidFill>
-              </a:rPr>
-              <a:t>PetFeed</a:t>
-            </a:r>
-            <a:r>
               <a:rPr lang="pt-BR" sz="1200" dirty="0" smtClean="0">
                 <a:solidFill>
                   <a:schemeClr val="bg1"/>
                 </a:solidFill>
               </a:rPr>
-              <a:t> º </a:t>
+              <a:t>PetFeed º </a:t>
             </a:r>
             <a:r>
               <a:rPr lang="pt-BR" sz="1200" dirty="0" err="1" smtClean="0">
@@ -6225,6 +6219,533 @@
     <p:extLst>
       <p:ext uri="{BB962C8B-B14F-4D97-AF65-F5344CB8AC3E}">
         <p14:creationId xmlns:p14="http://schemas.microsoft.com/office/powerpoint/2010/main" val="3212791591"/>
+      </p:ext>
+    </p:extLst>
+  </p:cSld>
+  <p:clrMapOvr>
+    <a:masterClrMapping/>
+  </p:clrMapOvr>
+</p:sld>
+</file>
+
+<file path=ppt/slides/slide6.xml><?xml version="1.0" encoding="utf-8"?>
+<p:sld xmlns:a="http://schemas.openxmlformats.org/drawingml/2006/main" xmlns:r="http://schemas.openxmlformats.org/officeDocument/2006/relationships" xmlns:p="http://schemas.openxmlformats.org/presentationml/2006/main">
+  <p:cSld>
+    <p:spTree>
+      <p:nvGrpSpPr>
+        <p:cNvPr id="1" name=""/>
+        <p:cNvGrpSpPr/>
+        <p:nvPr/>
+      </p:nvGrpSpPr>
+      <p:grpSpPr>
+        <a:xfrm>
+          <a:off x="0" y="0"/>
+          <a:ext cx="0" cy="0"/>
+          <a:chOff x="0" y="0"/>
+          <a:chExt cx="0" cy="0"/>
+        </a:xfrm>
+      </p:grpSpPr>
+      <p:pic>
+        <p:nvPicPr>
+          <p:cNvPr id="4" name="Imagem 3"/>
+          <p:cNvPicPr>
+            <a:picLocks noChangeAspect="1"/>
+          </p:cNvPicPr>
+          <p:nvPr/>
+        </p:nvPicPr>
+        <p:blipFill>
+          <a:blip r:embed="rId2">
+            <a:extLst>
+              <a:ext uri="{BEBA8EAE-BF5A-486C-A8C5-ECC9F3942E4B}">
+                <a14:imgProps xmlns:a14="http://schemas.microsoft.com/office/drawing/2010/main">
+                  <a14:imgLayer r:embed="rId3">
+                    <a14:imgEffect>
+                      <a14:artisticBlur radius="4"/>
+                    </a14:imgEffect>
+                  </a14:imgLayer>
+                </a14:imgProps>
+              </a:ext>
+              <a:ext uri="{28A0092B-C50C-407E-A947-70E740481C1C}">
+                <a14:useLocalDpi xmlns:a14="http://schemas.microsoft.com/office/drawing/2010/main" val="0"/>
+              </a:ext>
+            </a:extLst>
+          </a:blip>
+          <a:stretch>
+            <a:fillRect/>
+          </a:stretch>
+        </p:blipFill>
+        <p:spPr>
+          <a:xfrm>
+            <a:off x="0" y="0"/>
+            <a:ext cx="12192000" cy="6858000"/>
+          </a:xfrm>
+          <a:prstGeom prst="rect">
+            <a:avLst/>
+          </a:prstGeom>
+        </p:spPr>
+      </p:pic>
+      <p:sp>
+        <p:nvSpPr>
+          <p:cNvPr id="5" name="Retângulo 4"/>
+          <p:cNvSpPr/>
+          <p:nvPr/>
+        </p:nvSpPr>
+        <p:spPr>
+          <a:xfrm>
+            <a:off x="446808" y="1298864"/>
+            <a:ext cx="5953991" cy="4914900"/>
+          </a:xfrm>
+          <a:prstGeom prst="rect">
+            <a:avLst/>
+          </a:prstGeom>
+        </p:spPr>
+        <p:style>
+          <a:lnRef idx="2">
+            <a:schemeClr val="accent1">
+              <a:shade val="50000"/>
+            </a:schemeClr>
+          </a:lnRef>
+          <a:fillRef idx="1">
+            <a:schemeClr val="accent1"/>
+          </a:fillRef>
+          <a:effectRef idx="0">
+            <a:schemeClr val="accent1"/>
+          </a:effectRef>
+          <a:fontRef idx="minor">
+            <a:schemeClr val="lt1"/>
+          </a:fontRef>
+        </p:style>
+        <p:txBody>
+          <a:bodyPr rtlCol="0" anchor="ctr"/>
+          <a:lstStyle/>
+          <a:p>
+            <a:pPr algn="ctr"/>
+            <a:endParaRPr lang="pt-BR" b="1" dirty="0"/>
+          </a:p>
+        </p:txBody>
+      </p:sp>
+      <p:sp>
+        <p:nvSpPr>
+          <p:cNvPr id="6" name="CaixaDeTexto 5"/>
+          <p:cNvSpPr txBox="1"/>
+          <p:nvPr/>
+        </p:nvSpPr>
+        <p:spPr>
+          <a:xfrm>
+            <a:off x="130055" y="95889"/>
+            <a:ext cx="633507" cy="369332"/>
+          </a:xfrm>
+          <a:prstGeom prst="rect">
+            <a:avLst/>
+          </a:prstGeom>
+          <a:noFill/>
+        </p:spPr>
+        <p:txBody>
+          <a:bodyPr wrap="none" rtlCol="0">
+            <a:spAutoFit/>
+          </a:bodyPr>
+          <a:lstStyle/>
+          <a:p>
+            <a:r>
+              <a:rPr lang="pt-BR" dirty="0" smtClean="0">
+                <a:solidFill>
+                  <a:schemeClr val="bg1"/>
+                </a:solidFill>
+              </a:rPr>
+              <a:t>Logo</a:t>
+            </a:r>
+            <a:endParaRPr lang="pt-BR" dirty="0">
+              <a:solidFill>
+                <a:schemeClr val="bg1"/>
+              </a:solidFill>
+            </a:endParaRPr>
+          </a:p>
+        </p:txBody>
+      </p:sp>
+      <p:sp>
+        <p:nvSpPr>
+          <p:cNvPr id="7" name="CaixaDeTexto 6"/>
+          <p:cNvSpPr txBox="1"/>
+          <p:nvPr/>
+        </p:nvSpPr>
+        <p:spPr>
+          <a:xfrm>
+            <a:off x="763561" y="1496291"/>
+            <a:ext cx="5533329" cy="2785378"/>
+          </a:xfrm>
+          <a:prstGeom prst="rect">
+            <a:avLst/>
+          </a:prstGeom>
+          <a:noFill/>
+          <a:effectLst>
+            <a:outerShdw blurRad="50800" dist="38100" dir="2700000" algn="tl" rotWithShape="0">
+              <a:prstClr val="black">
+                <a:alpha val="40000"/>
+              </a:prstClr>
+            </a:outerShdw>
+          </a:effectLst>
+        </p:spPr>
+        <p:txBody>
+          <a:bodyPr wrap="square" rtlCol="0">
+            <a:spAutoFit/>
+          </a:bodyPr>
+          <a:lstStyle/>
+          <a:p>
+            <a:r>
+              <a:rPr lang="pt-BR" sz="3500" dirty="0" smtClean="0">
+                <a:solidFill>
+                  <a:schemeClr val="accent1">
+                    <a:lumMod val="60000"/>
+                    <a:lumOff val="40000"/>
+                  </a:schemeClr>
+                </a:solidFill>
+              </a:rPr>
+              <a:t>Nosso propósito é revolucionar o universo da alimentação dos animais dando ao seu dono uma vida mais pratica </a:t>
+            </a:r>
+            <a:endParaRPr lang="pt-BR" sz="3500" dirty="0">
+              <a:solidFill>
+                <a:schemeClr val="accent1">
+                  <a:lumMod val="60000"/>
+                  <a:lumOff val="40000"/>
+                </a:schemeClr>
+              </a:solidFill>
+            </a:endParaRPr>
+          </a:p>
+        </p:txBody>
+      </p:sp>
+      <p:sp>
+        <p:nvSpPr>
+          <p:cNvPr id="8" name="CaixaDeTexto 7"/>
+          <p:cNvSpPr txBox="1"/>
+          <p:nvPr/>
+        </p:nvSpPr>
+        <p:spPr>
+          <a:xfrm>
+            <a:off x="763562" y="4426685"/>
+            <a:ext cx="5533329" cy="1631216"/>
+          </a:xfrm>
+          <a:prstGeom prst="rect">
+            <a:avLst/>
+          </a:prstGeom>
+          <a:noFill/>
+        </p:spPr>
+        <p:txBody>
+          <a:bodyPr wrap="square" rtlCol="0">
+            <a:spAutoFit/>
+          </a:bodyPr>
+          <a:lstStyle/>
+          <a:p>
+            <a:pPr algn="just"/>
+            <a:r>
+              <a:rPr lang="pt-BR" sz="2000" dirty="0">
+                <a:solidFill>
+                  <a:schemeClr val="bg1"/>
+                </a:solidFill>
+              </a:rPr>
+              <a:t>Assim como </a:t>
+            </a:r>
+            <a:r>
+              <a:rPr lang="pt-BR" sz="2000" dirty="0" smtClean="0">
+                <a:solidFill>
+                  <a:schemeClr val="bg1"/>
+                </a:solidFill>
+              </a:rPr>
+              <a:t>nós, </a:t>
+            </a:r>
+            <a:r>
+              <a:rPr lang="pt-BR" sz="2000" dirty="0">
+                <a:solidFill>
+                  <a:schemeClr val="bg1"/>
+                </a:solidFill>
+              </a:rPr>
+              <a:t>todos os outros animais </a:t>
+            </a:r>
+            <a:r>
+              <a:rPr lang="pt-BR" sz="2000" dirty="0" smtClean="0">
+                <a:solidFill>
+                  <a:schemeClr val="bg1"/>
+                </a:solidFill>
+              </a:rPr>
+              <a:t>precisam </a:t>
+            </a:r>
+            <a:r>
+              <a:rPr lang="pt-BR" sz="2000" dirty="0">
+                <a:solidFill>
+                  <a:schemeClr val="bg1"/>
+                </a:solidFill>
+              </a:rPr>
+              <a:t>de uma alimentação adequada, pois é de onde retiramos a energia necessária para manter o organismo funcionando corretamente e para realizar todas as nossas atividades. </a:t>
+            </a:r>
+            <a:endParaRPr lang="pt-BR" sz="2000" dirty="0">
+              <a:solidFill>
+                <a:schemeClr val="bg1"/>
+              </a:solidFill>
+            </a:endParaRPr>
+          </a:p>
+        </p:txBody>
+      </p:sp>
+    </p:spTree>
+    <p:extLst>
+      <p:ext uri="{BB962C8B-B14F-4D97-AF65-F5344CB8AC3E}">
+        <p14:creationId xmlns:p14="http://schemas.microsoft.com/office/powerpoint/2010/main" val="142368027"/>
+      </p:ext>
+    </p:extLst>
+  </p:cSld>
+  <p:clrMapOvr>
+    <a:masterClrMapping/>
+  </p:clrMapOvr>
+</p:sld>
+</file>
+
+<file path=ppt/slides/slide7.xml><?xml version="1.0" encoding="utf-8"?>
+<p:sld xmlns:a="http://schemas.openxmlformats.org/drawingml/2006/main" xmlns:r="http://schemas.openxmlformats.org/officeDocument/2006/relationships" xmlns:p="http://schemas.openxmlformats.org/presentationml/2006/main">
+  <p:cSld>
+    <p:spTree>
+      <p:nvGrpSpPr>
+        <p:cNvPr id="1" name=""/>
+        <p:cNvGrpSpPr/>
+        <p:nvPr/>
+      </p:nvGrpSpPr>
+      <p:grpSpPr>
+        <a:xfrm>
+          <a:off x="0" y="0"/>
+          <a:ext cx="0" cy="0"/>
+          <a:chOff x="0" y="0"/>
+          <a:chExt cx="0" cy="0"/>
+        </a:xfrm>
+      </p:grpSpPr>
+      <p:sp>
+        <p:nvSpPr>
+          <p:cNvPr id="3" name="Retângulo 2"/>
+          <p:cNvSpPr/>
+          <p:nvPr/>
+        </p:nvSpPr>
+        <p:spPr>
+          <a:xfrm>
+            <a:off x="6725818" y="1211142"/>
+            <a:ext cx="3169227" cy="4125191"/>
+          </a:xfrm>
+          <a:prstGeom prst="rect">
+            <a:avLst/>
+          </a:prstGeom>
+        </p:spPr>
+        <p:style>
+          <a:lnRef idx="2">
+            <a:schemeClr val="accent1">
+              <a:shade val="50000"/>
+            </a:schemeClr>
+          </a:lnRef>
+          <a:fillRef idx="1">
+            <a:schemeClr val="accent1"/>
+          </a:fillRef>
+          <a:effectRef idx="0">
+            <a:schemeClr val="accent1"/>
+          </a:effectRef>
+          <a:fontRef idx="minor">
+            <a:schemeClr val="lt1"/>
+          </a:fontRef>
+        </p:style>
+        <p:txBody>
+          <a:bodyPr rtlCol="0" anchor="ctr"/>
+          <a:lstStyle/>
+          <a:p>
+            <a:pPr algn="ctr"/>
+            <a:r>
+              <a:rPr lang="pt-BR" dirty="0" smtClean="0"/>
+              <a:t>“Ao sair </a:t>
+            </a:r>
+            <a:r>
+              <a:rPr lang="pt-BR" dirty="0"/>
+              <a:t>de casa, eu gasto com gasolina, pego </a:t>
+            </a:r>
+            <a:r>
+              <a:rPr lang="pt-BR" dirty="0" smtClean="0"/>
+              <a:t>trânsito, </a:t>
+            </a:r>
+            <a:r>
+              <a:rPr lang="pt-BR" dirty="0"/>
+              <a:t>pago estacionamento e tenho que ficar na fila. Com delivery online, eu me poupo disso tudo</a:t>
+            </a:r>
+            <a:r>
+              <a:rPr lang="pt-BR" dirty="0" smtClean="0"/>
+              <a:t>.”</a:t>
+            </a:r>
+            <a:endParaRPr lang="pt-BR" b="1" dirty="0"/>
+          </a:p>
+        </p:txBody>
+      </p:sp>
+      <p:sp>
+        <p:nvSpPr>
+          <p:cNvPr id="4" name="Retângulo 3"/>
+          <p:cNvSpPr/>
+          <p:nvPr/>
+        </p:nvSpPr>
+        <p:spPr>
+          <a:xfrm>
+            <a:off x="2026225" y="1211143"/>
+            <a:ext cx="3169227" cy="4125191"/>
+          </a:xfrm>
+          <a:prstGeom prst="rect">
+            <a:avLst/>
+          </a:prstGeom>
+        </p:spPr>
+        <p:style>
+          <a:lnRef idx="2">
+            <a:schemeClr val="accent1">
+              <a:shade val="50000"/>
+            </a:schemeClr>
+          </a:lnRef>
+          <a:fillRef idx="1">
+            <a:schemeClr val="accent1"/>
+          </a:fillRef>
+          <a:effectRef idx="0">
+            <a:schemeClr val="accent1"/>
+          </a:effectRef>
+          <a:fontRef idx="minor">
+            <a:schemeClr val="lt1"/>
+          </a:fontRef>
+        </p:style>
+        <p:txBody>
+          <a:bodyPr rtlCol="0" anchor="ctr"/>
+          <a:lstStyle/>
+          <a:p>
+            <a:pPr algn="ctr"/>
+            <a:r>
+              <a:rPr lang="pt-BR" dirty="0"/>
+              <a:t>“Costumo pedir </a:t>
+            </a:r>
+            <a:r>
+              <a:rPr lang="pt-BR" dirty="0" smtClean="0"/>
+              <a:t>ração </a:t>
+            </a:r>
+            <a:r>
+              <a:rPr lang="pt-BR" dirty="0"/>
+              <a:t>pelo </a:t>
+            </a:r>
+            <a:r>
+              <a:rPr lang="pt-BR" dirty="0" smtClean="0"/>
+              <a:t>PetFeed para meu bezerro. E vendo ele feliz se alimentado me sinto recompensada.” </a:t>
+            </a:r>
+            <a:endParaRPr lang="pt-BR" dirty="0"/>
+          </a:p>
+        </p:txBody>
+      </p:sp>
+      <p:sp>
+        <p:nvSpPr>
+          <p:cNvPr id="6" name="CaixaDeTexto 5"/>
+          <p:cNvSpPr txBox="1"/>
+          <p:nvPr/>
+        </p:nvSpPr>
+        <p:spPr>
+          <a:xfrm>
+            <a:off x="7568240" y="4327450"/>
+            <a:ext cx="1484381" cy="646331"/>
+          </a:xfrm>
+          <a:prstGeom prst="rect">
+            <a:avLst/>
+          </a:prstGeom>
+          <a:noFill/>
+        </p:spPr>
+        <p:txBody>
+          <a:bodyPr wrap="none" rtlCol="0">
+            <a:spAutoFit/>
+          </a:bodyPr>
+          <a:lstStyle/>
+          <a:p>
+            <a:pPr algn="ctr"/>
+            <a:r>
+              <a:rPr lang="pt-BR" dirty="0" smtClean="0">
+                <a:solidFill>
+                  <a:schemeClr val="bg2">
+                    <a:lumMod val="50000"/>
+                  </a:schemeClr>
+                </a:solidFill>
+              </a:rPr>
+              <a:t>Vítor Calhau</a:t>
+            </a:r>
+          </a:p>
+          <a:p>
+            <a:pPr algn="ctr"/>
+            <a:r>
+              <a:rPr lang="pt-BR" dirty="0" smtClean="0">
+                <a:solidFill>
+                  <a:schemeClr val="bg2">
+                    <a:lumMod val="50000"/>
+                  </a:schemeClr>
+                </a:solidFill>
+              </a:rPr>
+              <a:t>Americana-SP</a:t>
+            </a:r>
+            <a:endParaRPr lang="pt-BR" dirty="0">
+              <a:solidFill>
+                <a:schemeClr val="bg2">
+                  <a:lumMod val="50000"/>
+                </a:schemeClr>
+              </a:solidFill>
+            </a:endParaRPr>
+          </a:p>
+        </p:txBody>
+      </p:sp>
+      <p:sp>
+        <p:nvSpPr>
+          <p:cNvPr id="9" name="CaixaDeTexto 8"/>
+          <p:cNvSpPr txBox="1"/>
+          <p:nvPr/>
+        </p:nvSpPr>
+        <p:spPr>
+          <a:xfrm>
+            <a:off x="2999294" y="4470827"/>
+            <a:ext cx="1223092" cy="646331"/>
+          </a:xfrm>
+          <a:prstGeom prst="rect">
+            <a:avLst/>
+          </a:prstGeom>
+          <a:noFill/>
+        </p:spPr>
+        <p:txBody>
+          <a:bodyPr wrap="none" rtlCol="0">
+            <a:spAutoFit/>
+          </a:bodyPr>
+          <a:lstStyle/>
+          <a:p>
+            <a:pPr algn="ctr"/>
+            <a:r>
+              <a:rPr lang="pt-BR" dirty="0" smtClean="0">
+                <a:solidFill>
+                  <a:schemeClr val="bg2">
+                    <a:lumMod val="50000"/>
+                  </a:schemeClr>
+                </a:solidFill>
+              </a:rPr>
+              <a:t>Cauany</a:t>
+            </a:r>
+          </a:p>
+          <a:p>
+            <a:pPr algn="ctr"/>
+            <a:r>
+              <a:rPr lang="pt-BR" dirty="0" smtClean="0">
+                <a:solidFill>
+                  <a:schemeClr val="bg2">
+                    <a:lumMod val="50000"/>
+                  </a:schemeClr>
+                </a:solidFill>
+              </a:rPr>
+              <a:t>Alegrete-PI</a:t>
+            </a:r>
+            <a:endParaRPr lang="pt-BR" dirty="0">
+              <a:solidFill>
+                <a:schemeClr val="bg2">
+                  <a:lumMod val="50000"/>
+                </a:schemeClr>
+              </a:solidFill>
+            </a:endParaRPr>
+          </a:p>
+        </p:txBody>
+      </p:sp>
+    </p:spTree>
+    <p:extLst>
+      <p:ext uri="{BB962C8B-B14F-4D97-AF65-F5344CB8AC3E}">
+        <p14:creationId xmlns:p14="http://schemas.microsoft.com/office/powerpoint/2010/main" val="358723030"/>
       </p:ext>
     </p:extLst>
   </p:cSld>

--- a/Ideias/PP.pptx
+++ b/Ideias/PP.pptx
@@ -7,11 +7,15 @@
   <p:sldIdLst>
     <p:sldId id="257" r:id="rId2"/>
     <p:sldId id="258" r:id="rId3"/>
-    <p:sldId id="259" r:id="rId4"/>
-    <p:sldId id="261" r:id="rId5"/>
-    <p:sldId id="260" r:id="rId6"/>
-    <p:sldId id="262" r:id="rId7"/>
-    <p:sldId id="263" r:id="rId8"/>
+    <p:sldId id="265" r:id="rId4"/>
+    <p:sldId id="264" r:id="rId5"/>
+    <p:sldId id="266" r:id="rId6"/>
+    <p:sldId id="267" r:id="rId7"/>
+    <p:sldId id="259" r:id="rId8"/>
+    <p:sldId id="261" r:id="rId9"/>
+    <p:sldId id="260" r:id="rId10"/>
+    <p:sldId id="262" r:id="rId11"/>
+    <p:sldId id="263" r:id="rId12"/>
   </p:sldIdLst>
   <p:sldSz cx="12192000" cy="6858000"/>
   <p:notesSz cx="6858000" cy="9144000"/>
@@ -244,7 +248,7 @@
           <a:p>
             <a:fld id="{CB3F135A-69BC-4DF6-ADD3-5F6FF918595A}" type="datetimeFigureOut">
               <a:rPr lang="pt-BR" smtClean="0"/>
-              <a:t>15/03/2019</a:t>
+              <a:t>18/03/2019</a:t>
             </a:fld>
             <a:endParaRPr lang="pt-BR"/>
           </a:p>
@@ -414,7 +418,7 @@
           <a:p>
             <a:fld id="{CB3F135A-69BC-4DF6-ADD3-5F6FF918595A}" type="datetimeFigureOut">
               <a:rPr lang="pt-BR" smtClean="0"/>
-              <a:t>15/03/2019</a:t>
+              <a:t>18/03/2019</a:t>
             </a:fld>
             <a:endParaRPr lang="pt-BR"/>
           </a:p>
@@ -594,7 +598,7 @@
           <a:p>
             <a:fld id="{CB3F135A-69BC-4DF6-ADD3-5F6FF918595A}" type="datetimeFigureOut">
               <a:rPr lang="pt-BR" smtClean="0"/>
-              <a:t>15/03/2019</a:t>
+              <a:t>18/03/2019</a:t>
             </a:fld>
             <a:endParaRPr lang="pt-BR"/>
           </a:p>
@@ -764,7 +768,7 @@
           <a:p>
             <a:fld id="{CB3F135A-69BC-4DF6-ADD3-5F6FF918595A}" type="datetimeFigureOut">
               <a:rPr lang="pt-BR" smtClean="0"/>
-              <a:t>15/03/2019</a:t>
+              <a:t>18/03/2019</a:t>
             </a:fld>
             <a:endParaRPr lang="pt-BR"/>
           </a:p>
@@ -1010,7 +1014,7 @@
           <a:p>
             <a:fld id="{CB3F135A-69BC-4DF6-ADD3-5F6FF918595A}" type="datetimeFigureOut">
               <a:rPr lang="pt-BR" smtClean="0"/>
-              <a:t>15/03/2019</a:t>
+              <a:t>18/03/2019</a:t>
             </a:fld>
             <a:endParaRPr lang="pt-BR"/>
           </a:p>
@@ -1242,7 +1246,7 @@
           <a:p>
             <a:fld id="{CB3F135A-69BC-4DF6-ADD3-5F6FF918595A}" type="datetimeFigureOut">
               <a:rPr lang="pt-BR" smtClean="0"/>
-              <a:t>15/03/2019</a:t>
+              <a:t>18/03/2019</a:t>
             </a:fld>
             <a:endParaRPr lang="pt-BR"/>
           </a:p>
@@ -1609,7 +1613,7 @@
           <a:p>
             <a:fld id="{CB3F135A-69BC-4DF6-ADD3-5F6FF918595A}" type="datetimeFigureOut">
               <a:rPr lang="pt-BR" smtClean="0"/>
-              <a:t>15/03/2019</a:t>
+              <a:t>18/03/2019</a:t>
             </a:fld>
             <a:endParaRPr lang="pt-BR"/>
           </a:p>
@@ -1727,7 +1731,7 @@
           <a:p>
             <a:fld id="{CB3F135A-69BC-4DF6-ADD3-5F6FF918595A}" type="datetimeFigureOut">
               <a:rPr lang="pt-BR" smtClean="0"/>
-              <a:t>15/03/2019</a:t>
+              <a:t>18/03/2019</a:t>
             </a:fld>
             <a:endParaRPr lang="pt-BR"/>
           </a:p>
@@ -1822,7 +1826,7 @@
           <a:p>
             <a:fld id="{CB3F135A-69BC-4DF6-ADD3-5F6FF918595A}" type="datetimeFigureOut">
               <a:rPr lang="pt-BR" smtClean="0"/>
-              <a:t>15/03/2019</a:t>
+              <a:t>18/03/2019</a:t>
             </a:fld>
             <a:endParaRPr lang="pt-BR"/>
           </a:p>
@@ -2099,7 +2103,7 @@
           <a:p>
             <a:fld id="{CB3F135A-69BC-4DF6-ADD3-5F6FF918595A}" type="datetimeFigureOut">
               <a:rPr lang="pt-BR" smtClean="0"/>
-              <a:t>15/03/2019</a:t>
+              <a:t>18/03/2019</a:t>
             </a:fld>
             <a:endParaRPr lang="pt-BR"/>
           </a:p>
@@ -2352,7 +2356,7 @@
           <a:p>
             <a:fld id="{CB3F135A-69BC-4DF6-ADD3-5F6FF918595A}" type="datetimeFigureOut">
               <a:rPr lang="pt-BR" smtClean="0"/>
-              <a:t>15/03/2019</a:t>
+              <a:t>18/03/2019</a:t>
             </a:fld>
             <a:endParaRPr lang="pt-BR"/>
           </a:p>
@@ -2565,7 +2569,7 @@
           <a:p>
             <a:fld id="{CB3F135A-69BC-4DF6-ADD3-5F6FF918595A}" type="datetimeFigureOut">
               <a:rPr lang="pt-BR" smtClean="0"/>
-              <a:t>15/03/2019</a:t>
+              <a:t>18/03/2019</a:t>
             </a:fld>
             <a:endParaRPr lang="pt-BR"/>
           </a:p>
@@ -3515,6 +3519,528 @@
 </p:sld>
 </file>
 
+<file path=ppt/slides/slide10.xml><?xml version="1.0" encoding="utf-8"?>
+<p:sld xmlns:a="http://schemas.openxmlformats.org/drawingml/2006/main" xmlns:r="http://schemas.openxmlformats.org/officeDocument/2006/relationships" xmlns:p="http://schemas.openxmlformats.org/presentationml/2006/main">
+  <p:cSld>
+    <p:spTree>
+      <p:nvGrpSpPr>
+        <p:cNvPr id="1" name=""/>
+        <p:cNvGrpSpPr/>
+        <p:nvPr/>
+      </p:nvGrpSpPr>
+      <p:grpSpPr>
+        <a:xfrm>
+          <a:off x="0" y="0"/>
+          <a:ext cx="0" cy="0"/>
+          <a:chOff x="0" y="0"/>
+          <a:chExt cx="0" cy="0"/>
+        </a:xfrm>
+      </p:grpSpPr>
+      <p:pic>
+        <p:nvPicPr>
+          <p:cNvPr id="4" name="Imagem 3"/>
+          <p:cNvPicPr>
+            <a:picLocks noChangeAspect="1"/>
+          </p:cNvPicPr>
+          <p:nvPr/>
+        </p:nvPicPr>
+        <p:blipFill>
+          <a:blip r:embed="rId2">
+            <a:extLst>
+              <a:ext uri="{BEBA8EAE-BF5A-486C-A8C5-ECC9F3942E4B}">
+                <a14:imgProps xmlns:a14="http://schemas.microsoft.com/office/drawing/2010/main">
+                  <a14:imgLayer r:embed="rId3">
+                    <a14:imgEffect>
+                      <a14:artisticBlur radius="4"/>
+                    </a14:imgEffect>
+                  </a14:imgLayer>
+                </a14:imgProps>
+              </a:ext>
+              <a:ext uri="{28A0092B-C50C-407E-A947-70E740481C1C}">
+                <a14:useLocalDpi xmlns:a14="http://schemas.microsoft.com/office/drawing/2010/main" val="0"/>
+              </a:ext>
+            </a:extLst>
+          </a:blip>
+          <a:stretch>
+            <a:fillRect/>
+          </a:stretch>
+        </p:blipFill>
+        <p:spPr>
+          <a:xfrm>
+            <a:off x="0" y="0"/>
+            <a:ext cx="12192000" cy="6858000"/>
+          </a:xfrm>
+          <a:prstGeom prst="rect">
+            <a:avLst/>
+          </a:prstGeom>
+        </p:spPr>
+      </p:pic>
+      <p:sp>
+        <p:nvSpPr>
+          <p:cNvPr id="5" name="Retângulo 4"/>
+          <p:cNvSpPr/>
+          <p:nvPr/>
+        </p:nvSpPr>
+        <p:spPr>
+          <a:xfrm>
+            <a:off x="446808" y="1298864"/>
+            <a:ext cx="5953991" cy="4914900"/>
+          </a:xfrm>
+          <a:prstGeom prst="rect">
+            <a:avLst/>
+          </a:prstGeom>
+        </p:spPr>
+        <p:style>
+          <a:lnRef idx="2">
+            <a:schemeClr val="accent1">
+              <a:shade val="50000"/>
+            </a:schemeClr>
+          </a:lnRef>
+          <a:fillRef idx="1">
+            <a:schemeClr val="accent1"/>
+          </a:fillRef>
+          <a:effectRef idx="0">
+            <a:schemeClr val="accent1"/>
+          </a:effectRef>
+          <a:fontRef idx="minor">
+            <a:schemeClr val="lt1"/>
+          </a:fontRef>
+        </p:style>
+        <p:txBody>
+          <a:bodyPr rtlCol="0" anchor="ctr"/>
+          <a:lstStyle/>
+          <a:p>
+            <a:pPr algn="ctr"/>
+            <a:endParaRPr lang="pt-BR" b="1" dirty="0"/>
+          </a:p>
+        </p:txBody>
+      </p:sp>
+      <p:sp>
+        <p:nvSpPr>
+          <p:cNvPr id="6" name="CaixaDeTexto 5"/>
+          <p:cNvSpPr txBox="1"/>
+          <p:nvPr/>
+        </p:nvSpPr>
+        <p:spPr>
+          <a:xfrm>
+            <a:off x="130055" y="95889"/>
+            <a:ext cx="633507" cy="369332"/>
+          </a:xfrm>
+          <a:prstGeom prst="rect">
+            <a:avLst/>
+          </a:prstGeom>
+          <a:noFill/>
+        </p:spPr>
+        <p:txBody>
+          <a:bodyPr wrap="none" rtlCol="0">
+            <a:spAutoFit/>
+          </a:bodyPr>
+          <a:lstStyle/>
+          <a:p>
+            <a:r>
+              <a:rPr lang="pt-BR" dirty="0" smtClean="0">
+                <a:solidFill>
+                  <a:schemeClr val="bg1"/>
+                </a:solidFill>
+              </a:rPr>
+              <a:t>Logo</a:t>
+            </a:r>
+            <a:endParaRPr lang="pt-BR" dirty="0">
+              <a:solidFill>
+                <a:schemeClr val="bg1"/>
+              </a:solidFill>
+            </a:endParaRPr>
+          </a:p>
+        </p:txBody>
+      </p:sp>
+      <p:sp>
+        <p:nvSpPr>
+          <p:cNvPr id="7" name="CaixaDeTexto 6"/>
+          <p:cNvSpPr txBox="1"/>
+          <p:nvPr/>
+        </p:nvSpPr>
+        <p:spPr>
+          <a:xfrm>
+            <a:off x="763561" y="1496291"/>
+            <a:ext cx="5533329" cy="2785378"/>
+          </a:xfrm>
+          <a:prstGeom prst="rect">
+            <a:avLst/>
+          </a:prstGeom>
+          <a:noFill/>
+          <a:effectLst>
+            <a:outerShdw blurRad="50800" dist="38100" dir="2700000" algn="tl" rotWithShape="0">
+              <a:prstClr val="black">
+                <a:alpha val="40000"/>
+              </a:prstClr>
+            </a:outerShdw>
+          </a:effectLst>
+        </p:spPr>
+        <p:txBody>
+          <a:bodyPr wrap="square" rtlCol="0">
+            <a:spAutoFit/>
+          </a:bodyPr>
+          <a:lstStyle/>
+          <a:p>
+            <a:r>
+              <a:rPr lang="pt-BR" sz="3500" dirty="0" smtClean="0">
+                <a:solidFill>
+                  <a:schemeClr val="accent1">
+                    <a:lumMod val="60000"/>
+                    <a:lumOff val="40000"/>
+                  </a:schemeClr>
+                </a:solidFill>
+              </a:rPr>
+              <a:t>Nosso propósito é revolucionar o universo da alimentação dos animais dando ao seu dono uma vida mais pratica </a:t>
+            </a:r>
+            <a:endParaRPr lang="pt-BR" sz="3500" dirty="0">
+              <a:solidFill>
+                <a:schemeClr val="accent1">
+                  <a:lumMod val="60000"/>
+                  <a:lumOff val="40000"/>
+                </a:schemeClr>
+              </a:solidFill>
+            </a:endParaRPr>
+          </a:p>
+        </p:txBody>
+      </p:sp>
+      <p:sp>
+        <p:nvSpPr>
+          <p:cNvPr id="8" name="CaixaDeTexto 7"/>
+          <p:cNvSpPr txBox="1"/>
+          <p:nvPr/>
+        </p:nvSpPr>
+        <p:spPr>
+          <a:xfrm>
+            <a:off x="763562" y="4426685"/>
+            <a:ext cx="5533329" cy="1631216"/>
+          </a:xfrm>
+          <a:prstGeom prst="rect">
+            <a:avLst/>
+          </a:prstGeom>
+          <a:noFill/>
+        </p:spPr>
+        <p:txBody>
+          <a:bodyPr wrap="square" rtlCol="0">
+            <a:spAutoFit/>
+          </a:bodyPr>
+          <a:lstStyle/>
+          <a:p>
+            <a:pPr algn="just"/>
+            <a:r>
+              <a:rPr lang="pt-BR" sz="2000" dirty="0">
+                <a:solidFill>
+                  <a:schemeClr val="bg1"/>
+                </a:solidFill>
+              </a:rPr>
+              <a:t>Assim como </a:t>
+            </a:r>
+            <a:r>
+              <a:rPr lang="pt-BR" sz="2000" dirty="0" smtClean="0">
+                <a:solidFill>
+                  <a:schemeClr val="bg1"/>
+                </a:solidFill>
+              </a:rPr>
+              <a:t>nós, </a:t>
+            </a:r>
+            <a:r>
+              <a:rPr lang="pt-BR" sz="2000" dirty="0">
+                <a:solidFill>
+                  <a:schemeClr val="bg1"/>
+                </a:solidFill>
+              </a:rPr>
+              <a:t>todos os outros animais </a:t>
+            </a:r>
+            <a:r>
+              <a:rPr lang="pt-BR" sz="2000" dirty="0" smtClean="0">
+                <a:solidFill>
+                  <a:schemeClr val="bg1"/>
+                </a:solidFill>
+              </a:rPr>
+              <a:t>precisam </a:t>
+            </a:r>
+            <a:r>
+              <a:rPr lang="pt-BR" sz="2000" dirty="0">
+                <a:solidFill>
+                  <a:schemeClr val="bg1"/>
+                </a:solidFill>
+              </a:rPr>
+              <a:t>de uma alimentação adequada, pois é de onde retiramos a energia necessária para manter o organismo funcionando corretamente e para realizar todas as nossas atividades. </a:t>
+            </a:r>
+          </a:p>
+        </p:txBody>
+      </p:sp>
+    </p:spTree>
+    <p:extLst>
+      <p:ext uri="{BB962C8B-B14F-4D97-AF65-F5344CB8AC3E}">
+        <p14:creationId xmlns:p14="http://schemas.microsoft.com/office/powerpoint/2010/main" val="142368027"/>
+      </p:ext>
+    </p:extLst>
+  </p:cSld>
+  <p:clrMapOvr>
+    <a:masterClrMapping/>
+  </p:clrMapOvr>
+</p:sld>
+</file>
+
+<file path=ppt/slides/slide11.xml><?xml version="1.0" encoding="utf-8"?>
+<p:sld xmlns:a="http://schemas.openxmlformats.org/drawingml/2006/main" xmlns:r="http://schemas.openxmlformats.org/officeDocument/2006/relationships" xmlns:p="http://schemas.openxmlformats.org/presentationml/2006/main">
+  <p:cSld>
+    <p:spTree>
+      <p:nvGrpSpPr>
+        <p:cNvPr id="1" name=""/>
+        <p:cNvGrpSpPr/>
+        <p:nvPr/>
+      </p:nvGrpSpPr>
+      <p:grpSpPr>
+        <a:xfrm>
+          <a:off x="0" y="0"/>
+          <a:ext cx="0" cy="0"/>
+          <a:chOff x="0" y="0"/>
+          <a:chExt cx="0" cy="0"/>
+        </a:xfrm>
+      </p:grpSpPr>
+      <p:sp>
+        <p:nvSpPr>
+          <p:cNvPr id="3" name="Retângulo 2"/>
+          <p:cNvSpPr/>
+          <p:nvPr/>
+        </p:nvSpPr>
+        <p:spPr>
+          <a:xfrm>
+            <a:off x="6725818" y="1211142"/>
+            <a:ext cx="3169227" cy="4125191"/>
+          </a:xfrm>
+          <a:prstGeom prst="rect">
+            <a:avLst/>
+          </a:prstGeom>
+        </p:spPr>
+        <p:style>
+          <a:lnRef idx="2">
+            <a:schemeClr val="accent1">
+              <a:shade val="50000"/>
+            </a:schemeClr>
+          </a:lnRef>
+          <a:fillRef idx="1">
+            <a:schemeClr val="accent1"/>
+          </a:fillRef>
+          <a:effectRef idx="0">
+            <a:schemeClr val="accent1"/>
+          </a:effectRef>
+          <a:fontRef idx="minor">
+            <a:schemeClr val="lt1"/>
+          </a:fontRef>
+        </p:style>
+        <p:txBody>
+          <a:bodyPr rtlCol="0" anchor="ctr"/>
+          <a:lstStyle/>
+          <a:p>
+            <a:pPr algn="ctr"/>
+            <a:r>
+              <a:rPr lang="pt-BR" dirty="0" smtClean="0"/>
+              <a:t>“Ao sair </a:t>
+            </a:r>
+            <a:r>
+              <a:rPr lang="pt-BR" dirty="0"/>
+              <a:t>de casa, eu gasto com gasolina, pego </a:t>
+            </a:r>
+            <a:r>
+              <a:rPr lang="pt-BR" dirty="0" smtClean="0"/>
+              <a:t>trânsito, </a:t>
+            </a:r>
+            <a:r>
+              <a:rPr lang="pt-BR" dirty="0"/>
+              <a:t>pago estacionamento e tenho que ficar na fila. Com delivery online, eu me poupo disso tudo</a:t>
+            </a:r>
+            <a:r>
+              <a:rPr lang="pt-BR" dirty="0" smtClean="0"/>
+              <a:t>.”</a:t>
+            </a:r>
+            <a:endParaRPr lang="pt-BR" b="1" dirty="0"/>
+          </a:p>
+        </p:txBody>
+      </p:sp>
+      <p:sp>
+        <p:nvSpPr>
+          <p:cNvPr id="4" name="Retângulo 3"/>
+          <p:cNvSpPr/>
+          <p:nvPr/>
+        </p:nvSpPr>
+        <p:spPr>
+          <a:xfrm>
+            <a:off x="2026225" y="1211143"/>
+            <a:ext cx="3169227" cy="4125191"/>
+          </a:xfrm>
+          <a:prstGeom prst="rect">
+            <a:avLst/>
+          </a:prstGeom>
+        </p:spPr>
+        <p:style>
+          <a:lnRef idx="2">
+            <a:schemeClr val="accent1">
+              <a:shade val="50000"/>
+            </a:schemeClr>
+          </a:lnRef>
+          <a:fillRef idx="1">
+            <a:schemeClr val="accent1"/>
+          </a:fillRef>
+          <a:effectRef idx="0">
+            <a:schemeClr val="accent1"/>
+          </a:effectRef>
+          <a:fontRef idx="minor">
+            <a:schemeClr val="lt1"/>
+          </a:fontRef>
+        </p:style>
+        <p:txBody>
+          <a:bodyPr rtlCol="0" anchor="ctr"/>
+          <a:lstStyle/>
+          <a:p>
+            <a:pPr algn="ctr"/>
+            <a:r>
+              <a:rPr lang="pt-BR" dirty="0"/>
+              <a:t>“Costumo pedir </a:t>
+            </a:r>
+            <a:r>
+              <a:rPr lang="pt-BR" dirty="0" smtClean="0"/>
+              <a:t>ração </a:t>
+            </a:r>
+            <a:r>
+              <a:rPr lang="pt-BR" dirty="0"/>
+              <a:t>pelo </a:t>
+            </a:r>
+            <a:r>
+              <a:rPr lang="pt-BR" dirty="0" smtClean="0"/>
+              <a:t>PetFeed para meu bezerro. E vendo ele feliz se alimentado me sinto recompensada.” </a:t>
+            </a:r>
+            <a:endParaRPr lang="pt-BR" dirty="0"/>
+          </a:p>
+        </p:txBody>
+      </p:sp>
+      <p:sp>
+        <p:nvSpPr>
+          <p:cNvPr id="6" name="CaixaDeTexto 5"/>
+          <p:cNvSpPr txBox="1"/>
+          <p:nvPr/>
+        </p:nvSpPr>
+        <p:spPr>
+          <a:xfrm>
+            <a:off x="7568240" y="4327450"/>
+            <a:ext cx="1484381" cy="646331"/>
+          </a:xfrm>
+          <a:prstGeom prst="rect">
+            <a:avLst/>
+          </a:prstGeom>
+          <a:noFill/>
+        </p:spPr>
+        <p:txBody>
+          <a:bodyPr wrap="none" rtlCol="0">
+            <a:spAutoFit/>
+          </a:bodyPr>
+          <a:lstStyle/>
+          <a:p>
+            <a:pPr algn="ctr"/>
+            <a:r>
+              <a:rPr lang="pt-BR" dirty="0" smtClean="0">
+                <a:solidFill>
+                  <a:schemeClr val="bg2">
+                    <a:lumMod val="50000"/>
+                  </a:schemeClr>
+                </a:solidFill>
+              </a:rPr>
+              <a:t>Vítor Calhau</a:t>
+            </a:r>
+          </a:p>
+          <a:p>
+            <a:pPr algn="ctr"/>
+            <a:r>
+              <a:rPr lang="pt-BR" dirty="0" smtClean="0">
+                <a:solidFill>
+                  <a:schemeClr val="bg2">
+                    <a:lumMod val="50000"/>
+                  </a:schemeClr>
+                </a:solidFill>
+              </a:rPr>
+              <a:t>Americana-SP</a:t>
+            </a:r>
+            <a:endParaRPr lang="pt-BR" dirty="0">
+              <a:solidFill>
+                <a:schemeClr val="bg2">
+                  <a:lumMod val="50000"/>
+                </a:schemeClr>
+              </a:solidFill>
+            </a:endParaRPr>
+          </a:p>
+        </p:txBody>
+      </p:sp>
+      <p:sp>
+        <p:nvSpPr>
+          <p:cNvPr id="9" name="CaixaDeTexto 8"/>
+          <p:cNvSpPr txBox="1"/>
+          <p:nvPr/>
+        </p:nvSpPr>
+        <p:spPr>
+          <a:xfrm>
+            <a:off x="2999294" y="4470827"/>
+            <a:ext cx="1223092" cy="646331"/>
+          </a:xfrm>
+          <a:prstGeom prst="rect">
+            <a:avLst/>
+          </a:prstGeom>
+          <a:noFill/>
+        </p:spPr>
+        <p:txBody>
+          <a:bodyPr wrap="none" rtlCol="0">
+            <a:spAutoFit/>
+          </a:bodyPr>
+          <a:lstStyle/>
+          <a:p>
+            <a:pPr algn="ctr"/>
+            <a:r>
+              <a:rPr lang="pt-BR" dirty="0" smtClean="0">
+                <a:solidFill>
+                  <a:schemeClr val="bg2">
+                    <a:lumMod val="50000"/>
+                  </a:schemeClr>
+                </a:solidFill>
+              </a:rPr>
+              <a:t>Cauany</a:t>
+            </a:r>
+          </a:p>
+          <a:p>
+            <a:pPr algn="ctr"/>
+            <a:r>
+              <a:rPr lang="pt-BR" dirty="0" smtClean="0">
+                <a:solidFill>
+                  <a:schemeClr val="bg2">
+                    <a:lumMod val="50000"/>
+                  </a:schemeClr>
+                </a:solidFill>
+              </a:rPr>
+              <a:t>Alegrete-PI</a:t>
+            </a:r>
+            <a:endParaRPr lang="pt-BR" dirty="0">
+              <a:solidFill>
+                <a:schemeClr val="bg2">
+                  <a:lumMod val="50000"/>
+                </a:schemeClr>
+              </a:solidFill>
+            </a:endParaRPr>
+          </a:p>
+        </p:txBody>
+      </p:sp>
+    </p:spTree>
+    <p:extLst>
+      <p:ext uri="{BB962C8B-B14F-4D97-AF65-F5344CB8AC3E}">
+        <p14:creationId xmlns:p14="http://schemas.microsoft.com/office/powerpoint/2010/main" val="358723030"/>
+      </p:ext>
+    </p:extLst>
+  </p:cSld>
+  <p:clrMapOvr>
+    <a:masterClrMapping/>
+  </p:clrMapOvr>
+</p:sld>
+</file>
+
 <file path=ppt/slides/slide2.xml><?xml version="1.0" encoding="utf-8"?>
 <p:sld xmlns:a="http://schemas.openxmlformats.org/drawingml/2006/main" xmlns:r="http://schemas.openxmlformats.org/officeDocument/2006/relationships" xmlns:p="http://schemas.openxmlformats.org/presentationml/2006/main">
   <p:cSld>
@@ -4556,768 +5082,76 @@
       </p:grpSpPr>
       <p:sp>
         <p:nvSpPr>
-          <p:cNvPr id="2" name="Retângulo 1"/>
-          <p:cNvSpPr/>
-          <p:nvPr/>
-        </p:nvSpPr>
-        <p:spPr>
-          <a:xfrm>
-            <a:off x="0" y="0"/>
-            <a:ext cx="12192000" cy="400235"/>
+          <p:cNvPr id="2" name="CaixaDeTexto 1"/>
+          <p:cNvSpPr txBox="1"/>
+          <p:nvPr/>
+        </p:nvSpPr>
+        <p:spPr>
+          <a:xfrm>
+            <a:off x="718457" y="886408"/>
+            <a:ext cx="11327363" cy="646331"/>
           </a:xfrm>
           <a:prstGeom prst="rect">
             <a:avLst/>
           </a:prstGeom>
-          <a:solidFill>
-            <a:schemeClr val="accent1">
-              <a:lumMod val="75000"/>
-            </a:schemeClr>
-          </a:solidFill>
-        </p:spPr>
-        <p:style>
-          <a:lnRef idx="2">
-            <a:schemeClr val="accent1">
-              <a:shade val="50000"/>
-            </a:schemeClr>
-          </a:lnRef>
-          <a:fillRef idx="1">
-            <a:schemeClr val="accent1"/>
-          </a:fillRef>
-          <a:effectRef idx="0">
-            <a:schemeClr val="accent1"/>
-          </a:effectRef>
-          <a:fontRef idx="minor">
-            <a:schemeClr val="lt1"/>
-          </a:fontRef>
-        </p:style>
-        <p:txBody>
-          <a:bodyPr rtlCol="0" anchor="ctr"/>
-          <a:lstStyle/>
-          <a:p>
-            <a:pPr algn="ctr"/>
-            <a:endParaRPr lang="pt-BR" dirty="0"/>
-          </a:p>
-        </p:txBody>
-      </p:sp>
-      <p:cxnSp>
-        <p:nvCxnSpPr>
-          <p:cNvPr id="3" name="Conector reto 2"/>
-          <p:cNvCxnSpPr/>
-          <p:nvPr/>
-        </p:nvCxnSpPr>
-        <p:spPr>
-          <a:xfrm>
-            <a:off x="6096000" y="596880"/>
-            <a:ext cx="0" cy="5881256"/>
-          </a:xfrm>
-          <a:prstGeom prst="line">
-            <a:avLst/>
-          </a:prstGeom>
-          <a:ln>
-            <a:solidFill>
-              <a:schemeClr val="bg2">
-                <a:lumMod val="50000"/>
-              </a:schemeClr>
-            </a:solidFill>
-          </a:ln>
-        </p:spPr>
-        <p:style>
-          <a:lnRef idx="1">
-            <a:schemeClr val="accent1"/>
-          </a:lnRef>
-          <a:fillRef idx="0">
-            <a:schemeClr val="accent1"/>
-          </a:fillRef>
-          <a:effectRef idx="0">
-            <a:schemeClr val="accent1"/>
-          </a:effectRef>
-          <a:fontRef idx="minor">
-            <a:schemeClr val="tx1"/>
-          </a:fontRef>
-        </p:style>
-      </p:cxnSp>
-      <p:sp>
-        <p:nvSpPr>
-          <p:cNvPr id="4" name="CaixaDeTexto 3"/>
-          <p:cNvSpPr txBox="1"/>
-          <p:nvPr/>
-        </p:nvSpPr>
-        <p:spPr>
-          <a:xfrm>
-            <a:off x="2129628" y="496668"/>
-            <a:ext cx="2469459" cy="461665"/>
-          </a:xfrm>
-          <a:prstGeom prst="rect">
-            <a:avLst/>
-          </a:prstGeom>
           <a:noFill/>
         </p:spPr>
         <p:txBody>
-          <a:bodyPr wrap="none" rtlCol="0">
+          <a:bodyPr wrap="square" rtlCol="0">
             <a:spAutoFit/>
           </a:bodyPr>
           <a:lstStyle/>
           <a:p>
             <a:r>
-              <a:rPr lang="pt-BR" sz="2400" dirty="0" smtClean="0"/>
-              <a:t>Já sou cadastrado:</a:t>
-            </a:r>
-            <a:endParaRPr lang="pt-BR" sz="2400" dirty="0"/>
-          </a:p>
-        </p:txBody>
-      </p:sp>
-      <p:sp>
-        <p:nvSpPr>
-          <p:cNvPr id="5" name="CaixaDeTexto 4"/>
-          <p:cNvSpPr txBox="1"/>
-          <p:nvPr/>
-        </p:nvSpPr>
-        <p:spPr>
-          <a:xfrm>
-            <a:off x="7655933" y="545437"/>
-            <a:ext cx="2836802" cy="461665"/>
+              <a:rPr lang="pt-BR" dirty="0" smtClean="0"/>
+              <a:t>Verificar se o usuário já esta criado, e caso já esteja, aparece uma aba em cima  com um </a:t>
+            </a:r>
+            <a:r>
+              <a:rPr lang="pt-BR" dirty="0" err="1" smtClean="0"/>
+              <a:t>simbolo</a:t>
+            </a:r>
+            <a:r>
+              <a:rPr lang="pt-BR" dirty="0" smtClean="0"/>
+              <a:t> de exclamação como se o usuário já estivesse criado</a:t>
+            </a:r>
+            <a:endParaRPr lang="pt-BR" dirty="0"/>
+          </a:p>
+        </p:txBody>
+      </p:sp>
+      <p:pic>
+        <p:nvPicPr>
+          <p:cNvPr id="3" name="Imagem 2"/>
+          <p:cNvPicPr>
+            <a:picLocks noChangeAspect="1"/>
+          </p:cNvPicPr>
+          <p:nvPr/>
+        </p:nvPicPr>
+        <p:blipFill>
+          <a:blip r:embed="rId2">
+            <a:extLst>
+              <a:ext uri="{28A0092B-C50C-407E-A947-70E740481C1C}">
+                <a14:useLocalDpi xmlns:a14="http://schemas.microsoft.com/office/drawing/2010/main" val="0"/>
+              </a:ext>
+            </a:extLst>
+          </a:blip>
+          <a:stretch>
+            <a:fillRect/>
+          </a:stretch>
+        </p:blipFill>
+        <p:spPr>
+          <a:xfrm>
+            <a:off x="951722" y="1906344"/>
+            <a:ext cx="10058400" cy="1157576"/>
           </a:xfrm>
           <a:prstGeom prst="rect">
             <a:avLst/>
           </a:prstGeom>
-          <a:noFill/>
-        </p:spPr>
-        <p:txBody>
-          <a:bodyPr wrap="none" rtlCol="0">
-            <a:spAutoFit/>
-          </a:bodyPr>
-          <a:lstStyle/>
-          <a:p>
-            <a:r>
-              <a:rPr lang="pt-BR" sz="2400" dirty="0" smtClean="0"/>
-              <a:t>Sobre o dono da loja:</a:t>
-            </a:r>
-            <a:endParaRPr lang="pt-BR" sz="2400" dirty="0"/>
-          </a:p>
-        </p:txBody>
-      </p:sp>
-      <p:sp>
-        <p:nvSpPr>
-          <p:cNvPr id="6" name="Retângulo de cantos arredondados 5"/>
-          <p:cNvSpPr/>
-          <p:nvPr/>
-        </p:nvSpPr>
-        <p:spPr>
-          <a:xfrm>
-            <a:off x="1840156" y="1265319"/>
-            <a:ext cx="3023755" cy="457200"/>
-          </a:xfrm>
-          <a:prstGeom prst="roundRect">
-            <a:avLst/>
-          </a:prstGeom>
-          <a:solidFill>
-            <a:schemeClr val="bg1"/>
-          </a:solidFill>
-          <a:ln>
-            <a:solidFill>
-              <a:schemeClr val="bg1">
-                <a:lumMod val="50000"/>
-              </a:schemeClr>
-            </a:solidFill>
-          </a:ln>
-        </p:spPr>
-        <p:style>
-          <a:lnRef idx="2">
-            <a:schemeClr val="accent1">
-              <a:shade val="50000"/>
-            </a:schemeClr>
-          </a:lnRef>
-          <a:fillRef idx="1">
-            <a:schemeClr val="accent1"/>
-          </a:fillRef>
-          <a:effectRef idx="0">
-            <a:schemeClr val="accent1"/>
-          </a:effectRef>
-          <a:fontRef idx="minor">
-            <a:schemeClr val="lt1"/>
-          </a:fontRef>
-        </p:style>
-        <p:txBody>
-          <a:bodyPr rtlCol="0" anchor="ctr"/>
-          <a:lstStyle/>
-          <a:p>
-            <a:pPr algn="ctr"/>
-            <a:r>
-              <a:rPr lang="pt-BR" dirty="0" smtClean="0">
-                <a:solidFill>
-                  <a:schemeClr val="bg1">
-                    <a:lumMod val="50000"/>
-                  </a:schemeClr>
-                </a:solidFill>
-              </a:rPr>
-              <a:t>Digite seu e-mail</a:t>
-            </a:r>
-            <a:endParaRPr lang="pt-BR" dirty="0">
-              <a:solidFill>
-                <a:schemeClr val="bg1">
-                  <a:lumMod val="50000"/>
-                </a:schemeClr>
-              </a:solidFill>
-            </a:endParaRPr>
-          </a:p>
-        </p:txBody>
-      </p:sp>
-      <p:sp>
-        <p:nvSpPr>
-          <p:cNvPr id="7" name="Retângulo de cantos arredondados 6"/>
-          <p:cNvSpPr/>
-          <p:nvPr/>
-        </p:nvSpPr>
-        <p:spPr>
-          <a:xfrm>
-            <a:off x="1840156" y="2104612"/>
-            <a:ext cx="3023755" cy="457200"/>
-          </a:xfrm>
-          <a:prstGeom prst="roundRect">
-            <a:avLst/>
-          </a:prstGeom>
-          <a:solidFill>
-            <a:schemeClr val="bg1"/>
-          </a:solidFill>
-          <a:ln>
-            <a:solidFill>
-              <a:schemeClr val="bg1">
-                <a:lumMod val="50000"/>
-              </a:schemeClr>
-            </a:solidFill>
-          </a:ln>
-        </p:spPr>
-        <p:style>
-          <a:lnRef idx="2">
-            <a:schemeClr val="accent1">
-              <a:shade val="50000"/>
-            </a:schemeClr>
-          </a:lnRef>
-          <a:fillRef idx="1">
-            <a:schemeClr val="accent1"/>
-          </a:fillRef>
-          <a:effectRef idx="0">
-            <a:schemeClr val="accent1"/>
-          </a:effectRef>
-          <a:fontRef idx="minor">
-            <a:schemeClr val="lt1"/>
-          </a:fontRef>
-        </p:style>
-        <p:txBody>
-          <a:bodyPr rtlCol="0" anchor="ctr"/>
-          <a:lstStyle/>
-          <a:p>
-            <a:pPr algn="ctr"/>
-            <a:r>
-              <a:rPr lang="pt-BR" dirty="0" smtClean="0">
-                <a:solidFill>
-                  <a:schemeClr val="bg1">
-                    <a:lumMod val="50000"/>
-                  </a:schemeClr>
-                </a:solidFill>
-              </a:rPr>
-              <a:t>Digite sua senha</a:t>
-            </a:r>
-            <a:endParaRPr lang="pt-BR" dirty="0">
-              <a:solidFill>
-                <a:schemeClr val="bg1">
-                  <a:lumMod val="50000"/>
-                </a:schemeClr>
-              </a:solidFill>
-            </a:endParaRPr>
-          </a:p>
-        </p:txBody>
-      </p:sp>
-      <p:sp>
-        <p:nvSpPr>
-          <p:cNvPr id="8" name="Retângulo de cantos arredondados 7"/>
-          <p:cNvSpPr/>
-          <p:nvPr/>
-        </p:nvSpPr>
-        <p:spPr>
-          <a:xfrm>
-            <a:off x="1852481" y="2868798"/>
-            <a:ext cx="3023755" cy="457200"/>
-          </a:xfrm>
-          <a:prstGeom prst="roundRect">
-            <a:avLst/>
-          </a:prstGeom>
-          <a:solidFill>
-            <a:schemeClr val="accent1">
-              <a:lumMod val="75000"/>
-            </a:schemeClr>
-          </a:solidFill>
-          <a:ln>
-            <a:noFill/>
-          </a:ln>
-        </p:spPr>
-        <p:style>
-          <a:lnRef idx="2">
-            <a:schemeClr val="accent1">
-              <a:shade val="50000"/>
-            </a:schemeClr>
-          </a:lnRef>
-          <a:fillRef idx="1">
-            <a:schemeClr val="accent1"/>
-          </a:fillRef>
-          <a:effectRef idx="0">
-            <a:schemeClr val="accent1"/>
-          </a:effectRef>
-          <a:fontRef idx="minor">
-            <a:schemeClr val="lt1"/>
-          </a:fontRef>
-        </p:style>
-        <p:txBody>
-          <a:bodyPr rtlCol="0" anchor="ctr"/>
-          <a:lstStyle/>
-          <a:p>
-            <a:pPr algn="ctr"/>
-            <a:r>
-              <a:rPr lang="pt-BR" dirty="0" smtClean="0">
-                <a:solidFill>
-                  <a:schemeClr val="bg1"/>
-                </a:solidFill>
-              </a:rPr>
-              <a:t>Entrar</a:t>
-            </a:r>
-            <a:endParaRPr lang="pt-BR" dirty="0">
-              <a:solidFill>
-                <a:schemeClr val="bg1"/>
-              </a:solidFill>
-            </a:endParaRPr>
-          </a:p>
-        </p:txBody>
-      </p:sp>
-      <p:sp>
-        <p:nvSpPr>
-          <p:cNvPr id="9" name="CaixaDeTexto 8"/>
-          <p:cNvSpPr txBox="1"/>
-          <p:nvPr/>
-        </p:nvSpPr>
-        <p:spPr>
-          <a:xfrm>
-            <a:off x="2506591" y="3553807"/>
-            <a:ext cx="1715534" cy="307777"/>
-          </a:xfrm>
-          <a:prstGeom prst="rect">
-            <a:avLst/>
-          </a:prstGeom>
-          <a:noFill/>
-        </p:spPr>
-        <p:txBody>
-          <a:bodyPr wrap="none" rtlCol="0">
-            <a:spAutoFit/>
-          </a:bodyPr>
-          <a:lstStyle/>
-          <a:p>
-            <a:r>
-              <a:rPr lang="pt-BR" sz="1400" u="sng" dirty="0" smtClean="0"/>
-              <a:t>Esqueci minha senha</a:t>
-            </a:r>
-            <a:endParaRPr lang="pt-BR" sz="1400" u="sng" dirty="0"/>
-          </a:p>
-        </p:txBody>
-      </p:sp>
-      <p:sp>
-        <p:nvSpPr>
-          <p:cNvPr id="10" name="Retângulo de cantos arredondados 9"/>
-          <p:cNvSpPr/>
-          <p:nvPr/>
-        </p:nvSpPr>
-        <p:spPr>
-          <a:xfrm>
-            <a:off x="7592914" y="1137164"/>
-            <a:ext cx="3023755" cy="457200"/>
-          </a:xfrm>
-          <a:prstGeom prst="roundRect">
-            <a:avLst/>
-          </a:prstGeom>
-          <a:solidFill>
-            <a:schemeClr val="bg1"/>
-          </a:solidFill>
-          <a:ln>
-            <a:solidFill>
-              <a:schemeClr val="bg1">
-                <a:lumMod val="50000"/>
-              </a:schemeClr>
-            </a:solidFill>
-          </a:ln>
-        </p:spPr>
-        <p:style>
-          <a:lnRef idx="2">
-            <a:schemeClr val="accent1">
-              <a:shade val="50000"/>
-            </a:schemeClr>
-          </a:lnRef>
-          <a:fillRef idx="1">
-            <a:schemeClr val="accent1"/>
-          </a:fillRef>
-          <a:effectRef idx="0">
-            <a:schemeClr val="accent1"/>
-          </a:effectRef>
-          <a:fontRef idx="minor">
-            <a:schemeClr val="lt1"/>
-          </a:fontRef>
-        </p:style>
-        <p:txBody>
-          <a:bodyPr rtlCol="0" anchor="ctr"/>
-          <a:lstStyle/>
-          <a:p>
-            <a:pPr algn="ctr"/>
-            <a:r>
-              <a:rPr lang="pt-BR" dirty="0" smtClean="0">
-                <a:solidFill>
-                  <a:schemeClr val="bg1">
-                    <a:lumMod val="50000"/>
-                  </a:schemeClr>
-                </a:solidFill>
-              </a:rPr>
-              <a:t>Qual é o e-mail do dono da loja?</a:t>
-            </a:r>
-            <a:endParaRPr lang="pt-BR" dirty="0">
-              <a:solidFill>
-                <a:schemeClr val="bg1">
-                  <a:lumMod val="50000"/>
-                </a:schemeClr>
-              </a:solidFill>
-            </a:endParaRPr>
-          </a:p>
-        </p:txBody>
-      </p:sp>
-      <p:sp>
-        <p:nvSpPr>
-          <p:cNvPr id="11" name="Retângulo de cantos arredondados 10"/>
-          <p:cNvSpPr/>
-          <p:nvPr/>
-        </p:nvSpPr>
-        <p:spPr>
-          <a:xfrm>
-            <a:off x="7592914" y="1976457"/>
-            <a:ext cx="3023755" cy="457200"/>
-          </a:xfrm>
-          <a:prstGeom prst="roundRect">
-            <a:avLst/>
-          </a:prstGeom>
-          <a:solidFill>
-            <a:schemeClr val="bg1"/>
-          </a:solidFill>
-          <a:ln>
-            <a:solidFill>
-              <a:schemeClr val="bg1">
-                <a:lumMod val="50000"/>
-              </a:schemeClr>
-            </a:solidFill>
-          </a:ln>
-        </p:spPr>
-        <p:style>
-          <a:lnRef idx="2">
-            <a:schemeClr val="accent1">
-              <a:shade val="50000"/>
-            </a:schemeClr>
-          </a:lnRef>
-          <a:fillRef idx="1">
-            <a:schemeClr val="accent1"/>
-          </a:fillRef>
-          <a:effectRef idx="0">
-            <a:schemeClr val="accent1"/>
-          </a:effectRef>
-          <a:fontRef idx="minor">
-            <a:schemeClr val="lt1"/>
-          </a:fontRef>
-        </p:style>
-        <p:txBody>
-          <a:bodyPr rtlCol="0" anchor="ctr"/>
-          <a:lstStyle/>
-          <a:p>
-            <a:pPr algn="ctr"/>
-            <a:r>
-              <a:rPr lang="pt-BR" dirty="0" smtClean="0">
-                <a:solidFill>
-                  <a:schemeClr val="bg1">
-                    <a:lumMod val="50000"/>
-                  </a:schemeClr>
-                </a:solidFill>
-              </a:rPr>
-              <a:t>Qual é o celular do dono da loja?</a:t>
-            </a:r>
-            <a:endParaRPr lang="pt-BR" dirty="0">
-              <a:solidFill>
-                <a:schemeClr val="bg1">
-                  <a:lumMod val="50000"/>
-                </a:schemeClr>
-              </a:solidFill>
-            </a:endParaRPr>
-          </a:p>
-        </p:txBody>
-      </p:sp>
-      <p:sp>
-        <p:nvSpPr>
-          <p:cNvPr id="12" name="Retângulo de cantos arredondados 11"/>
-          <p:cNvSpPr/>
-          <p:nvPr/>
-        </p:nvSpPr>
-        <p:spPr>
-          <a:xfrm>
-            <a:off x="7592914" y="2815750"/>
-            <a:ext cx="3023755" cy="457200"/>
-          </a:xfrm>
-          <a:prstGeom prst="roundRect">
-            <a:avLst/>
-          </a:prstGeom>
-          <a:solidFill>
-            <a:schemeClr val="bg1"/>
-          </a:solidFill>
-          <a:ln>
-            <a:solidFill>
-              <a:schemeClr val="bg1">
-                <a:lumMod val="50000"/>
-              </a:schemeClr>
-            </a:solidFill>
-          </a:ln>
-        </p:spPr>
-        <p:style>
-          <a:lnRef idx="2">
-            <a:schemeClr val="accent1">
-              <a:shade val="50000"/>
-            </a:schemeClr>
-          </a:lnRef>
-          <a:fillRef idx="1">
-            <a:schemeClr val="accent1"/>
-          </a:fillRef>
-          <a:effectRef idx="0">
-            <a:schemeClr val="accent1"/>
-          </a:effectRef>
-          <a:fontRef idx="minor">
-            <a:schemeClr val="lt1"/>
-          </a:fontRef>
-        </p:style>
-        <p:txBody>
-          <a:bodyPr rtlCol="0" anchor="ctr"/>
-          <a:lstStyle/>
-          <a:p>
-            <a:pPr algn="ctr"/>
-            <a:r>
-              <a:rPr lang="pt-BR" dirty="0" smtClean="0">
-                <a:solidFill>
-                  <a:schemeClr val="bg1">
-                    <a:lumMod val="50000"/>
-                  </a:schemeClr>
-                </a:solidFill>
-              </a:rPr>
-              <a:t>Qual é o nome da loja?</a:t>
-            </a:r>
-            <a:endParaRPr lang="pt-BR" dirty="0">
-              <a:solidFill>
-                <a:schemeClr val="bg1">
-                  <a:lumMod val="50000"/>
-                </a:schemeClr>
-              </a:solidFill>
-            </a:endParaRPr>
-          </a:p>
-        </p:txBody>
-      </p:sp>
-      <p:sp>
-        <p:nvSpPr>
-          <p:cNvPr id="13" name="Retângulo de cantos arredondados 12"/>
-          <p:cNvSpPr/>
-          <p:nvPr/>
-        </p:nvSpPr>
-        <p:spPr>
-          <a:xfrm>
-            <a:off x="7592914" y="3655043"/>
-            <a:ext cx="3023755" cy="457200"/>
-          </a:xfrm>
-          <a:prstGeom prst="roundRect">
-            <a:avLst/>
-          </a:prstGeom>
-          <a:solidFill>
-            <a:schemeClr val="bg1"/>
-          </a:solidFill>
-          <a:ln>
-            <a:solidFill>
-              <a:schemeClr val="bg1">
-                <a:lumMod val="50000"/>
-              </a:schemeClr>
-            </a:solidFill>
-          </a:ln>
-        </p:spPr>
-        <p:style>
-          <a:lnRef idx="2">
-            <a:schemeClr val="accent1">
-              <a:shade val="50000"/>
-            </a:schemeClr>
-          </a:lnRef>
-          <a:fillRef idx="1">
-            <a:schemeClr val="accent1"/>
-          </a:fillRef>
-          <a:effectRef idx="0">
-            <a:schemeClr val="accent1"/>
-          </a:effectRef>
-          <a:fontRef idx="minor">
-            <a:schemeClr val="lt1"/>
-          </a:fontRef>
-        </p:style>
-        <p:txBody>
-          <a:bodyPr rtlCol="0" anchor="ctr"/>
-          <a:lstStyle/>
-          <a:p>
-            <a:pPr algn="ctr"/>
-            <a:r>
-              <a:rPr lang="pt-BR" dirty="0" smtClean="0">
-                <a:solidFill>
-                  <a:schemeClr val="bg1">
-                    <a:lumMod val="50000"/>
-                  </a:schemeClr>
-                </a:solidFill>
-              </a:rPr>
-              <a:t>Qual é o CPF do dono da loja?</a:t>
-            </a:r>
-            <a:endParaRPr lang="pt-BR" dirty="0">
-              <a:solidFill>
-                <a:schemeClr val="bg1">
-                  <a:lumMod val="50000"/>
-                </a:schemeClr>
-              </a:solidFill>
-            </a:endParaRPr>
-          </a:p>
-        </p:txBody>
-      </p:sp>
-      <p:sp>
-        <p:nvSpPr>
-          <p:cNvPr id="26" name="Retângulo de cantos arredondados 25"/>
-          <p:cNvSpPr/>
-          <p:nvPr/>
-        </p:nvSpPr>
-        <p:spPr>
-          <a:xfrm>
-            <a:off x="7592914" y="4494336"/>
-            <a:ext cx="3023755" cy="457200"/>
-          </a:xfrm>
-          <a:prstGeom prst="roundRect">
-            <a:avLst/>
-          </a:prstGeom>
-          <a:solidFill>
-            <a:schemeClr val="bg1"/>
-          </a:solidFill>
-          <a:ln>
-            <a:solidFill>
-              <a:schemeClr val="bg1">
-                <a:lumMod val="50000"/>
-              </a:schemeClr>
-            </a:solidFill>
-          </a:ln>
-        </p:spPr>
-        <p:style>
-          <a:lnRef idx="2">
-            <a:schemeClr val="accent1">
-              <a:shade val="50000"/>
-            </a:schemeClr>
-          </a:lnRef>
-          <a:fillRef idx="1">
-            <a:schemeClr val="accent1"/>
-          </a:fillRef>
-          <a:effectRef idx="0">
-            <a:schemeClr val="accent1"/>
-          </a:effectRef>
-          <a:fontRef idx="minor">
-            <a:schemeClr val="lt1"/>
-          </a:fontRef>
-        </p:style>
-        <p:txBody>
-          <a:bodyPr rtlCol="0" anchor="ctr"/>
-          <a:lstStyle/>
-          <a:p>
-            <a:pPr algn="ctr"/>
-            <a:r>
-              <a:rPr lang="pt-BR" dirty="0" smtClean="0">
-                <a:solidFill>
-                  <a:schemeClr val="bg1">
-                    <a:lumMod val="50000"/>
-                  </a:schemeClr>
-                </a:solidFill>
-              </a:rPr>
-              <a:t>Qual é o RG do dono da loja?</a:t>
-            </a:r>
-            <a:endParaRPr lang="pt-BR" dirty="0">
-              <a:solidFill>
-                <a:schemeClr val="bg1">
-                  <a:lumMod val="50000"/>
-                </a:schemeClr>
-              </a:solidFill>
-            </a:endParaRPr>
-          </a:p>
-        </p:txBody>
-      </p:sp>
-      <p:sp>
-        <p:nvSpPr>
-          <p:cNvPr id="27" name="Retângulo de cantos arredondados 26"/>
-          <p:cNvSpPr/>
-          <p:nvPr/>
-        </p:nvSpPr>
-        <p:spPr>
-          <a:xfrm>
-            <a:off x="7592914" y="5333629"/>
-            <a:ext cx="3023755" cy="457200"/>
-          </a:xfrm>
-          <a:prstGeom prst="roundRect">
-            <a:avLst/>
-          </a:prstGeom>
-          <a:solidFill>
-            <a:schemeClr val="bg1"/>
-          </a:solidFill>
-          <a:ln>
-            <a:solidFill>
-              <a:schemeClr val="bg1">
-                <a:lumMod val="50000"/>
-              </a:schemeClr>
-            </a:solidFill>
-          </a:ln>
-        </p:spPr>
-        <p:style>
-          <a:lnRef idx="2">
-            <a:schemeClr val="accent1">
-              <a:shade val="50000"/>
-            </a:schemeClr>
-          </a:lnRef>
-          <a:fillRef idx="1">
-            <a:schemeClr val="accent1"/>
-          </a:fillRef>
-          <a:effectRef idx="0">
-            <a:schemeClr val="accent1"/>
-          </a:effectRef>
-          <a:fontRef idx="minor">
-            <a:schemeClr val="lt1"/>
-          </a:fontRef>
-        </p:style>
-        <p:txBody>
-          <a:bodyPr rtlCol="0" anchor="ctr"/>
-          <a:lstStyle/>
-          <a:p>
-            <a:pPr algn="ctr"/>
-            <a:r>
-              <a:rPr lang="pt-BR" dirty="0" smtClean="0">
-                <a:solidFill>
-                  <a:schemeClr val="bg1">
-                    <a:lumMod val="50000"/>
-                  </a:schemeClr>
-                </a:solidFill>
-              </a:rPr>
-              <a:t>“Órgão emissor”</a:t>
-            </a:r>
-            <a:endParaRPr lang="pt-BR" dirty="0">
-              <a:solidFill>
-                <a:schemeClr val="bg1">
-                  <a:lumMod val="50000"/>
-                </a:schemeClr>
-              </a:solidFill>
-            </a:endParaRPr>
-          </a:p>
-        </p:txBody>
-      </p:sp>
+        </p:spPr>
+      </p:pic>
     </p:spTree>
     <p:extLst>
       <p:ext uri="{BB962C8B-B14F-4D97-AF65-F5344CB8AC3E}">
-        <p14:creationId xmlns:p14="http://schemas.microsoft.com/office/powerpoint/2010/main" val="3124904919"/>
+        <p14:creationId xmlns:p14="http://schemas.microsoft.com/office/powerpoint/2010/main" val="1484605937"/>
       </p:ext>
     </p:extLst>
   </p:cSld>
@@ -5346,29 +5180,23 @@
       </p:grpSpPr>
       <p:sp>
         <p:nvSpPr>
-          <p:cNvPr id="2" name="Elipse 1"/>
+          <p:cNvPr id="23" name="Triângulo isósceles 22"/>
           <p:cNvSpPr/>
           <p:nvPr/>
         </p:nvSpPr>
         <p:spPr>
-          <a:xfrm>
-            <a:off x="5330755" y="1624519"/>
-            <a:ext cx="2500009" cy="2354094"/>
-          </a:xfrm>
-          <a:prstGeom prst="ellipse">
+          <a:xfrm rot="10800000">
+            <a:off x="1648315" y="2008761"/>
+            <a:ext cx="383341" cy="422725"/>
+          </a:xfrm>
+          <a:prstGeom prst="triangle">
             <a:avLst/>
           </a:prstGeom>
           <a:solidFill>
-            <a:schemeClr val="accent1">
-              <a:lumMod val="75000"/>
-            </a:schemeClr>
+            <a:schemeClr val="tx1"/>
           </a:solidFill>
           <a:ln>
-            <a:solidFill>
-              <a:schemeClr val="accent1">
-                <a:lumMod val="75000"/>
-              </a:schemeClr>
-            </a:solidFill>
+            <a:noFill/>
           </a:ln>
         </p:spPr>
         <p:style>
@@ -5398,29 +5226,23 @@
       </p:sp>
       <p:sp>
         <p:nvSpPr>
-          <p:cNvPr id="3" name="Triângulo isósceles 2"/>
+          <p:cNvPr id="22" name="Elipse 21"/>
           <p:cNvSpPr/>
           <p:nvPr/>
         </p:nvSpPr>
         <p:spPr>
-          <a:xfrm rot="10800000">
-            <a:off x="5424709" y="3258784"/>
-            <a:ext cx="2311200" cy="2548644"/>
-          </a:xfrm>
-          <a:prstGeom prst="triangle">
+          <a:xfrm>
+            <a:off x="1648315" y="1774505"/>
+            <a:ext cx="385659" cy="392817"/>
+          </a:xfrm>
+          <a:prstGeom prst="ellipse">
             <a:avLst/>
           </a:prstGeom>
           <a:solidFill>
-            <a:schemeClr val="accent1">
-              <a:lumMod val="75000"/>
-            </a:schemeClr>
+            <a:schemeClr val="tx1"/>
           </a:solidFill>
           <a:ln>
-            <a:solidFill>
-              <a:schemeClr val="accent1">
-                <a:lumMod val="75000"/>
-              </a:schemeClr>
-            </a:solidFill>
+            <a:noFill/>
           </a:ln>
         </p:spPr>
         <p:style>
@@ -5450,14 +5272,1080 @@
       </p:sp>
       <p:sp>
         <p:nvSpPr>
-          <p:cNvPr id="4" name="Elipse 3"/>
+          <p:cNvPr id="25" name="Elipse 24"/>
           <p:cNvSpPr/>
           <p:nvPr/>
         </p:nvSpPr>
         <p:spPr>
           <a:xfrm>
-            <a:off x="5821552" y="2008762"/>
-            <a:ext cx="1517515" cy="1585608"/>
+            <a:off x="1699253" y="1819409"/>
+            <a:ext cx="286908" cy="277692"/>
+          </a:xfrm>
+          <a:prstGeom prst="ellipse">
+            <a:avLst/>
+          </a:prstGeom>
+          <a:solidFill>
+            <a:schemeClr val="bg1"/>
+          </a:solidFill>
+          <a:ln>
+            <a:noFill/>
+          </a:ln>
+        </p:spPr>
+        <p:style>
+          <a:lnRef idx="2">
+            <a:schemeClr val="accent1">
+              <a:shade val="50000"/>
+            </a:schemeClr>
+          </a:lnRef>
+          <a:fillRef idx="1">
+            <a:schemeClr val="accent1"/>
+          </a:fillRef>
+          <a:effectRef idx="0">
+            <a:schemeClr val="accent1"/>
+          </a:effectRef>
+          <a:fontRef idx="minor">
+            <a:schemeClr val="lt1"/>
+          </a:fontRef>
+        </p:style>
+        <p:txBody>
+          <a:bodyPr rtlCol="0" anchor="ctr"/>
+          <a:lstStyle/>
+          <a:p>
+            <a:pPr algn="ctr"/>
+            <a:endParaRPr lang="pt-BR"/>
+          </a:p>
+        </p:txBody>
+      </p:sp>
+      <p:sp>
+        <p:nvSpPr>
+          <p:cNvPr id="2" name="Retângulo de cantos arredondados 1"/>
+          <p:cNvSpPr/>
+          <p:nvPr/>
+        </p:nvSpPr>
+        <p:spPr>
+          <a:xfrm>
+            <a:off x="1312380" y="4396334"/>
+            <a:ext cx="3023755" cy="457200"/>
+          </a:xfrm>
+          <a:prstGeom prst="roundRect">
+            <a:avLst/>
+          </a:prstGeom>
+          <a:solidFill>
+            <a:schemeClr val="bg1"/>
+          </a:solidFill>
+          <a:ln>
+            <a:solidFill>
+              <a:schemeClr val="bg1">
+                <a:lumMod val="50000"/>
+              </a:schemeClr>
+            </a:solidFill>
+          </a:ln>
+        </p:spPr>
+        <p:style>
+          <a:lnRef idx="2">
+            <a:schemeClr val="accent1">
+              <a:shade val="50000"/>
+            </a:schemeClr>
+          </a:lnRef>
+          <a:fillRef idx="1">
+            <a:schemeClr val="accent1"/>
+          </a:fillRef>
+          <a:effectRef idx="0">
+            <a:schemeClr val="accent1"/>
+          </a:effectRef>
+          <a:fontRef idx="minor">
+            <a:schemeClr val="lt1"/>
+          </a:fontRef>
+        </p:style>
+        <p:txBody>
+          <a:bodyPr rtlCol="0" anchor="ctr"/>
+          <a:lstStyle/>
+          <a:p>
+            <a:pPr algn="ctr"/>
+            <a:r>
+              <a:rPr lang="pt-BR" dirty="0" smtClean="0">
+                <a:solidFill>
+                  <a:schemeClr val="bg1">
+                    <a:lumMod val="50000"/>
+                  </a:schemeClr>
+                </a:solidFill>
+              </a:rPr>
+              <a:t>Complemento</a:t>
+            </a:r>
+            <a:endParaRPr lang="pt-BR" dirty="0">
+              <a:solidFill>
+                <a:schemeClr val="bg1">
+                  <a:lumMod val="50000"/>
+                </a:schemeClr>
+              </a:solidFill>
+            </a:endParaRPr>
+          </a:p>
+        </p:txBody>
+      </p:sp>
+      <p:sp>
+        <p:nvSpPr>
+          <p:cNvPr id="3" name="Retângulo de cantos arredondados 2"/>
+          <p:cNvSpPr/>
+          <p:nvPr/>
+        </p:nvSpPr>
+        <p:spPr>
+          <a:xfrm>
+            <a:off x="4716408" y="4501109"/>
+            <a:ext cx="272844" cy="228600"/>
+          </a:xfrm>
+          <a:prstGeom prst="roundRect">
+            <a:avLst/>
+          </a:prstGeom>
+          <a:solidFill>
+            <a:schemeClr val="bg1"/>
+          </a:solidFill>
+          <a:ln>
+            <a:solidFill>
+              <a:schemeClr val="bg1">
+                <a:lumMod val="50000"/>
+              </a:schemeClr>
+            </a:solidFill>
+          </a:ln>
+        </p:spPr>
+        <p:style>
+          <a:lnRef idx="2">
+            <a:schemeClr val="accent1">
+              <a:shade val="50000"/>
+            </a:schemeClr>
+          </a:lnRef>
+          <a:fillRef idx="1">
+            <a:schemeClr val="accent1"/>
+          </a:fillRef>
+          <a:effectRef idx="0">
+            <a:schemeClr val="accent1"/>
+          </a:effectRef>
+          <a:fontRef idx="minor">
+            <a:schemeClr val="lt1"/>
+          </a:fontRef>
+        </p:style>
+        <p:txBody>
+          <a:bodyPr rtlCol="0" anchor="ctr"/>
+          <a:lstStyle/>
+          <a:p>
+            <a:pPr algn="ctr"/>
+            <a:endParaRPr lang="pt-BR" dirty="0">
+              <a:solidFill>
+                <a:schemeClr val="bg1">
+                  <a:lumMod val="50000"/>
+                </a:schemeClr>
+              </a:solidFill>
+            </a:endParaRPr>
+          </a:p>
+        </p:txBody>
+      </p:sp>
+      <p:sp>
+        <p:nvSpPr>
+          <p:cNvPr id="4" name="CaixaDeTexto 3"/>
+          <p:cNvSpPr txBox="1"/>
+          <p:nvPr/>
+        </p:nvSpPr>
+        <p:spPr>
+          <a:xfrm>
+            <a:off x="5012633" y="4471045"/>
+            <a:ext cx="1555169" cy="307777"/>
+          </a:xfrm>
+          <a:prstGeom prst="rect">
+            <a:avLst/>
+          </a:prstGeom>
+          <a:noFill/>
+        </p:spPr>
+        <p:txBody>
+          <a:bodyPr wrap="none" rtlCol="0">
+            <a:spAutoFit/>
+          </a:bodyPr>
+          <a:lstStyle/>
+          <a:p>
+            <a:r>
+              <a:rPr lang="pt-BR" sz="1400" dirty="0" smtClean="0"/>
+              <a:t>Sem complemento</a:t>
+            </a:r>
+            <a:endParaRPr lang="pt-BR" sz="1400" dirty="0"/>
+          </a:p>
+        </p:txBody>
+      </p:sp>
+      <p:sp>
+        <p:nvSpPr>
+          <p:cNvPr id="5" name="Retângulo de cantos arredondados 4"/>
+          <p:cNvSpPr/>
+          <p:nvPr/>
+        </p:nvSpPr>
+        <p:spPr>
+          <a:xfrm>
+            <a:off x="6699267" y="4396334"/>
+            <a:ext cx="3121009" cy="457200"/>
+          </a:xfrm>
+          <a:prstGeom prst="roundRect">
+            <a:avLst/>
+          </a:prstGeom>
+          <a:solidFill>
+            <a:schemeClr val="bg1"/>
+          </a:solidFill>
+          <a:ln>
+            <a:solidFill>
+              <a:schemeClr val="bg1">
+                <a:lumMod val="50000"/>
+              </a:schemeClr>
+            </a:solidFill>
+          </a:ln>
+        </p:spPr>
+        <p:style>
+          <a:lnRef idx="2">
+            <a:schemeClr val="accent1">
+              <a:shade val="50000"/>
+            </a:schemeClr>
+          </a:lnRef>
+          <a:fillRef idx="1">
+            <a:schemeClr val="accent1"/>
+          </a:fillRef>
+          <a:effectRef idx="0">
+            <a:schemeClr val="accent1"/>
+          </a:effectRef>
+          <a:fontRef idx="minor">
+            <a:schemeClr val="lt1"/>
+          </a:fontRef>
+        </p:style>
+        <p:txBody>
+          <a:bodyPr rtlCol="0" anchor="ctr"/>
+          <a:lstStyle/>
+          <a:p>
+            <a:pPr algn="ctr"/>
+            <a:r>
+              <a:rPr lang="pt-BR" dirty="0" smtClean="0">
+                <a:solidFill>
+                  <a:schemeClr val="bg1">
+                    <a:lumMod val="50000"/>
+                  </a:schemeClr>
+                </a:solidFill>
+              </a:rPr>
+              <a:t>Ponto de referência</a:t>
+            </a:r>
+            <a:endParaRPr lang="pt-BR" dirty="0">
+              <a:solidFill>
+                <a:schemeClr val="bg1">
+                  <a:lumMod val="50000"/>
+                </a:schemeClr>
+              </a:solidFill>
+            </a:endParaRPr>
+          </a:p>
+        </p:txBody>
+      </p:sp>
+      <p:sp>
+        <p:nvSpPr>
+          <p:cNvPr id="6" name="Retângulo de cantos arredondados 5"/>
+          <p:cNvSpPr/>
+          <p:nvPr/>
+        </p:nvSpPr>
+        <p:spPr>
+          <a:xfrm>
+            <a:off x="3938378" y="6182818"/>
+            <a:ext cx="5881898" cy="457200"/>
+          </a:xfrm>
+          <a:prstGeom prst="roundRect">
+            <a:avLst/>
+          </a:prstGeom>
+          <a:solidFill>
+            <a:schemeClr val="accent6"/>
+          </a:solidFill>
+          <a:ln>
+            <a:solidFill>
+              <a:schemeClr val="bg1">
+                <a:lumMod val="50000"/>
+              </a:schemeClr>
+            </a:solidFill>
+          </a:ln>
+        </p:spPr>
+        <p:style>
+          <a:lnRef idx="2">
+            <a:schemeClr val="accent1">
+              <a:shade val="50000"/>
+            </a:schemeClr>
+          </a:lnRef>
+          <a:fillRef idx="1">
+            <a:schemeClr val="accent1"/>
+          </a:fillRef>
+          <a:effectRef idx="0">
+            <a:schemeClr val="accent1"/>
+          </a:effectRef>
+          <a:fontRef idx="minor">
+            <a:schemeClr val="lt1"/>
+          </a:fontRef>
+        </p:style>
+        <p:txBody>
+          <a:bodyPr rtlCol="0" anchor="ctr"/>
+          <a:lstStyle/>
+          <a:p>
+            <a:pPr algn="ctr"/>
+            <a:r>
+              <a:rPr lang="pt-BR" dirty="0" smtClean="0">
+                <a:solidFill>
+                  <a:schemeClr val="bg1"/>
+                </a:solidFill>
+              </a:rPr>
+              <a:t>Cadastrar endereço</a:t>
+            </a:r>
+            <a:endParaRPr lang="pt-BR" dirty="0">
+              <a:solidFill>
+                <a:schemeClr val="bg1"/>
+              </a:solidFill>
+            </a:endParaRPr>
+          </a:p>
+        </p:txBody>
+      </p:sp>
+      <p:sp>
+        <p:nvSpPr>
+          <p:cNvPr id="7" name="Retângulo de cantos arredondados 6"/>
+          <p:cNvSpPr/>
+          <p:nvPr/>
+        </p:nvSpPr>
+        <p:spPr>
+          <a:xfrm>
+            <a:off x="1333326" y="6182818"/>
+            <a:ext cx="2352849" cy="457200"/>
+          </a:xfrm>
+          <a:prstGeom prst="roundRect">
+            <a:avLst/>
+          </a:prstGeom>
+          <a:solidFill>
+            <a:schemeClr val="bg1"/>
+          </a:solidFill>
+          <a:ln>
+            <a:solidFill>
+              <a:schemeClr val="bg1">
+                <a:lumMod val="50000"/>
+              </a:schemeClr>
+            </a:solidFill>
+          </a:ln>
+        </p:spPr>
+        <p:style>
+          <a:lnRef idx="2">
+            <a:schemeClr val="accent1">
+              <a:shade val="50000"/>
+            </a:schemeClr>
+          </a:lnRef>
+          <a:fillRef idx="1">
+            <a:schemeClr val="accent1"/>
+          </a:fillRef>
+          <a:effectRef idx="0">
+            <a:schemeClr val="accent1"/>
+          </a:effectRef>
+          <a:fontRef idx="minor">
+            <a:schemeClr val="lt1"/>
+          </a:fontRef>
+        </p:style>
+        <p:txBody>
+          <a:bodyPr rtlCol="0" anchor="ctr"/>
+          <a:lstStyle/>
+          <a:p>
+            <a:pPr algn="ctr"/>
+            <a:r>
+              <a:rPr lang="pt-BR" dirty="0" smtClean="0">
+                <a:solidFill>
+                  <a:schemeClr val="accent1">
+                    <a:lumMod val="75000"/>
+                  </a:schemeClr>
+                </a:solidFill>
+              </a:rPr>
+              <a:t>Voltar</a:t>
+            </a:r>
+            <a:endParaRPr lang="pt-BR" dirty="0">
+              <a:solidFill>
+                <a:schemeClr val="accent1">
+                  <a:lumMod val="75000"/>
+                </a:schemeClr>
+              </a:solidFill>
+            </a:endParaRPr>
+          </a:p>
+        </p:txBody>
+      </p:sp>
+      <p:sp>
+        <p:nvSpPr>
+          <p:cNvPr id="8" name="Retângulo de cantos arredondados 7"/>
+          <p:cNvSpPr/>
+          <p:nvPr/>
+        </p:nvSpPr>
+        <p:spPr>
+          <a:xfrm>
+            <a:off x="1327266" y="5266706"/>
+            <a:ext cx="272844" cy="228600"/>
+          </a:xfrm>
+          <a:prstGeom prst="roundRect">
+            <a:avLst/>
+          </a:prstGeom>
+          <a:solidFill>
+            <a:schemeClr val="bg1"/>
+          </a:solidFill>
+          <a:ln>
+            <a:solidFill>
+              <a:schemeClr val="bg1">
+                <a:lumMod val="50000"/>
+              </a:schemeClr>
+            </a:solidFill>
+          </a:ln>
+        </p:spPr>
+        <p:style>
+          <a:lnRef idx="2">
+            <a:schemeClr val="accent1">
+              <a:shade val="50000"/>
+            </a:schemeClr>
+          </a:lnRef>
+          <a:fillRef idx="1">
+            <a:schemeClr val="accent1"/>
+          </a:fillRef>
+          <a:effectRef idx="0">
+            <a:schemeClr val="accent1"/>
+          </a:effectRef>
+          <a:fontRef idx="minor">
+            <a:schemeClr val="lt1"/>
+          </a:fontRef>
+        </p:style>
+        <p:txBody>
+          <a:bodyPr rtlCol="0" anchor="ctr"/>
+          <a:lstStyle/>
+          <a:p>
+            <a:pPr algn="ctr"/>
+            <a:endParaRPr lang="pt-BR" dirty="0">
+              <a:solidFill>
+                <a:schemeClr val="bg1">
+                  <a:lumMod val="50000"/>
+                </a:schemeClr>
+              </a:solidFill>
+            </a:endParaRPr>
+          </a:p>
+        </p:txBody>
+      </p:sp>
+      <p:sp>
+        <p:nvSpPr>
+          <p:cNvPr id="9" name="CaixaDeTexto 8"/>
+          <p:cNvSpPr txBox="1"/>
+          <p:nvPr/>
+        </p:nvSpPr>
+        <p:spPr>
+          <a:xfrm>
+            <a:off x="1733241" y="5227117"/>
+            <a:ext cx="524503" cy="307777"/>
+          </a:xfrm>
+          <a:prstGeom prst="rect">
+            <a:avLst/>
+          </a:prstGeom>
+          <a:noFill/>
+        </p:spPr>
+        <p:txBody>
+          <a:bodyPr wrap="none" rtlCol="0">
+            <a:spAutoFit/>
+          </a:bodyPr>
+          <a:lstStyle/>
+          <a:p>
+            <a:r>
+              <a:rPr lang="pt-BR" sz="1400" dirty="0" smtClean="0"/>
+              <a:t>Casa</a:t>
+            </a:r>
+            <a:endParaRPr lang="pt-BR" sz="1400" dirty="0"/>
+          </a:p>
+        </p:txBody>
+      </p:sp>
+      <p:sp>
+        <p:nvSpPr>
+          <p:cNvPr id="10" name="Retângulo de cantos arredondados 9"/>
+          <p:cNvSpPr/>
+          <p:nvPr/>
+        </p:nvSpPr>
+        <p:spPr>
+          <a:xfrm>
+            <a:off x="6542082" y="5341418"/>
+            <a:ext cx="272844" cy="228600"/>
+          </a:xfrm>
+          <a:prstGeom prst="roundRect">
+            <a:avLst/>
+          </a:prstGeom>
+          <a:solidFill>
+            <a:schemeClr val="bg1"/>
+          </a:solidFill>
+          <a:ln>
+            <a:solidFill>
+              <a:schemeClr val="bg1">
+                <a:lumMod val="50000"/>
+              </a:schemeClr>
+            </a:solidFill>
+          </a:ln>
+        </p:spPr>
+        <p:style>
+          <a:lnRef idx="2">
+            <a:schemeClr val="accent1">
+              <a:shade val="50000"/>
+            </a:schemeClr>
+          </a:lnRef>
+          <a:fillRef idx="1">
+            <a:schemeClr val="accent1"/>
+          </a:fillRef>
+          <a:effectRef idx="0">
+            <a:schemeClr val="accent1"/>
+          </a:effectRef>
+          <a:fontRef idx="minor">
+            <a:schemeClr val="lt1"/>
+          </a:fontRef>
+        </p:style>
+        <p:txBody>
+          <a:bodyPr rtlCol="0" anchor="ctr"/>
+          <a:lstStyle/>
+          <a:p>
+            <a:pPr algn="ctr"/>
+            <a:endParaRPr lang="pt-BR" dirty="0">
+              <a:solidFill>
+                <a:schemeClr val="bg1">
+                  <a:lumMod val="50000"/>
+                </a:schemeClr>
+              </a:solidFill>
+            </a:endParaRPr>
+          </a:p>
+        </p:txBody>
+      </p:sp>
+      <p:sp>
+        <p:nvSpPr>
+          <p:cNvPr id="11" name="CaixaDeTexto 10"/>
+          <p:cNvSpPr txBox="1"/>
+          <p:nvPr/>
+        </p:nvSpPr>
+        <p:spPr>
+          <a:xfrm>
+            <a:off x="6948057" y="5301829"/>
+            <a:ext cx="683520" cy="307777"/>
+          </a:xfrm>
+          <a:prstGeom prst="rect">
+            <a:avLst/>
+          </a:prstGeom>
+          <a:noFill/>
+        </p:spPr>
+        <p:txBody>
+          <a:bodyPr wrap="none" rtlCol="0">
+            <a:spAutoFit/>
+          </a:bodyPr>
+          <a:lstStyle/>
+          <a:p>
+            <a:r>
+              <a:rPr lang="pt-BR" sz="1400" dirty="0" smtClean="0"/>
+              <a:t>Outros</a:t>
+            </a:r>
+            <a:endParaRPr lang="pt-BR" sz="1400" dirty="0"/>
+          </a:p>
+        </p:txBody>
+      </p:sp>
+      <p:sp>
+        <p:nvSpPr>
+          <p:cNvPr id="12" name="Retângulo de cantos arredondados 11"/>
+          <p:cNvSpPr/>
+          <p:nvPr/>
+        </p:nvSpPr>
+        <p:spPr>
+          <a:xfrm>
+            <a:off x="3973542" y="5301829"/>
+            <a:ext cx="272844" cy="228600"/>
+          </a:xfrm>
+          <a:prstGeom prst="roundRect">
+            <a:avLst/>
+          </a:prstGeom>
+          <a:solidFill>
+            <a:schemeClr val="bg1"/>
+          </a:solidFill>
+          <a:ln>
+            <a:solidFill>
+              <a:schemeClr val="bg1">
+                <a:lumMod val="50000"/>
+              </a:schemeClr>
+            </a:solidFill>
+          </a:ln>
+        </p:spPr>
+        <p:style>
+          <a:lnRef idx="2">
+            <a:schemeClr val="accent1">
+              <a:shade val="50000"/>
+            </a:schemeClr>
+          </a:lnRef>
+          <a:fillRef idx="1">
+            <a:schemeClr val="accent1"/>
+          </a:fillRef>
+          <a:effectRef idx="0">
+            <a:schemeClr val="accent1"/>
+          </a:effectRef>
+          <a:fontRef idx="minor">
+            <a:schemeClr val="lt1"/>
+          </a:fontRef>
+        </p:style>
+        <p:txBody>
+          <a:bodyPr rtlCol="0" anchor="ctr"/>
+          <a:lstStyle/>
+          <a:p>
+            <a:pPr algn="ctr"/>
+            <a:endParaRPr lang="pt-BR" dirty="0">
+              <a:solidFill>
+                <a:schemeClr val="bg1">
+                  <a:lumMod val="50000"/>
+                </a:schemeClr>
+              </a:solidFill>
+            </a:endParaRPr>
+          </a:p>
+        </p:txBody>
+      </p:sp>
+      <p:sp>
+        <p:nvSpPr>
+          <p:cNvPr id="13" name="CaixaDeTexto 12"/>
+          <p:cNvSpPr txBox="1"/>
+          <p:nvPr/>
+        </p:nvSpPr>
+        <p:spPr>
+          <a:xfrm>
+            <a:off x="4379517" y="5262240"/>
+            <a:ext cx="819070" cy="307777"/>
+          </a:xfrm>
+          <a:prstGeom prst="rect">
+            <a:avLst/>
+          </a:prstGeom>
+          <a:noFill/>
+        </p:spPr>
+        <p:txBody>
+          <a:bodyPr wrap="none" rtlCol="0">
+            <a:spAutoFit/>
+          </a:bodyPr>
+          <a:lstStyle/>
+          <a:p>
+            <a:r>
+              <a:rPr lang="pt-BR" sz="1400" dirty="0" smtClean="0"/>
+              <a:t>Trabalho</a:t>
+            </a:r>
+            <a:endParaRPr lang="pt-BR" sz="1400" dirty="0"/>
+          </a:p>
+        </p:txBody>
+      </p:sp>
+      <p:sp>
+        <p:nvSpPr>
+          <p:cNvPr id="14" name="Retângulo 13"/>
+          <p:cNvSpPr/>
+          <p:nvPr/>
+        </p:nvSpPr>
+        <p:spPr>
+          <a:xfrm>
+            <a:off x="-1" y="0"/>
+            <a:ext cx="12192000" cy="1652155"/>
+          </a:xfrm>
+          <a:prstGeom prst="rect">
+            <a:avLst/>
+          </a:prstGeom>
+          <a:solidFill>
+            <a:schemeClr val="accent1">
+              <a:lumMod val="75000"/>
+            </a:schemeClr>
+          </a:solidFill>
+        </p:spPr>
+        <p:style>
+          <a:lnRef idx="2">
+            <a:schemeClr val="accent1">
+              <a:shade val="50000"/>
+            </a:schemeClr>
+          </a:lnRef>
+          <a:fillRef idx="1">
+            <a:schemeClr val="accent1"/>
+          </a:fillRef>
+          <a:effectRef idx="0">
+            <a:schemeClr val="accent1"/>
+          </a:effectRef>
+          <a:fontRef idx="minor">
+            <a:schemeClr val="lt1"/>
+          </a:fontRef>
+        </p:style>
+        <p:txBody>
+          <a:bodyPr rtlCol="0" anchor="ctr"/>
+          <a:lstStyle/>
+          <a:p>
+            <a:pPr algn="ctr"/>
+            <a:endParaRPr lang="pt-BR" dirty="0"/>
+          </a:p>
+        </p:txBody>
+      </p:sp>
+      <p:sp>
+        <p:nvSpPr>
+          <p:cNvPr id="15" name="CaixaDeTexto 14"/>
+          <p:cNvSpPr txBox="1"/>
+          <p:nvPr/>
+        </p:nvSpPr>
+        <p:spPr>
+          <a:xfrm>
+            <a:off x="394854" y="641411"/>
+            <a:ext cx="633507" cy="369332"/>
+          </a:xfrm>
+          <a:prstGeom prst="rect">
+            <a:avLst/>
+          </a:prstGeom>
+          <a:noFill/>
+        </p:spPr>
+        <p:txBody>
+          <a:bodyPr wrap="none" rtlCol="0">
+            <a:spAutoFit/>
+          </a:bodyPr>
+          <a:lstStyle/>
+          <a:p>
+            <a:r>
+              <a:rPr lang="pt-BR" dirty="0" smtClean="0"/>
+              <a:t>Logo</a:t>
+            </a:r>
+            <a:endParaRPr lang="pt-BR" dirty="0"/>
+          </a:p>
+        </p:txBody>
+      </p:sp>
+      <p:pic>
+        <p:nvPicPr>
+          <p:cNvPr id="16" name="Imagem 15"/>
+          <p:cNvPicPr>
+            <a:picLocks noChangeAspect="1"/>
+          </p:cNvPicPr>
+          <p:nvPr/>
+        </p:nvPicPr>
+        <p:blipFill>
+          <a:blip r:embed="rId2" cstate="print">
+            <a:extLst>
+              <a:ext uri="{BEBA8EAE-BF5A-486C-A8C5-ECC9F3942E4B}">
+                <a14:imgProps xmlns:a14="http://schemas.microsoft.com/office/drawing/2010/main">
+                  <a14:imgLayer r:embed="rId3">
+                    <a14:imgEffect>
+                      <a14:backgroundRemoval t="0" b="100000" l="0" r="100000">
+                        <a14:foregroundMark x1="22778" y1="53444" x2="22778" y2="53444"/>
+                        <a14:foregroundMark x1="36556" y1="24889" x2="36556" y2="24889"/>
+                        <a14:foregroundMark x1="70333" y1="25444" x2="70333" y2="25444"/>
+                        <a14:foregroundMark x1="86222" y1="59222" x2="86222" y2="59222"/>
+                        <a14:foregroundMark x1="65111" y1="76222" x2="65111" y2="76222"/>
+                        <a14:foregroundMark x1="86778" y1="58778" x2="86778" y2="58778"/>
+                        <a14:foregroundMark x1="85667" y1="42333" x2="85667" y2="42333"/>
+                      </a14:backgroundRemoval>
+                    </a14:imgEffect>
+                  </a14:imgLayer>
+                </a14:imgProps>
+              </a:ext>
+              <a:ext uri="{28A0092B-C50C-407E-A947-70E740481C1C}">
+                <a14:useLocalDpi xmlns:a14="http://schemas.microsoft.com/office/drawing/2010/main" val="0"/>
+              </a:ext>
+            </a:extLst>
+          </a:blip>
+          <a:stretch>
+            <a:fillRect/>
+          </a:stretch>
+        </p:blipFill>
+        <p:spPr>
+          <a:xfrm>
+            <a:off x="1708584" y="1836897"/>
+            <a:ext cx="245057" cy="245057"/>
+          </a:xfrm>
+          <a:prstGeom prst="rect">
+            <a:avLst/>
+          </a:prstGeom>
+        </p:spPr>
+      </p:pic>
+      <p:sp>
+        <p:nvSpPr>
+          <p:cNvPr id="17" name="CaixaDeTexto 16"/>
+          <p:cNvSpPr txBox="1"/>
+          <p:nvPr/>
+        </p:nvSpPr>
+        <p:spPr>
+          <a:xfrm>
+            <a:off x="2066924" y="1958255"/>
+            <a:ext cx="1736245" cy="369332"/>
+          </a:xfrm>
+          <a:prstGeom prst="rect">
+            <a:avLst/>
+          </a:prstGeom>
+          <a:noFill/>
+        </p:spPr>
+        <p:txBody>
+          <a:bodyPr wrap="none" rtlCol="0">
+            <a:spAutoFit/>
+          </a:bodyPr>
+          <a:lstStyle/>
+          <a:p>
+            <a:r>
+              <a:rPr lang="pt-BR" dirty="0" smtClean="0"/>
+              <a:t>Meus endereços</a:t>
+            </a:r>
+            <a:endParaRPr lang="pt-BR" dirty="0"/>
+          </a:p>
+        </p:txBody>
+      </p:sp>
+      <p:sp>
+        <p:nvSpPr>
+          <p:cNvPr id="18" name="Retângulo de cantos arredondados 17"/>
+          <p:cNvSpPr/>
+          <p:nvPr/>
+        </p:nvSpPr>
+        <p:spPr>
+          <a:xfrm>
+            <a:off x="1333324" y="2694521"/>
+            <a:ext cx="1490931" cy="457200"/>
+          </a:xfrm>
+          <a:prstGeom prst="roundRect">
+            <a:avLst/>
+          </a:prstGeom>
+          <a:solidFill>
+            <a:schemeClr val="bg1"/>
+          </a:solidFill>
+          <a:ln>
+            <a:solidFill>
+              <a:schemeClr val="bg1">
+                <a:lumMod val="50000"/>
+              </a:schemeClr>
+            </a:solidFill>
+          </a:ln>
+        </p:spPr>
+        <p:style>
+          <a:lnRef idx="2">
+            <a:schemeClr val="accent1">
+              <a:shade val="50000"/>
+            </a:schemeClr>
+          </a:lnRef>
+          <a:fillRef idx="1">
+            <a:schemeClr val="accent1"/>
+          </a:fillRef>
+          <a:effectRef idx="0">
+            <a:schemeClr val="accent1"/>
+          </a:effectRef>
+          <a:fontRef idx="minor">
+            <a:schemeClr val="lt1"/>
+          </a:fontRef>
+        </p:style>
+        <p:txBody>
+          <a:bodyPr rtlCol="0" anchor="ctr"/>
+          <a:lstStyle/>
+          <a:p>
+            <a:pPr algn="ctr"/>
+            <a:r>
+              <a:rPr lang="pt-BR" dirty="0" smtClean="0">
+                <a:solidFill>
+                  <a:schemeClr val="bg1">
+                    <a:lumMod val="50000"/>
+                  </a:schemeClr>
+                </a:solidFill>
+              </a:rPr>
+              <a:t>UF</a:t>
+            </a:r>
+            <a:endParaRPr lang="pt-BR" dirty="0">
+              <a:solidFill>
+                <a:schemeClr val="bg1">
+                  <a:lumMod val="50000"/>
+                </a:schemeClr>
+              </a:solidFill>
+            </a:endParaRPr>
+          </a:p>
+        </p:txBody>
+      </p:sp>
+      <p:sp>
+        <p:nvSpPr>
+          <p:cNvPr id="19" name="Retângulo de cantos arredondados 18"/>
+          <p:cNvSpPr/>
+          <p:nvPr/>
+        </p:nvSpPr>
+        <p:spPr>
+          <a:xfrm>
+            <a:off x="3013941" y="2694521"/>
+            <a:ext cx="6806334" cy="457200"/>
+          </a:xfrm>
+          <a:prstGeom prst="roundRect">
+            <a:avLst/>
+          </a:prstGeom>
+          <a:solidFill>
+            <a:schemeClr val="bg1"/>
+          </a:solidFill>
+          <a:ln>
+            <a:solidFill>
+              <a:schemeClr val="bg1">
+                <a:lumMod val="50000"/>
+              </a:schemeClr>
+            </a:solidFill>
+          </a:ln>
+        </p:spPr>
+        <p:style>
+          <a:lnRef idx="2">
+            <a:schemeClr val="accent1">
+              <a:shade val="50000"/>
+            </a:schemeClr>
+          </a:lnRef>
+          <a:fillRef idx="1">
+            <a:schemeClr val="accent1"/>
+          </a:fillRef>
+          <a:effectRef idx="0">
+            <a:schemeClr val="accent1"/>
+          </a:effectRef>
+          <a:fontRef idx="minor">
+            <a:schemeClr val="lt1"/>
+          </a:fontRef>
+        </p:style>
+        <p:txBody>
+          <a:bodyPr rtlCol="0" anchor="ctr"/>
+          <a:lstStyle/>
+          <a:p>
+            <a:pPr algn="ctr"/>
+            <a:r>
+              <a:rPr lang="pt-BR" dirty="0" smtClean="0">
+                <a:solidFill>
+                  <a:schemeClr val="bg1">
+                    <a:lumMod val="50000"/>
+                  </a:schemeClr>
+                </a:solidFill>
+              </a:rPr>
+              <a:t>Cidade</a:t>
+            </a:r>
+            <a:endParaRPr lang="pt-BR" dirty="0">
+              <a:solidFill>
+                <a:schemeClr val="bg1">
+                  <a:lumMod val="50000"/>
+                </a:schemeClr>
+              </a:solidFill>
+            </a:endParaRPr>
+          </a:p>
+        </p:txBody>
+      </p:sp>
+      <p:sp>
+        <p:nvSpPr>
+          <p:cNvPr id="20" name="Retângulo de cantos arredondados 19"/>
+          <p:cNvSpPr/>
+          <p:nvPr/>
+        </p:nvSpPr>
+        <p:spPr>
+          <a:xfrm>
+            <a:off x="1312379" y="3530125"/>
+            <a:ext cx="7346543" cy="457200"/>
+          </a:xfrm>
+          <a:prstGeom prst="roundRect">
+            <a:avLst/>
+          </a:prstGeom>
+          <a:solidFill>
+            <a:schemeClr val="bg1"/>
+          </a:solidFill>
+          <a:ln>
+            <a:solidFill>
+              <a:schemeClr val="bg1">
+                <a:lumMod val="50000"/>
+              </a:schemeClr>
+            </a:solidFill>
+          </a:ln>
+        </p:spPr>
+        <p:style>
+          <a:lnRef idx="2">
+            <a:schemeClr val="accent1">
+              <a:shade val="50000"/>
+            </a:schemeClr>
+          </a:lnRef>
+          <a:fillRef idx="1">
+            <a:schemeClr val="accent1"/>
+          </a:fillRef>
+          <a:effectRef idx="0">
+            <a:schemeClr val="accent1"/>
+          </a:effectRef>
+          <a:fontRef idx="minor">
+            <a:schemeClr val="lt1"/>
+          </a:fontRef>
+        </p:style>
+        <p:txBody>
+          <a:bodyPr rtlCol="0" anchor="ctr"/>
+          <a:lstStyle/>
+          <a:p>
+            <a:pPr algn="ctr"/>
+            <a:r>
+              <a:rPr lang="pt-BR" dirty="0" smtClean="0">
+                <a:solidFill>
+                  <a:schemeClr val="bg1">
+                    <a:lumMod val="50000"/>
+                  </a:schemeClr>
+                </a:solidFill>
+              </a:rPr>
+              <a:t>Endereço</a:t>
+            </a:r>
+            <a:endParaRPr lang="pt-BR" dirty="0">
+              <a:solidFill>
+                <a:schemeClr val="bg1">
+                  <a:lumMod val="50000"/>
+                </a:schemeClr>
+              </a:solidFill>
+            </a:endParaRPr>
+          </a:p>
+        </p:txBody>
+      </p:sp>
+      <p:sp>
+        <p:nvSpPr>
+          <p:cNvPr id="21" name="Retângulo de cantos arredondados 20"/>
+          <p:cNvSpPr/>
+          <p:nvPr/>
+        </p:nvSpPr>
+        <p:spPr>
+          <a:xfrm>
+            <a:off x="8798333" y="3530125"/>
+            <a:ext cx="1021942" cy="457200"/>
+          </a:xfrm>
+          <a:prstGeom prst="roundRect">
+            <a:avLst/>
+          </a:prstGeom>
+          <a:solidFill>
+            <a:schemeClr val="bg1"/>
+          </a:solidFill>
+          <a:ln>
+            <a:solidFill>
+              <a:schemeClr val="bg1">
+                <a:lumMod val="50000"/>
+              </a:schemeClr>
+            </a:solidFill>
+          </a:ln>
+        </p:spPr>
+        <p:style>
+          <a:lnRef idx="2">
+            <a:schemeClr val="accent1">
+              <a:shade val="50000"/>
+            </a:schemeClr>
+          </a:lnRef>
+          <a:fillRef idx="1">
+            <a:schemeClr val="accent1"/>
+          </a:fillRef>
+          <a:effectRef idx="0">
+            <a:schemeClr val="accent1"/>
+          </a:effectRef>
+          <a:fontRef idx="minor">
+            <a:schemeClr val="lt1"/>
+          </a:fontRef>
+        </p:style>
+        <p:txBody>
+          <a:bodyPr rtlCol="0" anchor="ctr"/>
+          <a:lstStyle/>
+          <a:p>
+            <a:pPr algn="ctr"/>
+            <a:r>
+              <a:rPr lang="pt-BR" dirty="0" smtClean="0">
+                <a:solidFill>
+                  <a:schemeClr val="bg1">
+                    <a:lumMod val="50000"/>
+                  </a:schemeClr>
+                </a:solidFill>
+              </a:rPr>
+              <a:t>Número</a:t>
+            </a:r>
+            <a:endParaRPr lang="pt-BR" dirty="0">
+              <a:solidFill>
+                <a:schemeClr val="bg1">
+                  <a:lumMod val="50000"/>
+                </a:schemeClr>
+              </a:solidFill>
+            </a:endParaRPr>
+          </a:p>
+        </p:txBody>
+      </p:sp>
+      <p:sp>
+        <p:nvSpPr>
+          <p:cNvPr id="24" name="Elipse 23"/>
+          <p:cNvSpPr/>
+          <p:nvPr/>
+        </p:nvSpPr>
+        <p:spPr>
+          <a:xfrm>
+            <a:off x="5821552" y="2008761"/>
+            <a:ext cx="151752" cy="158561"/>
           </a:xfrm>
           <a:prstGeom prst="ellipse">
             <a:avLst/>
@@ -5499,7 +6387,7 @@
     </p:spTree>
     <p:extLst>
       <p:ext uri="{BB962C8B-B14F-4D97-AF65-F5344CB8AC3E}">
-        <p14:creationId xmlns:p14="http://schemas.microsoft.com/office/powerpoint/2010/main" val="4008943193"/>
+        <p14:creationId xmlns:p14="http://schemas.microsoft.com/office/powerpoint/2010/main" val="3507354239"/>
       </p:ext>
     </p:extLst>
   </p:cSld>
@@ -5526,699 +6414,10 @@
           <a:chExt cx="0" cy="0"/>
         </a:xfrm>
       </p:grpSpPr>
-      <p:sp>
-        <p:nvSpPr>
-          <p:cNvPr id="2" name="Retângulo 1"/>
-          <p:cNvSpPr/>
-          <p:nvPr/>
-        </p:nvSpPr>
-        <p:spPr>
-          <a:xfrm>
-            <a:off x="0" y="1488558"/>
-            <a:ext cx="12192000" cy="5369442"/>
-          </a:xfrm>
-          <a:prstGeom prst="rect">
-            <a:avLst/>
-          </a:prstGeom>
-          <a:solidFill>
-            <a:schemeClr val="accent1">
-              <a:lumMod val="75000"/>
-            </a:schemeClr>
-          </a:solidFill>
-        </p:spPr>
-        <p:style>
-          <a:lnRef idx="2">
-            <a:schemeClr val="accent1">
-              <a:shade val="50000"/>
-            </a:schemeClr>
-          </a:lnRef>
-          <a:fillRef idx="1">
-            <a:schemeClr val="accent1"/>
-          </a:fillRef>
-          <a:effectRef idx="0">
-            <a:schemeClr val="accent1"/>
-          </a:effectRef>
-          <a:fontRef idx="minor">
-            <a:schemeClr val="lt1"/>
-          </a:fontRef>
-        </p:style>
-        <p:txBody>
-          <a:bodyPr rtlCol="0" anchor="ctr"/>
-          <a:lstStyle/>
-          <a:p>
-            <a:pPr algn="ctr"/>
-            <a:endParaRPr lang="pt-BR" u="sng" dirty="0"/>
-          </a:p>
-        </p:txBody>
-      </p:sp>
-      <p:sp>
-        <p:nvSpPr>
-          <p:cNvPr id="3" name="Elipse 2"/>
-          <p:cNvSpPr/>
-          <p:nvPr/>
-        </p:nvSpPr>
-        <p:spPr>
-          <a:xfrm>
-            <a:off x="7861003" y="1733103"/>
-            <a:ext cx="712381" cy="659219"/>
-          </a:xfrm>
-          <a:prstGeom prst="ellipse">
-            <a:avLst/>
-          </a:prstGeom>
-        </p:spPr>
-        <p:style>
-          <a:lnRef idx="2">
-            <a:schemeClr val="accent1">
-              <a:shade val="50000"/>
-            </a:schemeClr>
-          </a:lnRef>
-          <a:fillRef idx="1">
-            <a:schemeClr val="accent1"/>
-          </a:fillRef>
-          <a:effectRef idx="0">
-            <a:schemeClr val="accent1"/>
-          </a:effectRef>
-          <a:fontRef idx="minor">
-            <a:schemeClr val="lt1"/>
-          </a:fontRef>
-        </p:style>
-        <p:txBody>
-          <a:bodyPr rtlCol="0" anchor="ctr"/>
-          <a:lstStyle/>
-          <a:p>
-            <a:pPr algn="ctr"/>
-            <a:endParaRPr lang="pt-BR"/>
-          </a:p>
-        </p:txBody>
-      </p:sp>
-      <p:sp>
-        <p:nvSpPr>
-          <p:cNvPr id="4" name="Elipse 3"/>
-          <p:cNvSpPr/>
-          <p:nvPr/>
-        </p:nvSpPr>
-        <p:spPr>
-          <a:xfrm>
-            <a:off x="9594111" y="1733105"/>
-            <a:ext cx="712381" cy="659219"/>
-          </a:xfrm>
-          <a:prstGeom prst="ellipse">
-            <a:avLst/>
-          </a:prstGeom>
-        </p:spPr>
-        <p:style>
-          <a:lnRef idx="2">
-            <a:schemeClr val="accent1">
-              <a:shade val="50000"/>
-            </a:schemeClr>
-          </a:lnRef>
-          <a:fillRef idx="1">
-            <a:schemeClr val="accent1"/>
-          </a:fillRef>
-          <a:effectRef idx="0">
-            <a:schemeClr val="accent1"/>
-          </a:effectRef>
-          <a:fontRef idx="minor">
-            <a:schemeClr val="lt1"/>
-          </a:fontRef>
-        </p:style>
-        <p:txBody>
-          <a:bodyPr rtlCol="0" anchor="ctr"/>
-          <a:lstStyle/>
-          <a:p>
-            <a:pPr algn="ctr"/>
-            <a:endParaRPr lang="pt-BR"/>
-          </a:p>
-        </p:txBody>
-      </p:sp>
-      <p:sp>
-        <p:nvSpPr>
-          <p:cNvPr id="5" name="Elipse 4"/>
-          <p:cNvSpPr/>
-          <p:nvPr/>
-        </p:nvSpPr>
-        <p:spPr>
-          <a:xfrm>
-            <a:off x="8727557" y="1733104"/>
-            <a:ext cx="712381" cy="659219"/>
-          </a:xfrm>
-          <a:prstGeom prst="ellipse">
-            <a:avLst/>
-          </a:prstGeom>
-        </p:spPr>
-        <p:style>
-          <a:lnRef idx="2">
-            <a:schemeClr val="accent1">
-              <a:shade val="50000"/>
-            </a:schemeClr>
-          </a:lnRef>
-          <a:fillRef idx="1">
-            <a:schemeClr val="accent1"/>
-          </a:fillRef>
-          <a:effectRef idx="0">
-            <a:schemeClr val="accent1"/>
-          </a:effectRef>
-          <a:fontRef idx="minor">
-            <a:schemeClr val="lt1"/>
-          </a:fontRef>
-        </p:style>
-        <p:txBody>
-          <a:bodyPr rtlCol="0" anchor="ctr"/>
-          <a:lstStyle/>
-          <a:p>
-            <a:pPr algn="ctr"/>
-            <a:endParaRPr lang="pt-BR"/>
-          </a:p>
-        </p:txBody>
-      </p:sp>
-      <p:sp>
-        <p:nvSpPr>
-          <p:cNvPr id="6" name="Elipse 5"/>
-          <p:cNvSpPr/>
-          <p:nvPr/>
-        </p:nvSpPr>
-        <p:spPr>
-          <a:xfrm>
-            <a:off x="10460665" y="1733105"/>
-            <a:ext cx="712381" cy="659219"/>
-          </a:xfrm>
-          <a:prstGeom prst="ellipse">
-            <a:avLst/>
-          </a:prstGeom>
-        </p:spPr>
-        <p:style>
-          <a:lnRef idx="2">
-            <a:schemeClr val="accent1">
-              <a:shade val="50000"/>
-            </a:schemeClr>
-          </a:lnRef>
-          <a:fillRef idx="1">
-            <a:schemeClr val="accent1"/>
-          </a:fillRef>
-          <a:effectRef idx="0">
-            <a:schemeClr val="accent1"/>
-          </a:effectRef>
-          <a:fontRef idx="minor">
-            <a:schemeClr val="lt1"/>
-          </a:fontRef>
-        </p:style>
-        <p:txBody>
-          <a:bodyPr rtlCol="0" anchor="ctr"/>
-          <a:lstStyle/>
-          <a:p>
-            <a:pPr algn="ctr"/>
-            <a:endParaRPr lang="pt-BR"/>
-          </a:p>
-        </p:txBody>
-      </p:sp>
-      <p:sp>
-        <p:nvSpPr>
-          <p:cNvPr id="7" name="Elipse 6"/>
-          <p:cNvSpPr/>
-          <p:nvPr/>
-        </p:nvSpPr>
-        <p:spPr>
-          <a:xfrm>
-            <a:off x="11327219" y="1733105"/>
-            <a:ext cx="712381" cy="659219"/>
-          </a:xfrm>
-          <a:prstGeom prst="ellipse">
-            <a:avLst/>
-          </a:prstGeom>
-        </p:spPr>
-        <p:style>
-          <a:lnRef idx="2">
-            <a:schemeClr val="accent1">
-              <a:shade val="50000"/>
-            </a:schemeClr>
-          </a:lnRef>
-          <a:fillRef idx="1">
-            <a:schemeClr val="accent1"/>
-          </a:fillRef>
-          <a:effectRef idx="0">
-            <a:schemeClr val="accent1"/>
-          </a:effectRef>
-          <a:fontRef idx="minor">
-            <a:schemeClr val="lt1"/>
-          </a:fontRef>
-        </p:style>
-        <p:txBody>
-          <a:bodyPr rtlCol="0" anchor="ctr"/>
-          <a:lstStyle/>
-          <a:p>
-            <a:pPr algn="ctr"/>
-            <a:endParaRPr lang="pt-BR"/>
-          </a:p>
-        </p:txBody>
-      </p:sp>
-      <p:sp>
-        <p:nvSpPr>
-          <p:cNvPr id="9" name="CaixaDeTexto 8"/>
-          <p:cNvSpPr txBox="1"/>
-          <p:nvPr/>
-        </p:nvSpPr>
-        <p:spPr>
-          <a:xfrm>
-            <a:off x="8533696" y="6119336"/>
-            <a:ext cx="3853938" cy="738664"/>
-          </a:xfrm>
-          <a:prstGeom prst="rect">
-            <a:avLst/>
-          </a:prstGeom>
-          <a:noFill/>
-        </p:spPr>
-        <p:txBody>
-          <a:bodyPr wrap="square" rtlCol="0">
-            <a:spAutoFit/>
-          </a:bodyPr>
-          <a:lstStyle/>
-          <a:p>
-            <a:r>
-              <a:rPr lang="pt-BR" sz="1200" dirty="0" smtClean="0">
-                <a:solidFill>
-                  <a:schemeClr val="bg1"/>
-                </a:solidFill>
-              </a:rPr>
-              <a:t>PetFeed º </a:t>
-            </a:r>
-            <a:r>
-              <a:rPr lang="pt-BR" sz="1200" dirty="0" err="1" smtClean="0">
-                <a:solidFill>
-                  <a:schemeClr val="bg1"/>
-                </a:solidFill>
-              </a:rPr>
-              <a:t>Lorenna</a:t>
-            </a:r>
-            <a:r>
-              <a:rPr lang="pt-BR" sz="1200" dirty="0" smtClean="0">
-                <a:solidFill>
-                  <a:schemeClr val="bg1"/>
-                </a:solidFill>
-              </a:rPr>
-              <a:t> Joanna Leal Nunes e Maria Eduarda Elias Rocha. Todos os direitos reservados.</a:t>
-            </a:r>
-          </a:p>
-          <a:p>
-            <a:endParaRPr lang="pt-BR" dirty="0"/>
-          </a:p>
-        </p:txBody>
-      </p:sp>
-      <p:sp>
-        <p:nvSpPr>
-          <p:cNvPr id="10" name="CaixaDeTexto 9"/>
-          <p:cNvSpPr txBox="1"/>
-          <p:nvPr/>
-        </p:nvSpPr>
-        <p:spPr>
-          <a:xfrm>
-            <a:off x="634348" y="2378089"/>
-            <a:ext cx="1112997" cy="369332"/>
-          </a:xfrm>
-          <a:prstGeom prst="rect">
-            <a:avLst/>
-          </a:prstGeom>
-          <a:noFill/>
-        </p:spPr>
-        <p:txBody>
-          <a:bodyPr wrap="none" rtlCol="0">
-            <a:spAutoFit/>
-          </a:bodyPr>
-          <a:lstStyle/>
-          <a:p>
-            <a:r>
-              <a:rPr lang="pt-BR" dirty="0" smtClean="0">
-                <a:solidFill>
-                  <a:schemeClr val="bg1"/>
-                </a:solidFill>
-              </a:rPr>
-              <a:t>Sobre nós</a:t>
-            </a:r>
-            <a:endParaRPr lang="pt-BR" dirty="0">
-              <a:solidFill>
-                <a:schemeClr val="bg1"/>
-              </a:solidFill>
-            </a:endParaRPr>
-          </a:p>
-        </p:txBody>
-      </p:sp>
-      <p:sp>
-        <p:nvSpPr>
-          <p:cNvPr id="11" name="CaixaDeTexto 10"/>
-          <p:cNvSpPr txBox="1"/>
-          <p:nvPr/>
-        </p:nvSpPr>
-        <p:spPr>
-          <a:xfrm>
-            <a:off x="3132528" y="2392322"/>
-            <a:ext cx="1007007" cy="369332"/>
-          </a:xfrm>
-          <a:prstGeom prst="rect">
-            <a:avLst/>
-          </a:prstGeom>
-          <a:noFill/>
-        </p:spPr>
-        <p:txBody>
-          <a:bodyPr wrap="none" rtlCol="0">
-            <a:spAutoFit/>
-          </a:bodyPr>
-          <a:lstStyle/>
-          <a:p>
-            <a:r>
-              <a:rPr lang="pt-BR" dirty="0" smtClean="0">
-                <a:solidFill>
-                  <a:schemeClr val="bg1"/>
-                </a:solidFill>
-              </a:rPr>
-              <a:t>Contrato</a:t>
-            </a:r>
-            <a:endParaRPr lang="pt-BR" dirty="0">
-              <a:solidFill>
-                <a:schemeClr val="bg1"/>
-              </a:solidFill>
-            </a:endParaRPr>
-          </a:p>
-        </p:txBody>
-      </p:sp>
-      <p:sp>
-        <p:nvSpPr>
-          <p:cNvPr id="12" name="CaixaDeTexto 11"/>
-          <p:cNvSpPr txBox="1"/>
-          <p:nvPr/>
-        </p:nvSpPr>
-        <p:spPr>
-          <a:xfrm>
-            <a:off x="5109479" y="2392322"/>
-            <a:ext cx="1973041" cy="369332"/>
-          </a:xfrm>
-          <a:prstGeom prst="rect">
-            <a:avLst/>
-          </a:prstGeom>
-          <a:noFill/>
-        </p:spPr>
-        <p:txBody>
-          <a:bodyPr wrap="none" rtlCol="0">
-            <a:spAutoFit/>
-          </a:bodyPr>
-          <a:lstStyle/>
-          <a:p>
-            <a:r>
-              <a:rPr lang="pt-BR" dirty="0" smtClean="0">
-                <a:solidFill>
-                  <a:schemeClr val="bg1"/>
-                </a:solidFill>
-              </a:rPr>
-              <a:t>Entrar ou cadastrar</a:t>
-            </a:r>
-            <a:endParaRPr lang="pt-BR" dirty="0">
-              <a:solidFill>
-                <a:schemeClr val="bg1"/>
-              </a:solidFill>
-            </a:endParaRPr>
-          </a:p>
-        </p:txBody>
-      </p:sp>
-      <p:sp>
-        <p:nvSpPr>
-          <p:cNvPr id="13" name="Retângulo 12"/>
-          <p:cNvSpPr/>
-          <p:nvPr/>
-        </p:nvSpPr>
-        <p:spPr>
-          <a:xfrm>
-            <a:off x="170122" y="2892759"/>
-            <a:ext cx="2041450" cy="510363"/>
-          </a:xfrm>
-          <a:prstGeom prst="rect">
-            <a:avLst/>
-          </a:prstGeom>
-        </p:spPr>
-        <p:style>
-          <a:lnRef idx="2">
-            <a:schemeClr val="accent1">
-              <a:shade val="50000"/>
-            </a:schemeClr>
-          </a:lnRef>
-          <a:fillRef idx="1">
-            <a:schemeClr val="accent1"/>
-          </a:fillRef>
-          <a:effectRef idx="0">
-            <a:schemeClr val="accent1"/>
-          </a:effectRef>
-          <a:fontRef idx="minor">
-            <a:schemeClr val="lt1"/>
-          </a:fontRef>
-        </p:style>
-        <p:txBody>
-          <a:bodyPr rtlCol="0" anchor="ctr"/>
-          <a:lstStyle/>
-          <a:p>
-            <a:pPr algn="ctr"/>
-            <a:endParaRPr lang="pt-BR"/>
-          </a:p>
-        </p:txBody>
-      </p:sp>
-      <p:sp>
-        <p:nvSpPr>
-          <p:cNvPr id="14" name="Retângulo 13"/>
-          <p:cNvSpPr/>
-          <p:nvPr/>
-        </p:nvSpPr>
-        <p:spPr>
-          <a:xfrm>
-            <a:off x="170122" y="3536421"/>
-            <a:ext cx="2041450" cy="510363"/>
-          </a:xfrm>
-          <a:prstGeom prst="rect">
-            <a:avLst/>
-          </a:prstGeom>
-        </p:spPr>
-        <p:style>
-          <a:lnRef idx="2">
-            <a:schemeClr val="accent1">
-              <a:shade val="50000"/>
-            </a:schemeClr>
-          </a:lnRef>
-          <a:fillRef idx="1">
-            <a:schemeClr val="accent1"/>
-          </a:fillRef>
-          <a:effectRef idx="0">
-            <a:schemeClr val="accent1"/>
-          </a:effectRef>
-          <a:fontRef idx="minor">
-            <a:schemeClr val="lt1"/>
-          </a:fontRef>
-        </p:style>
-        <p:txBody>
-          <a:bodyPr rtlCol="0" anchor="ctr"/>
-          <a:lstStyle/>
-          <a:p>
-            <a:pPr algn="ctr"/>
-            <a:endParaRPr lang="pt-BR"/>
-          </a:p>
-        </p:txBody>
-      </p:sp>
-      <p:sp>
-        <p:nvSpPr>
-          <p:cNvPr id="15" name="Retângulo 14"/>
-          <p:cNvSpPr/>
-          <p:nvPr/>
-        </p:nvSpPr>
-        <p:spPr>
-          <a:xfrm>
-            <a:off x="170122" y="4192122"/>
-            <a:ext cx="2041450" cy="510363"/>
-          </a:xfrm>
-          <a:prstGeom prst="rect">
-            <a:avLst/>
-          </a:prstGeom>
-        </p:spPr>
-        <p:style>
-          <a:lnRef idx="2">
-            <a:schemeClr val="accent1">
-              <a:shade val="50000"/>
-            </a:schemeClr>
-          </a:lnRef>
-          <a:fillRef idx="1">
-            <a:schemeClr val="accent1"/>
-          </a:fillRef>
-          <a:effectRef idx="0">
-            <a:schemeClr val="accent1"/>
-          </a:effectRef>
-          <a:fontRef idx="minor">
-            <a:schemeClr val="lt1"/>
-          </a:fontRef>
-        </p:style>
-        <p:txBody>
-          <a:bodyPr rtlCol="0" anchor="ctr"/>
-          <a:lstStyle/>
-          <a:p>
-            <a:pPr algn="ctr"/>
-            <a:endParaRPr lang="pt-BR"/>
-          </a:p>
-        </p:txBody>
-      </p:sp>
-      <p:sp>
-        <p:nvSpPr>
-          <p:cNvPr id="16" name="Retângulo 15"/>
-          <p:cNvSpPr/>
-          <p:nvPr/>
-        </p:nvSpPr>
-        <p:spPr>
-          <a:xfrm>
-            <a:off x="2614067" y="2892758"/>
-            <a:ext cx="2041450" cy="510363"/>
-          </a:xfrm>
-          <a:prstGeom prst="rect">
-            <a:avLst/>
-          </a:prstGeom>
-        </p:spPr>
-        <p:style>
-          <a:lnRef idx="2">
-            <a:schemeClr val="accent1">
-              <a:shade val="50000"/>
-            </a:schemeClr>
-          </a:lnRef>
-          <a:fillRef idx="1">
-            <a:schemeClr val="accent1"/>
-          </a:fillRef>
-          <a:effectRef idx="0">
-            <a:schemeClr val="accent1"/>
-          </a:effectRef>
-          <a:fontRef idx="minor">
-            <a:schemeClr val="lt1"/>
-          </a:fontRef>
-        </p:style>
-        <p:txBody>
-          <a:bodyPr rtlCol="0" anchor="ctr"/>
-          <a:lstStyle/>
-          <a:p>
-            <a:pPr algn="ctr"/>
-            <a:endParaRPr lang="pt-BR"/>
-          </a:p>
-        </p:txBody>
-      </p:sp>
-      <p:sp>
-        <p:nvSpPr>
-          <p:cNvPr id="17" name="Retângulo 16"/>
-          <p:cNvSpPr/>
-          <p:nvPr/>
-        </p:nvSpPr>
-        <p:spPr>
-          <a:xfrm>
-            <a:off x="5058013" y="2892758"/>
-            <a:ext cx="2041450" cy="510363"/>
-          </a:xfrm>
-          <a:prstGeom prst="rect">
-            <a:avLst/>
-          </a:prstGeom>
-        </p:spPr>
-        <p:style>
-          <a:lnRef idx="2">
-            <a:schemeClr val="accent1">
-              <a:shade val="50000"/>
-            </a:schemeClr>
-          </a:lnRef>
-          <a:fillRef idx="1">
-            <a:schemeClr val="accent1"/>
-          </a:fillRef>
-          <a:effectRef idx="0">
-            <a:schemeClr val="accent1"/>
-          </a:effectRef>
-          <a:fontRef idx="minor">
-            <a:schemeClr val="lt1"/>
-          </a:fontRef>
-        </p:style>
-        <p:txBody>
-          <a:bodyPr rtlCol="0" anchor="ctr"/>
-          <a:lstStyle/>
-          <a:p>
-            <a:pPr algn="ctr"/>
-            <a:endParaRPr lang="pt-BR"/>
-          </a:p>
-        </p:txBody>
-      </p:sp>
-      <p:sp>
-        <p:nvSpPr>
-          <p:cNvPr id="18" name="Retângulo 17"/>
-          <p:cNvSpPr/>
-          <p:nvPr/>
-        </p:nvSpPr>
-        <p:spPr>
-          <a:xfrm>
-            <a:off x="5075275" y="3534225"/>
-            <a:ext cx="2041450" cy="510363"/>
-          </a:xfrm>
-          <a:prstGeom prst="rect">
-            <a:avLst/>
-          </a:prstGeom>
-        </p:spPr>
-        <p:style>
-          <a:lnRef idx="2">
-            <a:schemeClr val="accent1">
-              <a:shade val="50000"/>
-            </a:schemeClr>
-          </a:lnRef>
-          <a:fillRef idx="1">
-            <a:schemeClr val="accent1"/>
-          </a:fillRef>
-          <a:effectRef idx="0">
-            <a:schemeClr val="accent1"/>
-          </a:effectRef>
-          <a:fontRef idx="minor">
-            <a:schemeClr val="lt1"/>
-          </a:fontRef>
-        </p:style>
-        <p:txBody>
-          <a:bodyPr rtlCol="0" anchor="ctr"/>
-          <a:lstStyle/>
-          <a:p>
-            <a:pPr algn="ctr"/>
-            <a:endParaRPr lang="pt-BR"/>
-          </a:p>
-        </p:txBody>
-      </p:sp>
-      <p:sp>
-        <p:nvSpPr>
-          <p:cNvPr id="8" name="CaixaDeTexto 7"/>
-          <p:cNvSpPr txBox="1"/>
-          <p:nvPr/>
-        </p:nvSpPr>
-        <p:spPr>
-          <a:xfrm>
-            <a:off x="581450" y="2963273"/>
-            <a:ext cx="1163332" cy="369332"/>
-          </a:xfrm>
-          <a:prstGeom prst="rect">
-            <a:avLst/>
-          </a:prstGeom>
-          <a:noFill/>
-        </p:spPr>
-        <p:txBody>
-          <a:bodyPr wrap="none" rtlCol="0">
-            <a:spAutoFit/>
-          </a:bodyPr>
-          <a:lstStyle/>
-          <a:p>
-            <a:r>
-              <a:rPr lang="pt-BR" dirty="0" smtClean="0">
-                <a:solidFill>
-                  <a:schemeClr val="bg1"/>
-                </a:solidFill>
-              </a:rPr>
-              <a:t>Bastidores</a:t>
-            </a:r>
-            <a:endParaRPr lang="pt-BR" dirty="0">
-              <a:solidFill>
-                <a:schemeClr val="bg1"/>
-              </a:solidFill>
-            </a:endParaRPr>
-          </a:p>
-        </p:txBody>
-      </p:sp>
     </p:spTree>
     <p:extLst>
       <p:ext uri="{BB962C8B-B14F-4D97-AF65-F5344CB8AC3E}">
-        <p14:creationId xmlns:p14="http://schemas.microsoft.com/office/powerpoint/2010/main" val="3212791591"/>
+        <p14:creationId xmlns:p14="http://schemas.microsoft.com/office/powerpoint/2010/main" val="2367484164"/>
       </p:ext>
     </p:extLst>
   </p:cSld>
@@ -6245,249 +6444,10 @@
           <a:chExt cx="0" cy="0"/>
         </a:xfrm>
       </p:grpSpPr>
-      <p:pic>
-        <p:nvPicPr>
-          <p:cNvPr id="4" name="Imagem 3"/>
-          <p:cNvPicPr>
-            <a:picLocks noChangeAspect="1"/>
-          </p:cNvPicPr>
-          <p:nvPr/>
-        </p:nvPicPr>
-        <p:blipFill>
-          <a:blip r:embed="rId2">
-            <a:extLst>
-              <a:ext uri="{BEBA8EAE-BF5A-486C-A8C5-ECC9F3942E4B}">
-                <a14:imgProps xmlns:a14="http://schemas.microsoft.com/office/drawing/2010/main">
-                  <a14:imgLayer r:embed="rId3">
-                    <a14:imgEffect>
-                      <a14:artisticBlur radius="4"/>
-                    </a14:imgEffect>
-                  </a14:imgLayer>
-                </a14:imgProps>
-              </a:ext>
-              <a:ext uri="{28A0092B-C50C-407E-A947-70E740481C1C}">
-                <a14:useLocalDpi xmlns:a14="http://schemas.microsoft.com/office/drawing/2010/main" val="0"/>
-              </a:ext>
-            </a:extLst>
-          </a:blip>
-          <a:stretch>
-            <a:fillRect/>
-          </a:stretch>
-        </p:blipFill>
-        <p:spPr>
-          <a:xfrm>
-            <a:off x="0" y="0"/>
-            <a:ext cx="12192000" cy="6858000"/>
-          </a:xfrm>
-          <a:prstGeom prst="rect">
-            <a:avLst/>
-          </a:prstGeom>
-        </p:spPr>
-      </p:pic>
-      <p:sp>
-        <p:nvSpPr>
-          <p:cNvPr id="5" name="Retângulo 4"/>
-          <p:cNvSpPr/>
-          <p:nvPr/>
-        </p:nvSpPr>
-        <p:spPr>
-          <a:xfrm>
-            <a:off x="446808" y="1298864"/>
-            <a:ext cx="5953991" cy="4914900"/>
-          </a:xfrm>
-          <a:prstGeom prst="rect">
-            <a:avLst/>
-          </a:prstGeom>
-        </p:spPr>
-        <p:style>
-          <a:lnRef idx="2">
-            <a:schemeClr val="accent1">
-              <a:shade val="50000"/>
-            </a:schemeClr>
-          </a:lnRef>
-          <a:fillRef idx="1">
-            <a:schemeClr val="accent1"/>
-          </a:fillRef>
-          <a:effectRef idx="0">
-            <a:schemeClr val="accent1"/>
-          </a:effectRef>
-          <a:fontRef idx="minor">
-            <a:schemeClr val="lt1"/>
-          </a:fontRef>
-        </p:style>
-        <p:txBody>
-          <a:bodyPr rtlCol="0" anchor="ctr"/>
-          <a:lstStyle/>
-          <a:p>
-            <a:pPr algn="ctr"/>
-            <a:endParaRPr lang="pt-BR" b="1" dirty="0"/>
-          </a:p>
-        </p:txBody>
-      </p:sp>
-      <p:sp>
-        <p:nvSpPr>
-          <p:cNvPr id="6" name="CaixaDeTexto 5"/>
-          <p:cNvSpPr txBox="1"/>
-          <p:nvPr/>
-        </p:nvSpPr>
-        <p:spPr>
-          <a:xfrm>
-            <a:off x="130055" y="95889"/>
-            <a:ext cx="633507" cy="369332"/>
-          </a:xfrm>
-          <a:prstGeom prst="rect">
-            <a:avLst/>
-          </a:prstGeom>
-          <a:noFill/>
-        </p:spPr>
-        <p:txBody>
-          <a:bodyPr wrap="none" rtlCol="0">
-            <a:spAutoFit/>
-          </a:bodyPr>
-          <a:lstStyle/>
-          <a:p>
-            <a:r>
-              <a:rPr lang="pt-BR" dirty="0" smtClean="0">
-                <a:solidFill>
-                  <a:schemeClr val="bg1"/>
-                </a:solidFill>
-              </a:rPr>
-              <a:t>Logo</a:t>
-            </a:r>
-            <a:endParaRPr lang="pt-BR" dirty="0">
-              <a:solidFill>
-                <a:schemeClr val="bg1"/>
-              </a:solidFill>
-            </a:endParaRPr>
-          </a:p>
-        </p:txBody>
-      </p:sp>
-      <p:sp>
-        <p:nvSpPr>
-          <p:cNvPr id="7" name="CaixaDeTexto 6"/>
-          <p:cNvSpPr txBox="1"/>
-          <p:nvPr/>
-        </p:nvSpPr>
-        <p:spPr>
-          <a:xfrm>
-            <a:off x="763561" y="1496291"/>
-            <a:ext cx="5533329" cy="2785378"/>
-          </a:xfrm>
-          <a:prstGeom prst="rect">
-            <a:avLst/>
-          </a:prstGeom>
-          <a:noFill/>
-          <a:effectLst>
-            <a:outerShdw blurRad="50800" dist="38100" dir="2700000" algn="tl" rotWithShape="0">
-              <a:prstClr val="black">
-                <a:alpha val="40000"/>
-              </a:prstClr>
-            </a:outerShdw>
-          </a:effectLst>
-        </p:spPr>
-        <p:txBody>
-          <a:bodyPr wrap="square" rtlCol="0">
-            <a:spAutoFit/>
-          </a:bodyPr>
-          <a:lstStyle/>
-          <a:p>
-            <a:r>
-              <a:rPr lang="pt-BR" sz="3500" dirty="0" smtClean="0">
-                <a:solidFill>
-                  <a:schemeClr val="accent1">
-                    <a:lumMod val="60000"/>
-                    <a:lumOff val="40000"/>
-                  </a:schemeClr>
-                </a:solidFill>
-              </a:rPr>
-              <a:t>Nosso propósito é revolucionar o universo da alimentação dos animais dando ao seu dono uma vida mais pratica </a:t>
-            </a:r>
-            <a:endParaRPr lang="pt-BR" sz="3500" dirty="0">
-              <a:solidFill>
-                <a:schemeClr val="accent1">
-                  <a:lumMod val="60000"/>
-                  <a:lumOff val="40000"/>
-                </a:schemeClr>
-              </a:solidFill>
-            </a:endParaRPr>
-          </a:p>
-        </p:txBody>
-      </p:sp>
-      <p:sp>
-        <p:nvSpPr>
-          <p:cNvPr id="8" name="CaixaDeTexto 7"/>
-          <p:cNvSpPr txBox="1"/>
-          <p:nvPr/>
-        </p:nvSpPr>
-        <p:spPr>
-          <a:xfrm>
-            <a:off x="763562" y="4426685"/>
-            <a:ext cx="5533329" cy="1631216"/>
-          </a:xfrm>
-          <a:prstGeom prst="rect">
-            <a:avLst/>
-          </a:prstGeom>
-          <a:noFill/>
-        </p:spPr>
-        <p:txBody>
-          <a:bodyPr wrap="square" rtlCol="0">
-            <a:spAutoFit/>
-          </a:bodyPr>
-          <a:lstStyle/>
-          <a:p>
-            <a:pPr algn="just"/>
-            <a:r>
-              <a:rPr lang="pt-BR" sz="2000" dirty="0">
-                <a:solidFill>
-                  <a:schemeClr val="bg1"/>
-                </a:solidFill>
-              </a:rPr>
-              <a:t>Assim como </a:t>
-            </a:r>
-            <a:r>
-              <a:rPr lang="pt-BR" sz="2000" dirty="0" smtClean="0">
-                <a:solidFill>
-                  <a:schemeClr val="bg1"/>
-                </a:solidFill>
-              </a:rPr>
-              <a:t>nós, </a:t>
-            </a:r>
-            <a:r>
-              <a:rPr lang="pt-BR" sz="2000" dirty="0">
-                <a:solidFill>
-                  <a:schemeClr val="bg1"/>
-                </a:solidFill>
-              </a:rPr>
-              <a:t>todos os outros animais </a:t>
-            </a:r>
-            <a:r>
-              <a:rPr lang="pt-BR" sz="2000" dirty="0" smtClean="0">
-                <a:solidFill>
-                  <a:schemeClr val="bg1"/>
-                </a:solidFill>
-              </a:rPr>
-              <a:t>precisam </a:t>
-            </a:r>
-            <a:r>
-              <a:rPr lang="pt-BR" sz="2000" dirty="0">
-                <a:solidFill>
-                  <a:schemeClr val="bg1"/>
-                </a:solidFill>
-              </a:rPr>
-              <a:t>de uma alimentação adequada, pois é de onde retiramos a energia necessária para manter o organismo funcionando corretamente e para realizar todas as nossas atividades. </a:t>
-            </a:r>
-            <a:endParaRPr lang="pt-BR" sz="2000" dirty="0">
-              <a:solidFill>
-                <a:schemeClr val="bg1"/>
-              </a:solidFill>
-            </a:endParaRPr>
-          </a:p>
-        </p:txBody>
-      </p:sp>
     </p:spTree>
     <p:extLst>
       <p:ext uri="{BB962C8B-B14F-4D97-AF65-F5344CB8AC3E}">
-        <p14:creationId xmlns:p14="http://schemas.microsoft.com/office/powerpoint/2010/main" val="142368027"/>
+        <p14:creationId xmlns:p14="http://schemas.microsoft.com/office/powerpoint/2010/main" val="3977667808"/>
       </p:ext>
     </p:extLst>
   </p:cSld>
@@ -6516,18 +6476,23 @@
       </p:grpSpPr>
       <p:sp>
         <p:nvSpPr>
-          <p:cNvPr id="3" name="Retângulo 2"/>
+          <p:cNvPr id="2" name="Retângulo 1"/>
           <p:cNvSpPr/>
           <p:nvPr/>
         </p:nvSpPr>
         <p:spPr>
           <a:xfrm>
-            <a:off x="6725818" y="1211142"/>
-            <a:ext cx="3169227" cy="4125191"/>
+            <a:off x="0" y="0"/>
+            <a:ext cx="12192000" cy="400235"/>
           </a:xfrm>
           <a:prstGeom prst="rect">
             <a:avLst/>
           </a:prstGeom>
+          <a:solidFill>
+            <a:schemeClr val="accent1">
+              <a:lumMod val="75000"/>
+            </a:schemeClr>
+          </a:solidFill>
         </p:spPr>
         <p:style>
           <a:lnRef idx="2">
@@ -6550,44 +6515,131 @@
           <a:lstStyle/>
           <a:p>
             <a:pPr algn="ctr"/>
-            <a:r>
-              <a:rPr lang="pt-BR" dirty="0" smtClean="0"/>
-              <a:t>“Ao sair </a:t>
-            </a:r>
-            <a:r>
-              <a:rPr lang="pt-BR" dirty="0"/>
-              <a:t>de casa, eu gasto com gasolina, pego </a:t>
-            </a:r>
-            <a:r>
-              <a:rPr lang="pt-BR" dirty="0" smtClean="0"/>
-              <a:t>trânsito, </a:t>
-            </a:r>
-            <a:r>
-              <a:rPr lang="pt-BR" dirty="0"/>
-              <a:t>pago estacionamento e tenho que ficar na fila. Com delivery online, eu me poupo disso tudo</a:t>
-            </a:r>
-            <a:r>
-              <a:rPr lang="pt-BR" dirty="0" smtClean="0"/>
-              <a:t>.”</a:t>
-            </a:r>
-            <a:endParaRPr lang="pt-BR" b="1" dirty="0"/>
-          </a:p>
-        </p:txBody>
-      </p:sp>
-      <p:sp>
-        <p:nvSpPr>
-          <p:cNvPr id="4" name="Retângulo 3"/>
+            <a:endParaRPr lang="pt-BR" dirty="0"/>
+          </a:p>
+        </p:txBody>
+      </p:sp>
+      <p:cxnSp>
+        <p:nvCxnSpPr>
+          <p:cNvPr id="3" name="Conector reto 2"/>
+          <p:cNvCxnSpPr/>
+          <p:nvPr/>
+        </p:nvCxnSpPr>
+        <p:spPr>
+          <a:xfrm>
+            <a:off x="6096000" y="596880"/>
+            <a:ext cx="0" cy="5881256"/>
+          </a:xfrm>
+          <a:prstGeom prst="line">
+            <a:avLst/>
+          </a:prstGeom>
+          <a:ln>
+            <a:solidFill>
+              <a:schemeClr val="bg2">
+                <a:lumMod val="50000"/>
+              </a:schemeClr>
+            </a:solidFill>
+          </a:ln>
+        </p:spPr>
+        <p:style>
+          <a:lnRef idx="1">
+            <a:schemeClr val="accent1"/>
+          </a:lnRef>
+          <a:fillRef idx="0">
+            <a:schemeClr val="accent1"/>
+          </a:fillRef>
+          <a:effectRef idx="0">
+            <a:schemeClr val="accent1"/>
+          </a:effectRef>
+          <a:fontRef idx="minor">
+            <a:schemeClr val="tx1"/>
+          </a:fontRef>
+        </p:style>
+      </p:cxnSp>
+      <p:sp>
+        <p:nvSpPr>
+          <p:cNvPr id="4" name="CaixaDeTexto 3"/>
+          <p:cNvSpPr txBox="1"/>
+          <p:nvPr/>
+        </p:nvSpPr>
+        <p:spPr>
+          <a:xfrm>
+            <a:off x="2129628" y="496668"/>
+            <a:ext cx="2469459" cy="461665"/>
+          </a:xfrm>
+          <a:prstGeom prst="rect">
+            <a:avLst/>
+          </a:prstGeom>
+          <a:noFill/>
+        </p:spPr>
+        <p:txBody>
+          <a:bodyPr wrap="none" rtlCol="0">
+            <a:spAutoFit/>
+          </a:bodyPr>
+          <a:lstStyle/>
+          <a:p>
+            <a:r>
+              <a:rPr lang="pt-BR" sz="2400" dirty="0" smtClean="0"/>
+              <a:t>Já sou cadastrado:</a:t>
+            </a:r>
+            <a:endParaRPr lang="pt-BR" sz="2400" dirty="0"/>
+          </a:p>
+        </p:txBody>
+      </p:sp>
+      <p:sp>
+        <p:nvSpPr>
+          <p:cNvPr id="5" name="CaixaDeTexto 4"/>
+          <p:cNvSpPr txBox="1"/>
+          <p:nvPr/>
+        </p:nvSpPr>
+        <p:spPr>
+          <a:xfrm>
+            <a:off x="7655933" y="545437"/>
+            <a:ext cx="2836802" cy="461665"/>
+          </a:xfrm>
+          <a:prstGeom prst="rect">
+            <a:avLst/>
+          </a:prstGeom>
+          <a:noFill/>
+        </p:spPr>
+        <p:txBody>
+          <a:bodyPr wrap="none" rtlCol="0">
+            <a:spAutoFit/>
+          </a:bodyPr>
+          <a:lstStyle/>
+          <a:p>
+            <a:r>
+              <a:rPr lang="pt-BR" sz="2400" dirty="0" smtClean="0"/>
+              <a:t>Sobre o dono da loja:</a:t>
+            </a:r>
+            <a:endParaRPr lang="pt-BR" sz="2400" dirty="0"/>
+          </a:p>
+        </p:txBody>
+      </p:sp>
+      <p:sp>
+        <p:nvSpPr>
+          <p:cNvPr id="6" name="Retângulo de cantos arredondados 5"/>
           <p:cNvSpPr/>
           <p:nvPr/>
         </p:nvSpPr>
         <p:spPr>
           <a:xfrm>
-            <a:off x="2026225" y="1211143"/>
-            <a:ext cx="3169227" cy="4125191"/>
-          </a:xfrm>
-          <a:prstGeom prst="rect">
-            <a:avLst/>
-          </a:prstGeom>
+            <a:off x="1840156" y="1265319"/>
+            <a:ext cx="3023755" cy="457200"/>
+          </a:xfrm>
+          <a:prstGeom prst="roundRect">
+            <a:avLst/>
+          </a:prstGeom>
+          <a:solidFill>
+            <a:schemeClr val="bg1"/>
+          </a:solidFill>
+          <a:ln>
+            <a:solidFill>
+              <a:schemeClr val="bg1">
+                <a:lumMod val="50000"/>
+              </a:schemeClr>
+            </a:solidFill>
+          </a:ln>
         </p:spPr>
         <p:style>
           <a:lnRef idx="2">
@@ -6611,74 +6663,84 @@
           <a:p>
             <a:pPr algn="ctr"/>
             <a:r>
-              <a:rPr lang="pt-BR" dirty="0"/>
-              <a:t>“Costumo pedir </a:t>
-            </a:r>
-            <a:r>
-              <a:rPr lang="pt-BR" dirty="0" smtClean="0"/>
-              <a:t>ração </a:t>
-            </a:r>
-            <a:r>
-              <a:rPr lang="pt-BR" dirty="0"/>
-              <a:t>pelo </a:t>
-            </a:r>
-            <a:r>
-              <a:rPr lang="pt-BR" dirty="0" smtClean="0"/>
-              <a:t>PetFeed para meu bezerro. E vendo ele feliz se alimentado me sinto recompensada.” </a:t>
-            </a:r>
-            <a:endParaRPr lang="pt-BR" dirty="0"/>
-          </a:p>
-        </p:txBody>
-      </p:sp>
-      <p:sp>
-        <p:nvSpPr>
-          <p:cNvPr id="6" name="CaixaDeTexto 5"/>
-          <p:cNvSpPr txBox="1"/>
-          <p:nvPr/>
-        </p:nvSpPr>
-        <p:spPr>
-          <a:xfrm>
-            <a:off x="7568240" y="4327450"/>
-            <a:ext cx="1484381" cy="646331"/>
-          </a:xfrm>
-          <a:prstGeom prst="rect">
-            <a:avLst/>
-          </a:prstGeom>
-          <a:noFill/>
-        </p:spPr>
-        <p:txBody>
-          <a:bodyPr wrap="none" rtlCol="0">
-            <a:spAutoFit/>
-          </a:bodyPr>
-          <a:lstStyle/>
-          <a:p>
-            <a:pPr algn="ctr"/>
-            <a:r>
               <a:rPr lang="pt-BR" dirty="0" smtClean="0">
                 <a:solidFill>
-                  <a:schemeClr val="bg2">
+                  <a:schemeClr val="bg1">
                     <a:lumMod val="50000"/>
                   </a:schemeClr>
                 </a:solidFill>
               </a:rPr>
-              <a:t>Vítor Calhau</a:t>
-            </a:r>
-          </a:p>
+              <a:t>Digite seu e-mail</a:t>
+            </a:r>
+            <a:endParaRPr lang="pt-BR" dirty="0">
+              <a:solidFill>
+                <a:schemeClr val="bg1">
+                  <a:lumMod val="50000"/>
+                </a:schemeClr>
+              </a:solidFill>
+            </a:endParaRPr>
+          </a:p>
+        </p:txBody>
+      </p:sp>
+      <p:sp>
+        <p:nvSpPr>
+          <p:cNvPr id="7" name="Retângulo de cantos arredondados 6"/>
+          <p:cNvSpPr/>
+          <p:nvPr/>
+        </p:nvSpPr>
+        <p:spPr>
+          <a:xfrm>
+            <a:off x="1840156" y="2104612"/>
+            <a:ext cx="3023755" cy="457200"/>
+          </a:xfrm>
+          <a:prstGeom prst="roundRect">
+            <a:avLst/>
+          </a:prstGeom>
+          <a:solidFill>
+            <a:schemeClr val="bg1"/>
+          </a:solidFill>
+          <a:ln>
+            <a:solidFill>
+              <a:schemeClr val="bg1">
+                <a:lumMod val="50000"/>
+              </a:schemeClr>
+            </a:solidFill>
+          </a:ln>
+        </p:spPr>
+        <p:style>
+          <a:lnRef idx="2">
+            <a:schemeClr val="accent1">
+              <a:shade val="50000"/>
+            </a:schemeClr>
+          </a:lnRef>
+          <a:fillRef idx="1">
+            <a:schemeClr val="accent1"/>
+          </a:fillRef>
+          <a:effectRef idx="0">
+            <a:schemeClr val="accent1"/>
+          </a:effectRef>
+          <a:fontRef idx="minor">
+            <a:schemeClr val="lt1"/>
+          </a:fontRef>
+        </p:style>
+        <p:txBody>
+          <a:bodyPr rtlCol="0" anchor="ctr"/>
+          <a:lstStyle/>
           <a:p>
             <a:pPr algn="ctr"/>
             <a:r>
               <a:rPr lang="pt-BR" dirty="0" smtClean="0">
                 <a:solidFill>
-                  <a:schemeClr val="bg2">
+                  <a:schemeClr val="bg1">
                     <a:lumMod val="50000"/>
                   </a:schemeClr>
                 </a:solidFill>
               </a:rPr>
-              <a:t>Americana-SP</a:t>
+              <a:t>Digite sua senha</a:t>
             </a:r>
             <a:endParaRPr lang="pt-BR" dirty="0">
               <a:solidFill>
-                <a:schemeClr val="bg2">
+                <a:schemeClr val="bg1">
                   <a:lumMod val="50000"/>
                 </a:schemeClr>
               </a:solidFill>
@@ -6688,14 +6750,74 @@
       </p:sp>
       <p:sp>
         <p:nvSpPr>
+          <p:cNvPr id="8" name="Retângulo de cantos arredondados 7"/>
+          <p:cNvSpPr/>
+          <p:nvPr/>
+        </p:nvSpPr>
+        <p:spPr>
+          <a:xfrm>
+            <a:off x="1852481" y="2868798"/>
+            <a:ext cx="3023755" cy="457200"/>
+          </a:xfrm>
+          <a:prstGeom prst="roundRect">
+            <a:avLst/>
+          </a:prstGeom>
+          <a:solidFill>
+            <a:schemeClr val="accent1">
+              <a:lumMod val="75000"/>
+            </a:schemeClr>
+          </a:solidFill>
+          <a:ln>
+            <a:noFill/>
+          </a:ln>
+        </p:spPr>
+        <p:style>
+          <a:lnRef idx="2">
+            <a:schemeClr val="accent1">
+              <a:shade val="50000"/>
+            </a:schemeClr>
+          </a:lnRef>
+          <a:fillRef idx="1">
+            <a:schemeClr val="accent1"/>
+          </a:fillRef>
+          <a:effectRef idx="0">
+            <a:schemeClr val="accent1"/>
+          </a:effectRef>
+          <a:fontRef idx="minor">
+            <a:schemeClr val="lt1"/>
+          </a:fontRef>
+        </p:style>
+        <p:txBody>
+          <a:bodyPr rtlCol="0" anchor="ctr"/>
+          <a:lstStyle/>
+          <a:p>
+            <a:pPr algn="ctr"/>
+            <a:r>
+              <a:rPr lang="pt-BR" dirty="0" smtClean="0">
+                <a:solidFill>
+                  <a:schemeClr val="bg1"/>
+                </a:solidFill>
+              </a:rPr>
+              <a:t>Entrar</a:t>
+            </a:r>
+            <a:endParaRPr lang="pt-BR" dirty="0">
+              <a:solidFill>
+                <a:schemeClr val="bg1"/>
+              </a:solidFill>
+            </a:endParaRPr>
+          </a:p>
+        </p:txBody>
+      </p:sp>
+      <p:sp>
+        <p:nvSpPr>
           <p:cNvPr id="9" name="CaixaDeTexto 8"/>
           <p:cNvSpPr txBox="1"/>
           <p:nvPr/>
         </p:nvSpPr>
         <p:spPr>
           <a:xfrm>
-            <a:off x="2999294" y="4470827"/>
-            <a:ext cx="1223092" cy="646331"/>
+            <a:off x="2506591" y="3553807"/>
+            <a:ext cx="1715534" cy="307777"/>
           </a:xfrm>
           <a:prstGeom prst="rect">
             <a:avLst/>
@@ -6708,33 +6830,103 @@
           </a:bodyPr>
           <a:lstStyle/>
           <a:p>
+            <a:r>
+              <a:rPr lang="pt-BR" sz="1400" u="sng" dirty="0" smtClean="0"/>
+              <a:t>Esqueci minha senha</a:t>
+            </a:r>
+            <a:endParaRPr lang="pt-BR" sz="1400" u="sng" dirty="0"/>
+          </a:p>
+        </p:txBody>
+      </p:sp>
+      <p:sp>
+        <p:nvSpPr>
+          <p:cNvPr id="10" name="Retângulo de cantos arredondados 9"/>
+          <p:cNvSpPr/>
+          <p:nvPr/>
+        </p:nvSpPr>
+        <p:spPr>
+          <a:xfrm>
+            <a:off x="7592914" y="1137164"/>
+            <a:ext cx="3023755" cy="457200"/>
+          </a:xfrm>
+          <a:prstGeom prst="roundRect">
+            <a:avLst/>
+          </a:prstGeom>
+          <a:solidFill>
+            <a:schemeClr val="bg1"/>
+          </a:solidFill>
+          <a:ln>
+            <a:solidFill>
+              <a:schemeClr val="bg1">
+                <a:lumMod val="50000"/>
+              </a:schemeClr>
+            </a:solidFill>
+          </a:ln>
+        </p:spPr>
+        <p:style>
+          <a:lnRef idx="2">
+            <a:schemeClr val="accent1">
+              <a:shade val="50000"/>
+            </a:schemeClr>
+          </a:lnRef>
+          <a:fillRef idx="1">
+            <a:schemeClr val="accent1"/>
+          </a:fillRef>
+          <a:effectRef idx="0">
+            <a:schemeClr val="accent1"/>
+          </a:effectRef>
+          <a:fontRef idx="minor">
+            <a:schemeClr val="lt1"/>
+          </a:fontRef>
+        </p:style>
+        <p:txBody>
+          <a:bodyPr rtlCol="0" anchor="ctr"/>
+          <a:lstStyle/>
+          <a:p>
             <a:pPr algn="ctr"/>
             <a:r>
               <a:rPr lang="pt-BR" dirty="0" smtClean="0">
                 <a:solidFill>
-                  <a:schemeClr val="bg2">
+                  <a:schemeClr val="bg1">
                     <a:lumMod val="50000"/>
                   </a:schemeClr>
                 </a:solidFill>
               </a:rPr>
-              <a:t>Cauany</a:t>
-            </a:r>
-          </a:p>
-          <a:p>
-            <a:pPr algn="ctr"/>
-            <a:r>
-              <a:rPr lang="pt-BR" dirty="0" smtClean="0">
+              <a:t>Qual é o </a:t>
+            </a:r>
+            <a:r>
+              <a:rPr lang="pt-BR" dirty="0" err="1" smtClean="0">
                 <a:solidFill>
-                  <a:schemeClr val="bg2">
+                  <a:schemeClr val="bg1">
                     <a:lumMod val="50000"/>
                   </a:schemeClr>
                 </a:solidFill>
               </a:rPr>
-              <a:t>Alegrete-PI</a:t>
+              <a:t>ee-mail</a:t>
+            </a:r>
+            <a:r>
+              <a:rPr lang="pt-BR" dirty="0" smtClean="0">
+                <a:solidFill>
+                  <a:schemeClr val="bg1">
+                    <a:lumMod val="50000"/>
+                  </a:schemeClr>
+                </a:solidFill>
+              </a:rPr>
+              <a:t> </a:t>
+            </a:r>
+            <a:r>
+              <a:rPr lang="pt-BR" dirty="0" smtClean="0">
+                <a:solidFill>
+                  <a:schemeClr val="bg1">
+                    <a:lumMod val="50000"/>
+                  </a:schemeClr>
+                </a:solidFill>
+              </a:rPr>
+              <a:t>do dono da loja?</a:t>
             </a:r>
             <a:endParaRPr lang="pt-BR" dirty="0">
               <a:solidFill>
-                <a:schemeClr val="bg2">
+                <a:schemeClr val="bg1">
                   <a:lumMod val="50000"/>
                 </a:schemeClr>
               </a:solidFill>
@@ -6742,10 +6934,1397 @@
           </a:p>
         </p:txBody>
       </p:sp>
+      <p:sp>
+        <p:nvSpPr>
+          <p:cNvPr id="11" name="Retângulo de cantos arredondados 10"/>
+          <p:cNvSpPr/>
+          <p:nvPr/>
+        </p:nvSpPr>
+        <p:spPr>
+          <a:xfrm>
+            <a:off x="7592914" y="1976457"/>
+            <a:ext cx="3023755" cy="457200"/>
+          </a:xfrm>
+          <a:prstGeom prst="roundRect">
+            <a:avLst/>
+          </a:prstGeom>
+          <a:solidFill>
+            <a:schemeClr val="bg1"/>
+          </a:solidFill>
+          <a:ln>
+            <a:solidFill>
+              <a:schemeClr val="bg1">
+                <a:lumMod val="50000"/>
+              </a:schemeClr>
+            </a:solidFill>
+          </a:ln>
+        </p:spPr>
+        <p:style>
+          <a:lnRef idx="2">
+            <a:schemeClr val="accent1">
+              <a:shade val="50000"/>
+            </a:schemeClr>
+          </a:lnRef>
+          <a:fillRef idx="1">
+            <a:schemeClr val="accent1"/>
+          </a:fillRef>
+          <a:effectRef idx="0">
+            <a:schemeClr val="accent1"/>
+          </a:effectRef>
+          <a:fontRef idx="minor">
+            <a:schemeClr val="lt1"/>
+          </a:fontRef>
+        </p:style>
+        <p:txBody>
+          <a:bodyPr rtlCol="0" anchor="ctr"/>
+          <a:lstStyle/>
+          <a:p>
+            <a:pPr algn="ctr"/>
+            <a:r>
+              <a:rPr lang="pt-BR" dirty="0" smtClean="0">
+                <a:solidFill>
+                  <a:schemeClr val="bg1">
+                    <a:lumMod val="50000"/>
+                  </a:schemeClr>
+                </a:solidFill>
+              </a:rPr>
+              <a:t>Qual é o celular do dono da loja?</a:t>
+            </a:r>
+            <a:endParaRPr lang="pt-BR" dirty="0">
+              <a:solidFill>
+                <a:schemeClr val="bg1">
+                  <a:lumMod val="50000"/>
+                </a:schemeClr>
+              </a:solidFill>
+            </a:endParaRPr>
+          </a:p>
+        </p:txBody>
+      </p:sp>
+      <p:sp>
+        <p:nvSpPr>
+          <p:cNvPr id="12" name="Retângulo de cantos arredondados 11"/>
+          <p:cNvSpPr/>
+          <p:nvPr/>
+        </p:nvSpPr>
+        <p:spPr>
+          <a:xfrm>
+            <a:off x="7592914" y="2815750"/>
+            <a:ext cx="3023755" cy="457200"/>
+          </a:xfrm>
+          <a:prstGeom prst="roundRect">
+            <a:avLst/>
+          </a:prstGeom>
+          <a:solidFill>
+            <a:schemeClr val="bg1"/>
+          </a:solidFill>
+          <a:ln>
+            <a:solidFill>
+              <a:schemeClr val="bg1">
+                <a:lumMod val="50000"/>
+              </a:schemeClr>
+            </a:solidFill>
+          </a:ln>
+        </p:spPr>
+        <p:style>
+          <a:lnRef idx="2">
+            <a:schemeClr val="accent1">
+              <a:shade val="50000"/>
+            </a:schemeClr>
+          </a:lnRef>
+          <a:fillRef idx="1">
+            <a:schemeClr val="accent1"/>
+          </a:fillRef>
+          <a:effectRef idx="0">
+            <a:schemeClr val="accent1"/>
+          </a:effectRef>
+          <a:fontRef idx="minor">
+            <a:schemeClr val="lt1"/>
+          </a:fontRef>
+        </p:style>
+        <p:txBody>
+          <a:bodyPr rtlCol="0" anchor="ctr"/>
+          <a:lstStyle/>
+          <a:p>
+            <a:pPr algn="ctr"/>
+            <a:r>
+              <a:rPr lang="pt-BR" dirty="0" smtClean="0">
+                <a:solidFill>
+                  <a:schemeClr val="bg1">
+                    <a:lumMod val="50000"/>
+                  </a:schemeClr>
+                </a:solidFill>
+              </a:rPr>
+              <a:t>Qual é o nome da loja?</a:t>
+            </a:r>
+            <a:endParaRPr lang="pt-BR" dirty="0">
+              <a:solidFill>
+                <a:schemeClr val="bg1">
+                  <a:lumMod val="50000"/>
+                </a:schemeClr>
+              </a:solidFill>
+            </a:endParaRPr>
+          </a:p>
+        </p:txBody>
+      </p:sp>
+      <p:sp>
+        <p:nvSpPr>
+          <p:cNvPr id="13" name="Retângulo de cantos arredondados 12"/>
+          <p:cNvSpPr/>
+          <p:nvPr/>
+        </p:nvSpPr>
+        <p:spPr>
+          <a:xfrm>
+            <a:off x="7592914" y="3655043"/>
+            <a:ext cx="3023755" cy="457200"/>
+          </a:xfrm>
+          <a:prstGeom prst="roundRect">
+            <a:avLst/>
+          </a:prstGeom>
+          <a:solidFill>
+            <a:schemeClr val="bg1"/>
+          </a:solidFill>
+          <a:ln>
+            <a:solidFill>
+              <a:schemeClr val="bg1">
+                <a:lumMod val="50000"/>
+              </a:schemeClr>
+            </a:solidFill>
+          </a:ln>
+        </p:spPr>
+        <p:style>
+          <a:lnRef idx="2">
+            <a:schemeClr val="accent1">
+              <a:shade val="50000"/>
+            </a:schemeClr>
+          </a:lnRef>
+          <a:fillRef idx="1">
+            <a:schemeClr val="accent1"/>
+          </a:fillRef>
+          <a:effectRef idx="0">
+            <a:schemeClr val="accent1"/>
+          </a:effectRef>
+          <a:fontRef idx="minor">
+            <a:schemeClr val="lt1"/>
+          </a:fontRef>
+        </p:style>
+        <p:txBody>
+          <a:bodyPr rtlCol="0" anchor="ctr"/>
+          <a:lstStyle/>
+          <a:p>
+            <a:pPr algn="ctr"/>
+            <a:r>
+              <a:rPr lang="pt-BR" dirty="0" smtClean="0">
+                <a:solidFill>
+                  <a:schemeClr val="bg1">
+                    <a:lumMod val="50000"/>
+                  </a:schemeClr>
+                </a:solidFill>
+              </a:rPr>
+              <a:t>Qual é o CPF do dono da loja?</a:t>
+            </a:r>
+            <a:endParaRPr lang="pt-BR" dirty="0">
+              <a:solidFill>
+                <a:schemeClr val="bg1">
+                  <a:lumMod val="50000"/>
+                </a:schemeClr>
+              </a:solidFill>
+            </a:endParaRPr>
+          </a:p>
+        </p:txBody>
+      </p:sp>
+      <p:sp>
+        <p:nvSpPr>
+          <p:cNvPr id="26" name="Retângulo de cantos arredondados 25"/>
+          <p:cNvSpPr/>
+          <p:nvPr/>
+        </p:nvSpPr>
+        <p:spPr>
+          <a:xfrm>
+            <a:off x="7592914" y="4494336"/>
+            <a:ext cx="3023755" cy="457200"/>
+          </a:xfrm>
+          <a:prstGeom prst="roundRect">
+            <a:avLst/>
+          </a:prstGeom>
+          <a:solidFill>
+            <a:schemeClr val="bg1"/>
+          </a:solidFill>
+          <a:ln>
+            <a:solidFill>
+              <a:schemeClr val="bg1">
+                <a:lumMod val="50000"/>
+              </a:schemeClr>
+            </a:solidFill>
+          </a:ln>
+        </p:spPr>
+        <p:style>
+          <a:lnRef idx="2">
+            <a:schemeClr val="accent1">
+              <a:shade val="50000"/>
+            </a:schemeClr>
+          </a:lnRef>
+          <a:fillRef idx="1">
+            <a:schemeClr val="accent1"/>
+          </a:fillRef>
+          <a:effectRef idx="0">
+            <a:schemeClr val="accent1"/>
+          </a:effectRef>
+          <a:fontRef idx="minor">
+            <a:schemeClr val="lt1"/>
+          </a:fontRef>
+        </p:style>
+        <p:txBody>
+          <a:bodyPr rtlCol="0" anchor="ctr"/>
+          <a:lstStyle/>
+          <a:p>
+            <a:pPr algn="ctr"/>
+            <a:r>
+              <a:rPr lang="pt-BR" dirty="0" smtClean="0">
+                <a:solidFill>
+                  <a:schemeClr val="bg1">
+                    <a:lumMod val="50000"/>
+                  </a:schemeClr>
+                </a:solidFill>
+              </a:rPr>
+              <a:t>Qual é o RG do dono da loja?</a:t>
+            </a:r>
+            <a:endParaRPr lang="pt-BR" dirty="0">
+              <a:solidFill>
+                <a:schemeClr val="bg1">
+                  <a:lumMod val="50000"/>
+                </a:schemeClr>
+              </a:solidFill>
+            </a:endParaRPr>
+          </a:p>
+        </p:txBody>
+      </p:sp>
+      <p:sp>
+        <p:nvSpPr>
+          <p:cNvPr id="27" name="Retângulo de cantos arredondados 26"/>
+          <p:cNvSpPr/>
+          <p:nvPr/>
+        </p:nvSpPr>
+        <p:spPr>
+          <a:xfrm>
+            <a:off x="7592914" y="5333629"/>
+            <a:ext cx="3023755" cy="457200"/>
+          </a:xfrm>
+          <a:prstGeom prst="roundRect">
+            <a:avLst/>
+          </a:prstGeom>
+          <a:solidFill>
+            <a:schemeClr val="bg1"/>
+          </a:solidFill>
+          <a:ln>
+            <a:solidFill>
+              <a:schemeClr val="bg1">
+                <a:lumMod val="50000"/>
+              </a:schemeClr>
+            </a:solidFill>
+          </a:ln>
+        </p:spPr>
+        <p:style>
+          <a:lnRef idx="2">
+            <a:schemeClr val="accent1">
+              <a:shade val="50000"/>
+            </a:schemeClr>
+          </a:lnRef>
+          <a:fillRef idx="1">
+            <a:schemeClr val="accent1"/>
+          </a:fillRef>
+          <a:effectRef idx="0">
+            <a:schemeClr val="accent1"/>
+          </a:effectRef>
+          <a:fontRef idx="minor">
+            <a:schemeClr val="lt1"/>
+          </a:fontRef>
+        </p:style>
+        <p:txBody>
+          <a:bodyPr rtlCol="0" anchor="ctr"/>
+          <a:lstStyle/>
+          <a:p>
+            <a:pPr algn="ctr"/>
+            <a:r>
+              <a:rPr lang="pt-BR" dirty="0" smtClean="0">
+                <a:solidFill>
+                  <a:schemeClr val="bg1">
+                    <a:lumMod val="50000"/>
+                  </a:schemeClr>
+                </a:solidFill>
+              </a:rPr>
+              <a:t>“Órgão emissor”</a:t>
+            </a:r>
+            <a:endParaRPr lang="pt-BR" dirty="0">
+              <a:solidFill>
+                <a:schemeClr val="bg1">
+                  <a:lumMod val="50000"/>
+                </a:schemeClr>
+              </a:solidFill>
+            </a:endParaRPr>
+          </a:p>
+        </p:txBody>
+      </p:sp>
     </p:spTree>
     <p:extLst>
       <p:ext uri="{BB962C8B-B14F-4D97-AF65-F5344CB8AC3E}">
-        <p14:creationId xmlns:p14="http://schemas.microsoft.com/office/powerpoint/2010/main" val="358723030"/>
+        <p14:creationId xmlns:p14="http://schemas.microsoft.com/office/powerpoint/2010/main" val="3124904919"/>
+      </p:ext>
+    </p:extLst>
+  </p:cSld>
+  <p:clrMapOvr>
+    <a:masterClrMapping/>
+  </p:clrMapOvr>
+</p:sld>
+</file>
+
+<file path=ppt/slides/slide8.xml><?xml version="1.0" encoding="utf-8"?>
+<p:sld xmlns:a="http://schemas.openxmlformats.org/drawingml/2006/main" xmlns:r="http://schemas.openxmlformats.org/officeDocument/2006/relationships" xmlns:p="http://schemas.openxmlformats.org/presentationml/2006/main">
+  <p:cSld>
+    <p:spTree>
+      <p:nvGrpSpPr>
+        <p:cNvPr id="1" name=""/>
+        <p:cNvGrpSpPr/>
+        <p:nvPr/>
+      </p:nvGrpSpPr>
+      <p:grpSpPr>
+        <a:xfrm>
+          <a:off x="0" y="0"/>
+          <a:ext cx="0" cy="0"/>
+          <a:chOff x="0" y="0"/>
+          <a:chExt cx="0" cy="0"/>
+        </a:xfrm>
+      </p:grpSpPr>
+      <p:sp>
+        <p:nvSpPr>
+          <p:cNvPr id="2" name="Elipse 1"/>
+          <p:cNvSpPr/>
+          <p:nvPr/>
+        </p:nvSpPr>
+        <p:spPr>
+          <a:xfrm>
+            <a:off x="5330755" y="1624519"/>
+            <a:ext cx="2500009" cy="2354094"/>
+          </a:xfrm>
+          <a:prstGeom prst="ellipse">
+            <a:avLst/>
+          </a:prstGeom>
+          <a:solidFill>
+            <a:schemeClr val="accent1">
+              <a:lumMod val="75000"/>
+            </a:schemeClr>
+          </a:solidFill>
+          <a:ln>
+            <a:solidFill>
+              <a:schemeClr val="accent1">
+                <a:lumMod val="75000"/>
+              </a:schemeClr>
+            </a:solidFill>
+          </a:ln>
+        </p:spPr>
+        <p:style>
+          <a:lnRef idx="2">
+            <a:schemeClr val="accent1">
+              <a:shade val="50000"/>
+            </a:schemeClr>
+          </a:lnRef>
+          <a:fillRef idx="1">
+            <a:schemeClr val="accent1"/>
+          </a:fillRef>
+          <a:effectRef idx="0">
+            <a:schemeClr val="accent1"/>
+          </a:effectRef>
+          <a:fontRef idx="minor">
+            <a:schemeClr val="lt1"/>
+          </a:fontRef>
+        </p:style>
+        <p:txBody>
+          <a:bodyPr rtlCol="0" anchor="ctr"/>
+          <a:lstStyle/>
+          <a:p>
+            <a:pPr algn="ctr"/>
+            <a:endParaRPr lang="pt-BR"/>
+          </a:p>
+        </p:txBody>
+      </p:sp>
+      <p:sp>
+        <p:nvSpPr>
+          <p:cNvPr id="3" name="Triângulo isósceles 2"/>
+          <p:cNvSpPr/>
+          <p:nvPr/>
+        </p:nvSpPr>
+        <p:spPr>
+          <a:xfrm rot="10800000">
+            <a:off x="5424709" y="3258784"/>
+            <a:ext cx="2311200" cy="2548644"/>
+          </a:xfrm>
+          <a:prstGeom prst="triangle">
+            <a:avLst/>
+          </a:prstGeom>
+          <a:solidFill>
+            <a:schemeClr val="accent1">
+              <a:lumMod val="75000"/>
+            </a:schemeClr>
+          </a:solidFill>
+          <a:ln>
+            <a:solidFill>
+              <a:schemeClr val="accent1">
+                <a:lumMod val="75000"/>
+              </a:schemeClr>
+            </a:solidFill>
+          </a:ln>
+        </p:spPr>
+        <p:style>
+          <a:lnRef idx="2">
+            <a:schemeClr val="accent1">
+              <a:shade val="50000"/>
+            </a:schemeClr>
+          </a:lnRef>
+          <a:fillRef idx="1">
+            <a:schemeClr val="accent1"/>
+          </a:fillRef>
+          <a:effectRef idx="0">
+            <a:schemeClr val="accent1"/>
+          </a:effectRef>
+          <a:fontRef idx="minor">
+            <a:schemeClr val="lt1"/>
+          </a:fontRef>
+        </p:style>
+        <p:txBody>
+          <a:bodyPr rtlCol="0" anchor="ctr"/>
+          <a:lstStyle/>
+          <a:p>
+            <a:pPr algn="ctr"/>
+            <a:endParaRPr lang="pt-BR"/>
+          </a:p>
+        </p:txBody>
+      </p:sp>
+      <p:sp>
+        <p:nvSpPr>
+          <p:cNvPr id="4" name="Elipse 3"/>
+          <p:cNvSpPr/>
+          <p:nvPr/>
+        </p:nvSpPr>
+        <p:spPr>
+          <a:xfrm>
+            <a:off x="5821552" y="2008762"/>
+            <a:ext cx="1517515" cy="1585608"/>
+          </a:xfrm>
+          <a:prstGeom prst="ellipse">
+            <a:avLst/>
+          </a:prstGeom>
+          <a:solidFill>
+            <a:schemeClr val="bg1"/>
+          </a:solidFill>
+          <a:ln>
+            <a:solidFill>
+              <a:schemeClr val="bg1"/>
+            </a:solidFill>
+          </a:ln>
+        </p:spPr>
+        <p:style>
+          <a:lnRef idx="2">
+            <a:schemeClr val="accent1">
+              <a:shade val="50000"/>
+            </a:schemeClr>
+          </a:lnRef>
+          <a:fillRef idx="1">
+            <a:schemeClr val="accent1"/>
+          </a:fillRef>
+          <a:effectRef idx="0">
+            <a:schemeClr val="accent1"/>
+          </a:effectRef>
+          <a:fontRef idx="minor">
+            <a:schemeClr val="lt1"/>
+          </a:fontRef>
+        </p:style>
+        <p:txBody>
+          <a:bodyPr rtlCol="0" anchor="ctr"/>
+          <a:lstStyle/>
+          <a:p>
+            <a:pPr algn="ctr"/>
+            <a:endParaRPr lang="pt-BR"/>
+          </a:p>
+        </p:txBody>
+      </p:sp>
+      <p:sp>
+        <p:nvSpPr>
+          <p:cNvPr id="5" name="Elipse 4"/>
+          <p:cNvSpPr/>
+          <p:nvPr/>
+        </p:nvSpPr>
+        <p:spPr>
+          <a:xfrm>
+            <a:off x="5483155" y="1776919"/>
+            <a:ext cx="2500009" cy="2354094"/>
+          </a:xfrm>
+          <a:prstGeom prst="ellipse">
+            <a:avLst/>
+          </a:prstGeom>
+          <a:solidFill>
+            <a:schemeClr val="accent1">
+              <a:lumMod val="75000"/>
+            </a:schemeClr>
+          </a:solidFill>
+          <a:ln>
+            <a:solidFill>
+              <a:schemeClr val="accent1">
+                <a:lumMod val="75000"/>
+              </a:schemeClr>
+            </a:solidFill>
+          </a:ln>
+        </p:spPr>
+        <p:style>
+          <a:lnRef idx="2">
+            <a:schemeClr val="accent1">
+              <a:shade val="50000"/>
+            </a:schemeClr>
+          </a:lnRef>
+          <a:fillRef idx="1">
+            <a:schemeClr val="accent1"/>
+          </a:fillRef>
+          <a:effectRef idx="0">
+            <a:schemeClr val="accent1"/>
+          </a:effectRef>
+          <a:fontRef idx="minor">
+            <a:schemeClr val="lt1"/>
+          </a:fontRef>
+        </p:style>
+        <p:txBody>
+          <a:bodyPr rtlCol="0" anchor="ctr"/>
+          <a:lstStyle/>
+          <a:p>
+            <a:pPr algn="ctr"/>
+            <a:endParaRPr lang="pt-BR"/>
+          </a:p>
+        </p:txBody>
+      </p:sp>
+      <p:sp>
+        <p:nvSpPr>
+          <p:cNvPr id="6" name="Triângulo isósceles 5"/>
+          <p:cNvSpPr/>
+          <p:nvPr/>
+        </p:nvSpPr>
+        <p:spPr>
+          <a:xfrm rot="10800000">
+            <a:off x="5577109" y="3411184"/>
+            <a:ext cx="2311200" cy="2548644"/>
+          </a:xfrm>
+          <a:prstGeom prst="triangle">
+            <a:avLst/>
+          </a:prstGeom>
+          <a:solidFill>
+            <a:schemeClr val="accent1">
+              <a:lumMod val="75000"/>
+            </a:schemeClr>
+          </a:solidFill>
+          <a:ln>
+            <a:solidFill>
+              <a:schemeClr val="accent1">
+                <a:lumMod val="75000"/>
+              </a:schemeClr>
+            </a:solidFill>
+          </a:ln>
+        </p:spPr>
+        <p:style>
+          <a:lnRef idx="2">
+            <a:schemeClr val="accent1">
+              <a:shade val="50000"/>
+            </a:schemeClr>
+          </a:lnRef>
+          <a:fillRef idx="1">
+            <a:schemeClr val="accent1"/>
+          </a:fillRef>
+          <a:effectRef idx="0">
+            <a:schemeClr val="accent1"/>
+          </a:effectRef>
+          <a:fontRef idx="minor">
+            <a:schemeClr val="lt1"/>
+          </a:fontRef>
+        </p:style>
+        <p:txBody>
+          <a:bodyPr rtlCol="0" anchor="ctr"/>
+          <a:lstStyle/>
+          <a:p>
+            <a:pPr algn="ctr"/>
+            <a:endParaRPr lang="pt-BR"/>
+          </a:p>
+        </p:txBody>
+      </p:sp>
+      <p:sp>
+        <p:nvSpPr>
+          <p:cNvPr id="7" name="Elipse 6"/>
+          <p:cNvSpPr/>
+          <p:nvPr/>
+        </p:nvSpPr>
+        <p:spPr>
+          <a:xfrm>
+            <a:off x="5973952" y="2161162"/>
+            <a:ext cx="1517515" cy="1585608"/>
+          </a:xfrm>
+          <a:prstGeom prst="ellipse">
+            <a:avLst/>
+          </a:prstGeom>
+          <a:solidFill>
+            <a:schemeClr val="bg1"/>
+          </a:solidFill>
+          <a:ln>
+            <a:solidFill>
+              <a:schemeClr val="bg1"/>
+            </a:solidFill>
+          </a:ln>
+        </p:spPr>
+        <p:style>
+          <a:lnRef idx="2">
+            <a:schemeClr val="accent1">
+              <a:shade val="50000"/>
+            </a:schemeClr>
+          </a:lnRef>
+          <a:fillRef idx="1">
+            <a:schemeClr val="accent1"/>
+          </a:fillRef>
+          <a:effectRef idx="0">
+            <a:schemeClr val="accent1"/>
+          </a:effectRef>
+          <a:fontRef idx="minor">
+            <a:schemeClr val="lt1"/>
+          </a:fontRef>
+        </p:style>
+        <p:txBody>
+          <a:bodyPr rtlCol="0" anchor="ctr"/>
+          <a:lstStyle/>
+          <a:p>
+            <a:pPr algn="ctr"/>
+            <a:endParaRPr lang="pt-BR"/>
+          </a:p>
+        </p:txBody>
+      </p:sp>
+    </p:spTree>
+    <p:extLst>
+      <p:ext uri="{BB962C8B-B14F-4D97-AF65-F5344CB8AC3E}">
+        <p14:creationId xmlns:p14="http://schemas.microsoft.com/office/powerpoint/2010/main" val="4008943193"/>
+      </p:ext>
+    </p:extLst>
+  </p:cSld>
+  <p:clrMapOvr>
+    <a:masterClrMapping/>
+  </p:clrMapOvr>
+</p:sld>
+</file>
+
+<file path=ppt/slides/slide9.xml><?xml version="1.0" encoding="utf-8"?>
+<p:sld xmlns:a="http://schemas.openxmlformats.org/drawingml/2006/main" xmlns:r="http://schemas.openxmlformats.org/officeDocument/2006/relationships" xmlns:p="http://schemas.openxmlformats.org/presentationml/2006/main">
+  <p:cSld>
+    <p:spTree>
+      <p:nvGrpSpPr>
+        <p:cNvPr id="1" name=""/>
+        <p:cNvGrpSpPr/>
+        <p:nvPr/>
+      </p:nvGrpSpPr>
+      <p:grpSpPr>
+        <a:xfrm>
+          <a:off x="0" y="0"/>
+          <a:ext cx="0" cy="0"/>
+          <a:chOff x="0" y="0"/>
+          <a:chExt cx="0" cy="0"/>
+        </a:xfrm>
+      </p:grpSpPr>
+      <p:sp>
+        <p:nvSpPr>
+          <p:cNvPr id="2" name="Retângulo 1"/>
+          <p:cNvSpPr/>
+          <p:nvPr/>
+        </p:nvSpPr>
+        <p:spPr>
+          <a:xfrm>
+            <a:off x="0" y="1488558"/>
+            <a:ext cx="12192000" cy="5369442"/>
+          </a:xfrm>
+          <a:prstGeom prst="rect">
+            <a:avLst/>
+          </a:prstGeom>
+          <a:solidFill>
+            <a:schemeClr val="accent1">
+              <a:lumMod val="75000"/>
+            </a:schemeClr>
+          </a:solidFill>
+        </p:spPr>
+        <p:style>
+          <a:lnRef idx="2">
+            <a:schemeClr val="accent1">
+              <a:shade val="50000"/>
+            </a:schemeClr>
+          </a:lnRef>
+          <a:fillRef idx="1">
+            <a:schemeClr val="accent1"/>
+          </a:fillRef>
+          <a:effectRef idx="0">
+            <a:schemeClr val="accent1"/>
+          </a:effectRef>
+          <a:fontRef idx="minor">
+            <a:schemeClr val="lt1"/>
+          </a:fontRef>
+        </p:style>
+        <p:txBody>
+          <a:bodyPr rtlCol="0" anchor="ctr"/>
+          <a:lstStyle/>
+          <a:p>
+            <a:pPr algn="ctr"/>
+            <a:endParaRPr lang="pt-BR" u="sng" dirty="0"/>
+          </a:p>
+        </p:txBody>
+      </p:sp>
+      <p:sp>
+        <p:nvSpPr>
+          <p:cNvPr id="3" name="Elipse 2"/>
+          <p:cNvSpPr/>
+          <p:nvPr/>
+        </p:nvSpPr>
+        <p:spPr>
+          <a:xfrm>
+            <a:off x="7861003" y="1733103"/>
+            <a:ext cx="712381" cy="659219"/>
+          </a:xfrm>
+          <a:prstGeom prst="ellipse">
+            <a:avLst/>
+          </a:prstGeom>
+        </p:spPr>
+        <p:style>
+          <a:lnRef idx="2">
+            <a:schemeClr val="accent1">
+              <a:shade val="50000"/>
+            </a:schemeClr>
+          </a:lnRef>
+          <a:fillRef idx="1">
+            <a:schemeClr val="accent1"/>
+          </a:fillRef>
+          <a:effectRef idx="0">
+            <a:schemeClr val="accent1"/>
+          </a:effectRef>
+          <a:fontRef idx="minor">
+            <a:schemeClr val="lt1"/>
+          </a:fontRef>
+        </p:style>
+        <p:txBody>
+          <a:bodyPr rtlCol="0" anchor="ctr"/>
+          <a:lstStyle/>
+          <a:p>
+            <a:pPr algn="ctr"/>
+            <a:endParaRPr lang="pt-BR"/>
+          </a:p>
+        </p:txBody>
+      </p:sp>
+      <p:sp>
+        <p:nvSpPr>
+          <p:cNvPr id="4" name="Elipse 3"/>
+          <p:cNvSpPr/>
+          <p:nvPr/>
+        </p:nvSpPr>
+        <p:spPr>
+          <a:xfrm>
+            <a:off x="9594111" y="1733105"/>
+            <a:ext cx="712381" cy="659219"/>
+          </a:xfrm>
+          <a:prstGeom prst="ellipse">
+            <a:avLst/>
+          </a:prstGeom>
+        </p:spPr>
+        <p:style>
+          <a:lnRef idx="2">
+            <a:schemeClr val="accent1">
+              <a:shade val="50000"/>
+            </a:schemeClr>
+          </a:lnRef>
+          <a:fillRef idx="1">
+            <a:schemeClr val="accent1"/>
+          </a:fillRef>
+          <a:effectRef idx="0">
+            <a:schemeClr val="accent1"/>
+          </a:effectRef>
+          <a:fontRef idx="minor">
+            <a:schemeClr val="lt1"/>
+          </a:fontRef>
+        </p:style>
+        <p:txBody>
+          <a:bodyPr rtlCol="0" anchor="ctr"/>
+          <a:lstStyle/>
+          <a:p>
+            <a:pPr algn="ctr"/>
+            <a:endParaRPr lang="pt-BR"/>
+          </a:p>
+        </p:txBody>
+      </p:sp>
+      <p:sp>
+        <p:nvSpPr>
+          <p:cNvPr id="5" name="Elipse 4"/>
+          <p:cNvSpPr/>
+          <p:nvPr/>
+        </p:nvSpPr>
+        <p:spPr>
+          <a:xfrm>
+            <a:off x="8727557" y="1733104"/>
+            <a:ext cx="712381" cy="659219"/>
+          </a:xfrm>
+          <a:prstGeom prst="ellipse">
+            <a:avLst/>
+          </a:prstGeom>
+        </p:spPr>
+        <p:style>
+          <a:lnRef idx="2">
+            <a:schemeClr val="accent1">
+              <a:shade val="50000"/>
+            </a:schemeClr>
+          </a:lnRef>
+          <a:fillRef idx="1">
+            <a:schemeClr val="accent1"/>
+          </a:fillRef>
+          <a:effectRef idx="0">
+            <a:schemeClr val="accent1"/>
+          </a:effectRef>
+          <a:fontRef idx="minor">
+            <a:schemeClr val="lt1"/>
+          </a:fontRef>
+        </p:style>
+        <p:txBody>
+          <a:bodyPr rtlCol="0" anchor="ctr"/>
+          <a:lstStyle/>
+          <a:p>
+            <a:pPr algn="ctr"/>
+            <a:endParaRPr lang="pt-BR"/>
+          </a:p>
+        </p:txBody>
+      </p:sp>
+      <p:sp>
+        <p:nvSpPr>
+          <p:cNvPr id="6" name="Elipse 5"/>
+          <p:cNvSpPr/>
+          <p:nvPr/>
+        </p:nvSpPr>
+        <p:spPr>
+          <a:xfrm>
+            <a:off x="10460665" y="1733105"/>
+            <a:ext cx="712381" cy="659219"/>
+          </a:xfrm>
+          <a:prstGeom prst="ellipse">
+            <a:avLst/>
+          </a:prstGeom>
+        </p:spPr>
+        <p:style>
+          <a:lnRef idx="2">
+            <a:schemeClr val="accent1">
+              <a:shade val="50000"/>
+            </a:schemeClr>
+          </a:lnRef>
+          <a:fillRef idx="1">
+            <a:schemeClr val="accent1"/>
+          </a:fillRef>
+          <a:effectRef idx="0">
+            <a:schemeClr val="accent1"/>
+          </a:effectRef>
+          <a:fontRef idx="minor">
+            <a:schemeClr val="lt1"/>
+          </a:fontRef>
+        </p:style>
+        <p:txBody>
+          <a:bodyPr rtlCol="0" anchor="ctr"/>
+          <a:lstStyle/>
+          <a:p>
+            <a:pPr algn="ctr"/>
+            <a:endParaRPr lang="pt-BR"/>
+          </a:p>
+        </p:txBody>
+      </p:sp>
+      <p:sp>
+        <p:nvSpPr>
+          <p:cNvPr id="7" name="Elipse 6"/>
+          <p:cNvSpPr/>
+          <p:nvPr/>
+        </p:nvSpPr>
+        <p:spPr>
+          <a:xfrm>
+            <a:off x="11327219" y="1733105"/>
+            <a:ext cx="712381" cy="659219"/>
+          </a:xfrm>
+          <a:prstGeom prst="ellipse">
+            <a:avLst/>
+          </a:prstGeom>
+        </p:spPr>
+        <p:style>
+          <a:lnRef idx="2">
+            <a:schemeClr val="accent1">
+              <a:shade val="50000"/>
+            </a:schemeClr>
+          </a:lnRef>
+          <a:fillRef idx="1">
+            <a:schemeClr val="accent1"/>
+          </a:fillRef>
+          <a:effectRef idx="0">
+            <a:schemeClr val="accent1"/>
+          </a:effectRef>
+          <a:fontRef idx="minor">
+            <a:schemeClr val="lt1"/>
+          </a:fontRef>
+        </p:style>
+        <p:txBody>
+          <a:bodyPr rtlCol="0" anchor="ctr"/>
+          <a:lstStyle/>
+          <a:p>
+            <a:pPr algn="ctr"/>
+            <a:endParaRPr lang="pt-BR"/>
+          </a:p>
+        </p:txBody>
+      </p:sp>
+      <p:sp>
+        <p:nvSpPr>
+          <p:cNvPr id="9" name="CaixaDeTexto 8"/>
+          <p:cNvSpPr txBox="1"/>
+          <p:nvPr/>
+        </p:nvSpPr>
+        <p:spPr>
+          <a:xfrm>
+            <a:off x="8533696" y="6119336"/>
+            <a:ext cx="3853938" cy="738664"/>
+          </a:xfrm>
+          <a:prstGeom prst="rect">
+            <a:avLst/>
+          </a:prstGeom>
+          <a:noFill/>
+        </p:spPr>
+        <p:txBody>
+          <a:bodyPr wrap="square" rtlCol="0">
+            <a:spAutoFit/>
+          </a:bodyPr>
+          <a:lstStyle/>
+          <a:p>
+            <a:r>
+              <a:rPr lang="pt-BR" sz="1200" dirty="0" smtClean="0">
+                <a:solidFill>
+                  <a:schemeClr val="bg1"/>
+                </a:solidFill>
+              </a:rPr>
+              <a:t>PetFeed º </a:t>
+            </a:r>
+            <a:r>
+              <a:rPr lang="pt-BR" sz="1200" dirty="0" err="1" smtClean="0">
+                <a:solidFill>
+                  <a:schemeClr val="bg1"/>
+                </a:solidFill>
+              </a:rPr>
+              <a:t>Lorenna</a:t>
+            </a:r>
+            <a:r>
+              <a:rPr lang="pt-BR" sz="1200" dirty="0" smtClean="0">
+                <a:solidFill>
+                  <a:schemeClr val="bg1"/>
+                </a:solidFill>
+              </a:rPr>
+              <a:t> Joanna Leal Nunes e Maria Eduarda Elias Rocha. Todos os direitos reservados.</a:t>
+            </a:r>
+          </a:p>
+          <a:p>
+            <a:endParaRPr lang="pt-BR" dirty="0"/>
+          </a:p>
+        </p:txBody>
+      </p:sp>
+      <p:sp>
+        <p:nvSpPr>
+          <p:cNvPr id="10" name="CaixaDeTexto 9"/>
+          <p:cNvSpPr txBox="1"/>
+          <p:nvPr/>
+        </p:nvSpPr>
+        <p:spPr>
+          <a:xfrm>
+            <a:off x="634348" y="2378089"/>
+            <a:ext cx="1112997" cy="369332"/>
+          </a:xfrm>
+          <a:prstGeom prst="rect">
+            <a:avLst/>
+          </a:prstGeom>
+          <a:noFill/>
+        </p:spPr>
+        <p:txBody>
+          <a:bodyPr wrap="none" rtlCol="0">
+            <a:spAutoFit/>
+          </a:bodyPr>
+          <a:lstStyle/>
+          <a:p>
+            <a:r>
+              <a:rPr lang="pt-BR" dirty="0" smtClean="0">
+                <a:solidFill>
+                  <a:schemeClr val="bg1"/>
+                </a:solidFill>
+              </a:rPr>
+              <a:t>Sobre nós</a:t>
+            </a:r>
+            <a:endParaRPr lang="pt-BR" dirty="0">
+              <a:solidFill>
+                <a:schemeClr val="bg1"/>
+              </a:solidFill>
+            </a:endParaRPr>
+          </a:p>
+        </p:txBody>
+      </p:sp>
+      <p:sp>
+        <p:nvSpPr>
+          <p:cNvPr id="11" name="CaixaDeTexto 10"/>
+          <p:cNvSpPr txBox="1"/>
+          <p:nvPr/>
+        </p:nvSpPr>
+        <p:spPr>
+          <a:xfrm>
+            <a:off x="3132528" y="2392322"/>
+            <a:ext cx="928780" cy="369332"/>
+          </a:xfrm>
+          <a:prstGeom prst="rect">
+            <a:avLst/>
+          </a:prstGeom>
+          <a:noFill/>
+        </p:spPr>
+        <p:txBody>
+          <a:bodyPr wrap="none" rtlCol="0">
+            <a:spAutoFit/>
+          </a:bodyPr>
+          <a:lstStyle/>
+          <a:p>
+            <a:r>
+              <a:rPr lang="pt-BR" dirty="0" smtClean="0">
+                <a:solidFill>
+                  <a:schemeClr val="bg1"/>
+                </a:solidFill>
+              </a:rPr>
+              <a:t>Contato</a:t>
+            </a:r>
+            <a:endParaRPr lang="pt-BR" dirty="0">
+              <a:solidFill>
+                <a:schemeClr val="bg1"/>
+              </a:solidFill>
+            </a:endParaRPr>
+          </a:p>
+        </p:txBody>
+      </p:sp>
+      <p:sp>
+        <p:nvSpPr>
+          <p:cNvPr id="12" name="CaixaDeTexto 11"/>
+          <p:cNvSpPr txBox="1"/>
+          <p:nvPr/>
+        </p:nvSpPr>
+        <p:spPr>
+          <a:xfrm>
+            <a:off x="5109479" y="2392322"/>
+            <a:ext cx="1973041" cy="369332"/>
+          </a:xfrm>
+          <a:prstGeom prst="rect">
+            <a:avLst/>
+          </a:prstGeom>
+          <a:noFill/>
+        </p:spPr>
+        <p:txBody>
+          <a:bodyPr wrap="none" rtlCol="0">
+            <a:spAutoFit/>
+          </a:bodyPr>
+          <a:lstStyle/>
+          <a:p>
+            <a:r>
+              <a:rPr lang="pt-BR" dirty="0" smtClean="0">
+                <a:solidFill>
+                  <a:schemeClr val="bg1"/>
+                </a:solidFill>
+              </a:rPr>
+              <a:t>Entrar ou cadastrar</a:t>
+            </a:r>
+            <a:endParaRPr lang="pt-BR" dirty="0">
+              <a:solidFill>
+                <a:schemeClr val="bg1"/>
+              </a:solidFill>
+            </a:endParaRPr>
+          </a:p>
+        </p:txBody>
+      </p:sp>
+      <p:sp>
+        <p:nvSpPr>
+          <p:cNvPr id="13" name="Retângulo 12"/>
+          <p:cNvSpPr/>
+          <p:nvPr/>
+        </p:nvSpPr>
+        <p:spPr>
+          <a:xfrm>
+            <a:off x="170122" y="2892759"/>
+            <a:ext cx="2041450" cy="510363"/>
+          </a:xfrm>
+          <a:prstGeom prst="rect">
+            <a:avLst/>
+          </a:prstGeom>
+        </p:spPr>
+        <p:style>
+          <a:lnRef idx="2">
+            <a:schemeClr val="accent1">
+              <a:shade val="50000"/>
+            </a:schemeClr>
+          </a:lnRef>
+          <a:fillRef idx="1">
+            <a:schemeClr val="accent1"/>
+          </a:fillRef>
+          <a:effectRef idx="0">
+            <a:schemeClr val="accent1"/>
+          </a:effectRef>
+          <a:fontRef idx="minor">
+            <a:schemeClr val="lt1"/>
+          </a:fontRef>
+        </p:style>
+        <p:txBody>
+          <a:bodyPr rtlCol="0" anchor="ctr"/>
+          <a:lstStyle/>
+          <a:p>
+            <a:pPr algn="ctr"/>
+            <a:endParaRPr lang="pt-BR"/>
+          </a:p>
+        </p:txBody>
+      </p:sp>
+      <p:sp>
+        <p:nvSpPr>
+          <p:cNvPr id="14" name="Retângulo 13"/>
+          <p:cNvSpPr/>
+          <p:nvPr/>
+        </p:nvSpPr>
+        <p:spPr>
+          <a:xfrm>
+            <a:off x="170122" y="3536421"/>
+            <a:ext cx="2041450" cy="510363"/>
+          </a:xfrm>
+          <a:prstGeom prst="rect">
+            <a:avLst/>
+          </a:prstGeom>
+        </p:spPr>
+        <p:style>
+          <a:lnRef idx="2">
+            <a:schemeClr val="accent1">
+              <a:shade val="50000"/>
+            </a:schemeClr>
+          </a:lnRef>
+          <a:fillRef idx="1">
+            <a:schemeClr val="accent1"/>
+          </a:fillRef>
+          <a:effectRef idx="0">
+            <a:schemeClr val="accent1"/>
+          </a:effectRef>
+          <a:fontRef idx="minor">
+            <a:schemeClr val="lt1"/>
+          </a:fontRef>
+        </p:style>
+        <p:txBody>
+          <a:bodyPr rtlCol="0" anchor="ctr"/>
+          <a:lstStyle/>
+          <a:p>
+            <a:pPr algn="ctr"/>
+            <a:r>
+              <a:rPr lang="pt-BR" dirty="0" smtClean="0"/>
+              <a:t>Fale conosco</a:t>
+            </a:r>
+            <a:endParaRPr lang="pt-BR" dirty="0"/>
+          </a:p>
+        </p:txBody>
+      </p:sp>
+      <p:sp>
+        <p:nvSpPr>
+          <p:cNvPr id="15" name="Retângulo 14"/>
+          <p:cNvSpPr/>
+          <p:nvPr/>
+        </p:nvSpPr>
+        <p:spPr>
+          <a:xfrm>
+            <a:off x="170122" y="4192122"/>
+            <a:ext cx="2041450" cy="510363"/>
+          </a:xfrm>
+          <a:prstGeom prst="rect">
+            <a:avLst/>
+          </a:prstGeom>
+        </p:spPr>
+        <p:style>
+          <a:lnRef idx="2">
+            <a:schemeClr val="accent1">
+              <a:shade val="50000"/>
+            </a:schemeClr>
+          </a:lnRef>
+          <a:fillRef idx="1">
+            <a:schemeClr val="accent1"/>
+          </a:fillRef>
+          <a:effectRef idx="0">
+            <a:schemeClr val="accent1"/>
+          </a:effectRef>
+          <a:fontRef idx="minor">
+            <a:schemeClr val="lt1"/>
+          </a:fontRef>
+        </p:style>
+        <p:txBody>
+          <a:bodyPr rtlCol="0" anchor="ctr"/>
+          <a:lstStyle/>
+          <a:p>
+            <a:pPr algn="ctr"/>
+            <a:endParaRPr lang="pt-BR"/>
+          </a:p>
+        </p:txBody>
+      </p:sp>
+      <p:sp>
+        <p:nvSpPr>
+          <p:cNvPr id="16" name="Retângulo 15"/>
+          <p:cNvSpPr/>
+          <p:nvPr/>
+        </p:nvSpPr>
+        <p:spPr>
+          <a:xfrm>
+            <a:off x="2614067" y="2892758"/>
+            <a:ext cx="2041450" cy="510363"/>
+          </a:xfrm>
+          <a:prstGeom prst="rect">
+            <a:avLst/>
+          </a:prstGeom>
+        </p:spPr>
+        <p:style>
+          <a:lnRef idx="2">
+            <a:schemeClr val="accent1">
+              <a:shade val="50000"/>
+            </a:schemeClr>
+          </a:lnRef>
+          <a:fillRef idx="1">
+            <a:schemeClr val="accent1"/>
+          </a:fillRef>
+          <a:effectRef idx="0">
+            <a:schemeClr val="accent1"/>
+          </a:effectRef>
+          <a:fontRef idx="minor">
+            <a:schemeClr val="lt1"/>
+          </a:fontRef>
+        </p:style>
+        <p:txBody>
+          <a:bodyPr rtlCol="0" anchor="ctr"/>
+          <a:lstStyle/>
+          <a:p>
+            <a:pPr algn="ctr"/>
+            <a:endParaRPr lang="pt-BR"/>
+          </a:p>
+        </p:txBody>
+      </p:sp>
+      <p:sp>
+        <p:nvSpPr>
+          <p:cNvPr id="17" name="Retângulo 16"/>
+          <p:cNvSpPr/>
+          <p:nvPr/>
+        </p:nvSpPr>
+        <p:spPr>
+          <a:xfrm>
+            <a:off x="5058013" y="2892758"/>
+            <a:ext cx="2041450" cy="510363"/>
+          </a:xfrm>
+          <a:prstGeom prst="rect">
+            <a:avLst/>
+          </a:prstGeom>
+        </p:spPr>
+        <p:style>
+          <a:lnRef idx="2">
+            <a:schemeClr val="accent1">
+              <a:shade val="50000"/>
+            </a:schemeClr>
+          </a:lnRef>
+          <a:fillRef idx="1">
+            <a:schemeClr val="accent1"/>
+          </a:fillRef>
+          <a:effectRef idx="0">
+            <a:schemeClr val="accent1"/>
+          </a:effectRef>
+          <a:fontRef idx="minor">
+            <a:schemeClr val="lt1"/>
+          </a:fontRef>
+        </p:style>
+        <p:txBody>
+          <a:bodyPr rtlCol="0" anchor="ctr"/>
+          <a:lstStyle/>
+          <a:p>
+            <a:pPr algn="ctr"/>
+            <a:endParaRPr lang="pt-BR"/>
+          </a:p>
+        </p:txBody>
+      </p:sp>
+      <p:sp>
+        <p:nvSpPr>
+          <p:cNvPr id="18" name="Retângulo 17"/>
+          <p:cNvSpPr/>
+          <p:nvPr/>
+        </p:nvSpPr>
+        <p:spPr>
+          <a:xfrm>
+            <a:off x="5075275" y="3534225"/>
+            <a:ext cx="2041450" cy="510363"/>
+          </a:xfrm>
+          <a:prstGeom prst="rect">
+            <a:avLst/>
+          </a:prstGeom>
+        </p:spPr>
+        <p:style>
+          <a:lnRef idx="2">
+            <a:schemeClr val="accent1">
+              <a:shade val="50000"/>
+            </a:schemeClr>
+          </a:lnRef>
+          <a:fillRef idx="1">
+            <a:schemeClr val="accent1"/>
+          </a:fillRef>
+          <a:effectRef idx="0">
+            <a:schemeClr val="accent1"/>
+          </a:effectRef>
+          <a:fontRef idx="minor">
+            <a:schemeClr val="lt1"/>
+          </a:fontRef>
+        </p:style>
+        <p:txBody>
+          <a:bodyPr rtlCol="0" anchor="ctr"/>
+          <a:lstStyle/>
+          <a:p>
+            <a:pPr algn="ctr"/>
+            <a:endParaRPr lang="pt-BR"/>
+          </a:p>
+        </p:txBody>
+      </p:sp>
+      <p:sp>
+        <p:nvSpPr>
+          <p:cNvPr id="8" name="CaixaDeTexto 7"/>
+          <p:cNvSpPr txBox="1"/>
+          <p:nvPr/>
+        </p:nvSpPr>
+        <p:spPr>
+          <a:xfrm>
+            <a:off x="581450" y="2963273"/>
+            <a:ext cx="1163332" cy="369332"/>
+          </a:xfrm>
+          <a:prstGeom prst="rect">
+            <a:avLst/>
+          </a:prstGeom>
+          <a:noFill/>
+        </p:spPr>
+        <p:txBody>
+          <a:bodyPr wrap="none" rtlCol="0">
+            <a:spAutoFit/>
+          </a:bodyPr>
+          <a:lstStyle/>
+          <a:p>
+            <a:r>
+              <a:rPr lang="pt-BR" dirty="0" smtClean="0">
+                <a:solidFill>
+                  <a:schemeClr val="bg1"/>
+                </a:solidFill>
+              </a:rPr>
+              <a:t>Bastidores</a:t>
+            </a:r>
+            <a:endParaRPr lang="pt-BR" dirty="0">
+              <a:solidFill>
+                <a:schemeClr val="bg1"/>
+              </a:solidFill>
+            </a:endParaRPr>
+          </a:p>
+        </p:txBody>
+      </p:sp>
+    </p:spTree>
+    <p:extLst>
+      <p:ext uri="{BB962C8B-B14F-4D97-AF65-F5344CB8AC3E}">
+        <p14:creationId xmlns:p14="http://schemas.microsoft.com/office/powerpoint/2010/main" val="3212791591"/>
       </p:ext>
     </p:extLst>
   </p:cSld>
@@ -7010,7 +8589,7 @@
   <a:extraClrSchemeLst/>
   <a:extLst>
     <a:ext uri="{05A4C25C-085E-4340-85A3-A5531E510DB2}">
-      <thm15:themeFamily xmlns:thm15="http://schemas.microsoft.com/office/thememl/2012/main" xmlns="" name="Office Theme" id="{62F939B6-93AF-4DB8-9C6B-D6C7DFDC589F}" vid="{4A3C46E8-61CC-4603-A589-7422A47A8E4A}"/>
+      <thm15:themeFamily xmlns="" xmlns:thm15="http://schemas.microsoft.com/office/thememl/2012/main" name="Office Theme" id="{62F939B6-93AF-4DB8-9C6B-D6C7DFDC589F}" vid="{4A3C46E8-61CC-4603-A589-7422A47A8E4A}"/>
     </a:ext>
   </a:extLst>
 </a:theme>

--- a/Ideias/PP.pptx
+++ b/Ideias/PP.pptx
@@ -12,6 +12,8 @@
     <p:sldId id="260" r:id="rId6"/>
     <p:sldId id="262" r:id="rId7"/>
     <p:sldId id="263" r:id="rId8"/>
+    <p:sldId id="264" r:id="rId9"/>
+    <p:sldId id="265" r:id="rId10"/>
   </p:sldIdLst>
   <p:sldSz cx="12192000" cy="6858000"/>
   <p:notesSz cx="6858000" cy="9144000"/>
@@ -244,7 +246,7 @@
           <a:p>
             <a:fld id="{CB3F135A-69BC-4DF6-ADD3-5F6FF918595A}" type="datetimeFigureOut">
               <a:rPr lang="pt-BR" smtClean="0"/>
-              <a:t>15/03/2019</a:t>
+              <a:t>21/03/2019</a:t>
             </a:fld>
             <a:endParaRPr lang="pt-BR"/>
           </a:p>
@@ -414,7 +416,7 @@
           <a:p>
             <a:fld id="{CB3F135A-69BC-4DF6-ADD3-5F6FF918595A}" type="datetimeFigureOut">
               <a:rPr lang="pt-BR" smtClean="0"/>
-              <a:t>15/03/2019</a:t>
+              <a:t>21/03/2019</a:t>
             </a:fld>
             <a:endParaRPr lang="pt-BR"/>
           </a:p>
@@ -594,7 +596,7 @@
           <a:p>
             <a:fld id="{CB3F135A-69BC-4DF6-ADD3-5F6FF918595A}" type="datetimeFigureOut">
               <a:rPr lang="pt-BR" smtClean="0"/>
-              <a:t>15/03/2019</a:t>
+              <a:t>21/03/2019</a:t>
             </a:fld>
             <a:endParaRPr lang="pt-BR"/>
           </a:p>
@@ -764,7 +766,7 @@
           <a:p>
             <a:fld id="{CB3F135A-69BC-4DF6-ADD3-5F6FF918595A}" type="datetimeFigureOut">
               <a:rPr lang="pt-BR" smtClean="0"/>
-              <a:t>15/03/2019</a:t>
+              <a:t>21/03/2019</a:t>
             </a:fld>
             <a:endParaRPr lang="pt-BR"/>
           </a:p>
@@ -1010,7 +1012,7 @@
           <a:p>
             <a:fld id="{CB3F135A-69BC-4DF6-ADD3-5F6FF918595A}" type="datetimeFigureOut">
               <a:rPr lang="pt-BR" smtClean="0"/>
-              <a:t>15/03/2019</a:t>
+              <a:t>21/03/2019</a:t>
             </a:fld>
             <a:endParaRPr lang="pt-BR"/>
           </a:p>
@@ -1242,7 +1244,7 @@
           <a:p>
             <a:fld id="{CB3F135A-69BC-4DF6-ADD3-5F6FF918595A}" type="datetimeFigureOut">
               <a:rPr lang="pt-BR" smtClean="0"/>
-              <a:t>15/03/2019</a:t>
+              <a:t>21/03/2019</a:t>
             </a:fld>
             <a:endParaRPr lang="pt-BR"/>
           </a:p>
@@ -1609,7 +1611,7 @@
           <a:p>
             <a:fld id="{CB3F135A-69BC-4DF6-ADD3-5F6FF918595A}" type="datetimeFigureOut">
               <a:rPr lang="pt-BR" smtClean="0"/>
-              <a:t>15/03/2019</a:t>
+              <a:t>21/03/2019</a:t>
             </a:fld>
             <a:endParaRPr lang="pt-BR"/>
           </a:p>
@@ -1727,7 +1729,7 @@
           <a:p>
             <a:fld id="{CB3F135A-69BC-4DF6-ADD3-5F6FF918595A}" type="datetimeFigureOut">
               <a:rPr lang="pt-BR" smtClean="0"/>
-              <a:t>15/03/2019</a:t>
+              <a:t>21/03/2019</a:t>
             </a:fld>
             <a:endParaRPr lang="pt-BR"/>
           </a:p>
@@ -1822,7 +1824,7 @@
           <a:p>
             <a:fld id="{CB3F135A-69BC-4DF6-ADD3-5F6FF918595A}" type="datetimeFigureOut">
               <a:rPr lang="pt-BR" smtClean="0"/>
-              <a:t>15/03/2019</a:t>
+              <a:t>21/03/2019</a:t>
             </a:fld>
             <a:endParaRPr lang="pt-BR"/>
           </a:p>
@@ -2099,7 +2101,7 @@
           <a:p>
             <a:fld id="{CB3F135A-69BC-4DF6-ADD3-5F6FF918595A}" type="datetimeFigureOut">
               <a:rPr lang="pt-BR" smtClean="0"/>
-              <a:t>15/03/2019</a:t>
+              <a:t>21/03/2019</a:t>
             </a:fld>
             <a:endParaRPr lang="pt-BR"/>
           </a:p>
@@ -2352,7 +2354,7 @@
           <a:p>
             <a:fld id="{CB3F135A-69BC-4DF6-ADD3-5F6FF918595A}" type="datetimeFigureOut">
               <a:rPr lang="pt-BR" smtClean="0"/>
-              <a:t>15/03/2019</a:t>
+              <a:t>21/03/2019</a:t>
             </a:fld>
             <a:endParaRPr lang="pt-BR"/>
           </a:p>
@@ -2565,7 +2567,7 @@
           <a:p>
             <a:fld id="{CB3F135A-69BC-4DF6-ADD3-5F6FF918595A}" type="datetimeFigureOut">
               <a:rPr lang="pt-BR" smtClean="0"/>
-              <a:t>15/03/2019</a:t>
+              <a:t>21/03/2019</a:t>
             </a:fld>
             <a:endParaRPr lang="pt-BR"/>
           </a:p>
@@ -6476,11 +6478,6 @@
               </a:rPr>
               <a:t>de uma alimentação adequada, pois é de onde retiramos a energia necessária para manter o organismo funcionando corretamente e para realizar todas as nossas atividades. </a:t>
             </a:r>
-            <a:endParaRPr lang="pt-BR" sz="2000" dirty="0">
-              <a:solidFill>
-                <a:schemeClr val="bg1"/>
-              </a:solidFill>
-            </a:endParaRPr>
           </a:p>
         </p:txBody>
       </p:sp>
@@ -6746,6 +6743,428 @@
     <p:extLst>
       <p:ext uri="{BB962C8B-B14F-4D97-AF65-F5344CB8AC3E}">
         <p14:creationId xmlns:p14="http://schemas.microsoft.com/office/powerpoint/2010/main" val="358723030"/>
+      </p:ext>
+    </p:extLst>
+  </p:cSld>
+  <p:clrMapOvr>
+    <a:masterClrMapping/>
+  </p:clrMapOvr>
+</p:sld>
+</file>
+
+<file path=ppt/slides/slide8.xml><?xml version="1.0" encoding="utf-8"?>
+<p:sld xmlns:a="http://schemas.openxmlformats.org/drawingml/2006/main" xmlns:r="http://schemas.openxmlformats.org/officeDocument/2006/relationships" xmlns:p="http://schemas.openxmlformats.org/presentationml/2006/main">
+  <p:cSld>
+    <p:spTree>
+      <p:nvGrpSpPr>
+        <p:cNvPr id="1" name=""/>
+        <p:cNvGrpSpPr/>
+        <p:nvPr/>
+      </p:nvGrpSpPr>
+      <p:grpSpPr>
+        <a:xfrm>
+          <a:off x="0" y="0"/>
+          <a:ext cx="0" cy="0"/>
+          <a:chOff x="0" y="0"/>
+          <a:chExt cx="0" cy="0"/>
+        </a:xfrm>
+      </p:grpSpPr>
+      <p:sp>
+        <p:nvSpPr>
+          <p:cNvPr id="2" name="Retângulo 1"/>
+          <p:cNvSpPr/>
+          <p:nvPr/>
+        </p:nvSpPr>
+        <p:spPr>
+          <a:xfrm>
+            <a:off x="0" y="0"/>
+            <a:ext cx="12192000" cy="1652155"/>
+          </a:xfrm>
+          <a:prstGeom prst="rect">
+            <a:avLst/>
+          </a:prstGeom>
+          <a:solidFill>
+            <a:schemeClr val="accent1">
+              <a:lumMod val="75000"/>
+            </a:schemeClr>
+          </a:solidFill>
+        </p:spPr>
+        <p:style>
+          <a:lnRef idx="2">
+            <a:schemeClr val="accent1">
+              <a:shade val="50000"/>
+            </a:schemeClr>
+          </a:lnRef>
+          <a:fillRef idx="1">
+            <a:schemeClr val="accent1"/>
+          </a:fillRef>
+          <a:effectRef idx="0">
+            <a:schemeClr val="accent1"/>
+          </a:effectRef>
+          <a:fontRef idx="minor">
+            <a:schemeClr val="lt1"/>
+          </a:fontRef>
+        </p:style>
+        <p:txBody>
+          <a:bodyPr rtlCol="0" anchor="ctr"/>
+          <a:lstStyle/>
+          <a:p>
+            <a:pPr algn="ctr"/>
+            <a:endParaRPr lang="pt-BR" dirty="0"/>
+          </a:p>
+        </p:txBody>
+      </p:sp>
+      <p:sp>
+        <p:nvSpPr>
+          <p:cNvPr id="3" name="CaixaDeTexto 2"/>
+          <p:cNvSpPr txBox="1"/>
+          <p:nvPr/>
+        </p:nvSpPr>
+        <p:spPr>
+          <a:xfrm>
+            <a:off x="394855" y="641411"/>
+            <a:ext cx="633507" cy="369332"/>
+          </a:xfrm>
+          <a:prstGeom prst="rect">
+            <a:avLst/>
+          </a:prstGeom>
+          <a:noFill/>
+        </p:spPr>
+        <p:txBody>
+          <a:bodyPr wrap="none" rtlCol="0">
+            <a:spAutoFit/>
+          </a:bodyPr>
+          <a:lstStyle/>
+          <a:p>
+            <a:r>
+              <a:rPr lang="pt-BR" dirty="0" smtClean="0"/>
+              <a:t>Logo</a:t>
+            </a:r>
+            <a:endParaRPr lang="pt-BR" dirty="0"/>
+          </a:p>
+        </p:txBody>
+      </p:sp>
+      <p:sp>
+        <p:nvSpPr>
+          <p:cNvPr id="5" name="Retângulo 4"/>
+          <p:cNvSpPr/>
+          <p:nvPr/>
+        </p:nvSpPr>
+        <p:spPr>
+          <a:xfrm>
+            <a:off x="10762930" y="441356"/>
+            <a:ext cx="469644" cy="769441"/>
+          </a:xfrm>
+          <a:prstGeom prst="rect">
+            <a:avLst/>
+          </a:prstGeom>
+        </p:spPr>
+        <p:txBody>
+          <a:bodyPr wrap="square">
+            <a:spAutoFit/>
+          </a:bodyPr>
+          <a:lstStyle/>
+          <a:p>
+            <a:r>
+              <a:rPr lang="pt-BR" sz="4400" dirty="0">
+                <a:solidFill>
+                  <a:srgbClr val="FF0000"/>
+                </a:solidFill>
+              </a:rPr>
+              <a:t>@</a:t>
+            </a:r>
+          </a:p>
+        </p:txBody>
+      </p:sp>
+      <p:sp>
+        <p:nvSpPr>
+          <p:cNvPr id="6" name="Retângulo 5"/>
+          <p:cNvSpPr/>
+          <p:nvPr/>
+        </p:nvSpPr>
+        <p:spPr>
+          <a:xfrm>
+            <a:off x="7741229" y="1319645"/>
+            <a:ext cx="3491345" cy="3314700"/>
+          </a:xfrm>
+          <a:prstGeom prst="rect">
+            <a:avLst/>
+          </a:prstGeom>
+          <a:solidFill>
+            <a:schemeClr val="bg1"/>
+          </a:solidFill>
+        </p:spPr>
+        <p:style>
+          <a:lnRef idx="2">
+            <a:schemeClr val="accent1">
+              <a:shade val="50000"/>
+            </a:schemeClr>
+          </a:lnRef>
+          <a:fillRef idx="1">
+            <a:schemeClr val="accent1"/>
+          </a:fillRef>
+          <a:effectRef idx="0">
+            <a:schemeClr val="accent1"/>
+          </a:effectRef>
+          <a:fontRef idx="minor">
+            <a:schemeClr val="lt1"/>
+          </a:fontRef>
+        </p:style>
+        <p:txBody>
+          <a:bodyPr rtlCol="0" anchor="ctr"/>
+          <a:lstStyle/>
+          <a:p>
+            <a:pPr algn="ctr"/>
+            <a:endParaRPr lang="pt-BR" dirty="0">
+              <a:solidFill>
+                <a:schemeClr val="bg1"/>
+              </a:solidFill>
+            </a:endParaRPr>
+          </a:p>
+        </p:txBody>
+      </p:sp>
+      <p:sp>
+        <p:nvSpPr>
+          <p:cNvPr id="7" name="CaixaDeTexto 6"/>
+          <p:cNvSpPr txBox="1"/>
+          <p:nvPr/>
+        </p:nvSpPr>
+        <p:spPr>
+          <a:xfrm>
+            <a:off x="7973345" y="1467489"/>
+            <a:ext cx="2840842" cy="646331"/>
+          </a:xfrm>
+          <a:prstGeom prst="rect">
+            <a:avLst/>
+          </a:prstGeom>
+          <a:noFill/>
+        </p:spPr>
+        <p:txBody>
+          <a:bodyPr wrap="none" rtlCol="0">
+            <a:spAutoFit/>
+          </a:bodyPr>
+          <a:lstStyle/>
+          <a:p>
+            <a:r>
+              <a:rPr lang="pt-BR" sz="3600" dirty="0" smtClean="0"/>
+              <a:t>Olá, nomeUsu</a:t>
+            </a:r>
+            <a:endParaRPr lang="pt-BR" sz="3600" dirty="0"/>
+          </a:p>
+        </p:txBody>
+      </p:sp>
+      <p:sp>
+        <p:nvSpPr>
+          <p:cNvPr id="10" name="CaixaDeTexto 9"/>
+          <p:cNvSpPr txBox="1"/>
+          <p:nvPr/>
+        </p:nvSpPr>
+        <p:spPr>
+          <a:xfrm>
+            <a:off x="7886700" y="2330664"/>
+            <a:ext cx="596638" cy="646331"/>
+          </a:xfrm>
+          <a:prstGeom prst="rect">
+            <a:avLst/>
+          </a:prstGeom>
+          <a:noFill/>
+        </p:spPr>
+        <p:txBody>
+          <a:bodyPr wrap="none" rtlCol="0">
+            <a:spAutoFit/>
+          </a:bodyPr>
+          <a:lstStyle/>
+          <a:p>
+            <a:r>
+              <a:rPr lang="pt-BR" sz="3600" dirty="0" smtClean="0"/>
+              <a:t>@</a:t>
+            </a:r>
+            <a:endParaRPr lang="pt-BR" sz="3600" dirty="0"/>
+          </a:p>
+        </p:txBody>
+      </p:sp>
+      <p:sp>
+        <p:nvSpPr>
+          <p:cNvPr id="11" name="Retângulo 10"/>
+          <p:cNvSpPr/>
+          <p:nvPr/>
+        </p:nvSpPr>
+        <p:spPr>
+          <a:xfrm>
+            <a:off x="7904965" y="3967232"/>
+            <a:ext cx="596638" cy="646331"/>
+          </a:xfrm>
+          <a:prstGeom prst="rect">
+            <a:avLst/>
+          </a:prstGeom>
+        </p:spPr>
+        <p:txBody>
+          <a:bodyPr wrap="none">
+            <a:spAutoFit/>
+          </a:bodyPr>
+          <a:lstStyle/>
+          <a:p>
+            <a:r>
+              <a:rPr lang="pt-BR" sz="3600" dirty="0"/>
+              <a:t>@</a:t>
+            </a:r>
+            <a:endParaRPr lang="pt-BR" sz="3600" dirty="0"/>
+          </a:p>
+        </p:txBody>
+      </p:sp>
+      <p:sp>
+        <p:nvSpPr>
+          <p:cNvPr id="12" name="Retângulo 11"/>
+          <p:cNvSpPr/>
+          <p:nvPr/>
+        </p:nvSpPr>
+        <p:spPr>
+          <a:xfrm>
+            <a:off x="7886700" y="3345873"/>
+            <a:ext cx="596638" cy="646331"/>
+          </a:xfrm>
+          <a:prstGeom prst="rect">
+            <a:avLst/>
+          </a:prstGeom>
+        </p:spPr>
+        <p:txBody>
+          <a:bodyPr wrap="none">
+            <a:spAutoFit/>
+          </a:bodyPr>
+          <a:lstStyle/>
+          <a:p>
+            <a:r>
+              <a:rPr lang="pt-BR" sz="3600" dirty="0"/>
+              <a:t>@</a:t>
+            </a:r>
+            <a:endParaRPr lang="pt-BR" sz="3600" dirty="0"/>
+          </a:p>
+        </p:txBody>
+      </p:sp>
+      <p:sp>
+        <p:nvSpPr>
+          <p:cNvPr id="13" name="CaixaDeTexto 12"/>
+          <p:cNvSpPr txBox="1"/>
+          <p:nvPr/>
+        </p:nvSpPr>
+        <p:spPr>
+          <a:xfrm>
+            <a:off x="7904965" y="2837038"/>
+            <a:ext cx="596638" cy="646331"/>
+          </a:xfrm>
+          <a:prstGeom prst="rect">
+            <a:avLst/>
+          </a:prstGeom>
+          <a:noFill/>
+        </p:spPr>
+        <p:txBody>
+          <a:bodyPr wrap="none" rtlCol="0">
+            <a:spAutoFit/>
+          </a:bodyPr>
+          <a:lstStyle/>
+          <a:p>
+            <a:r>
+              <a:rPr lang="pt-BR" sz="3600" dirty="0" smtClean="0"/>
+              <a:t>@</a:t>
+            </a:r>
+            <a:endParaRPr lang="pt-BR" sz="3600" dirty="0"/>
+          </a:p>
+        </p:txBody>
+      </p:sp>
+      <p:sp>
+        <p:nvSpPr>
+          <p:cNvPr id="14" name="CaixaDeTexto 13"/>
+          <p:cNvSpPr txBox="1"/>
+          <p:nvPr/>
+        </p:nvSpPr>
+        <p:spPr>
+          <a:xfrm>
+            <a:off x="8645236" y="4105731"/>
+            <a:ext cx="534121" cy="369332"/>
+          </a:xfrm>
+          <a:prstGeom prst="rect">
+            <a:avLst/>
+          </a:prstGeom>
+          <a:noFill/>
+        </p:spPr>
+        <p:txBody>
+          <a:bodyPr wrap="none" rtlCol="0">
+            <a:spAutoFit/>
+          </a:bodyPr>
+          <a:lstStyle/>
+          <a:p>
+            <a:r>
+              <a:rPr lang="pt-BR" dirty="0" smtClean="0"/>
+              <a:t>Sair</a:t>
+            </a:r>
+            <a:endParaRPr lang="pt-BR" dirty="0"/>
+          </a:p>
+        </p:txBody>
+      </p:sp>
+      <p:sp>
+        <p:nvSpPr>
+          <p:cNvPr id="15" name="CaixaDeTexto 14"/>
+          <p:cNvSpPr txBox="1"/>
+          <p:nvPr/>
+        </p:nvSpPr>
+        <p:spPr>
+          <a:xfrm>
+            <a:off x="8645236" y="3483369"/>
+            <a:ext cx="1372683" cy="369332"/>
+          </a:xfrm>
+          <a:prstGeom prst="rect">
+            <a:avLst/>
+          </a:prstGeom>
+          <a:noFill/>
+        </p:spPr>
+        <p:txBody>
+          <a:bodyPr wrap="none" rtlCol="0">
+            <a:spAutoFit/>
+          </a:bodyPr>
+          <a:lstStyle/>
+          <a:p>
+            <a:r>
+              <a:rPr lang="pt-BR" dirty="0" smtClean="0"/>
+              <a:t>Editar Dados</a:t>
+            </a:r>
+            <a:endParaRPr lang="pt-BR" dirty="0"/>
+          </a:p>
+        </p:txBody>
+      </p:sp>
+    </p:spTree>
+    <p:extLst>
+      <p:ext uri="{BB962C8B-B14F-4D97-AF65-F5344CB8AC3E}">
+        <p14:creationId xmlns:p14="http://schemas.microsoft.com/office/powerpoint/2010/main" val="1443858231"/>
+      </p:ext>
+    </p:extLst>
+  </p:cSld>
+  <p:clrMapOvr>
+    <a:masterClrMapping/>
+  </p:clrMapOvr>
+</p:sld>
+</file>
+
+<file path=ppt/slides/slide9.xml><?xml version="1.0" encoding="utf-8"?>
+<p:sld xmlns:a="http://schemas.openxmlformats.org/drawingml/2006/main" xmlns:r="http://schemas.openxmlformats.org/officeDocument/2006/relationships" xmlns:p="http://schemas.openxmlformats.org/presentationml/2006/main">
+  <p:cSld>
+    <p:spTree>
+      <p:nvGrpSpPr>
+        <p:cNvPr id="1" name=""/>
+        <p:cNvGrpSpPr/>
+        <p:nvPr/>
+      </p:nvGrpSpPr>
+      <p:grpSpPr>
+        <a:xfrm>
+          <a:off x="0" y="0"/>
+          <a:ext cx="0" cy="0"/>
+          <a:chOff x="0" y="0"/>
+          <a:chExt cx="0" cy="0"/>
+        </a:xfrm>
+      </p:grpSpPr>
+    </p:spTree>
+    <p:extLst>
+      <p:ext uri="{BB962C8B-B14F-4D97-AF65-F5344CB8AC3E}">
+        <p14:creationId xmlns:p14="http://schemas.microsoft.com/office/powerpoint/2010/main" val="4161068353"/>
       </p:ext>
     </p:extLst>
   </p:cSld>
@@ -7010,7 +7429,7 @@
   <a:extraClrSchemeLst/>
   <a:extLst>
     <a:ext uri="{05A4C25C-085E-4340-85A3-A5531E510DB2}">
-      <thm15:themeFamily xmlns:thm15="http://schemas.microsoft.com/office/thememl/2012/main" xmlns="" name="Office Theme" id="{62F939B6-93AF-4DB8-9C6B-D6C7DFDC589F}" vid="{4A3C46E8-61CC-4603-A589-7422A47A8E4A}"/>
+      <thm15:themeFamily xmlns="" xmlns:thm15="http://schemas.microsoft.com/office/thememl/2012/main" name="Office Theme" id="{62F939B6-93AF-4DB8-9C6B-D6C7DFDC589F}" vid="{4A3C46E8-61CC-4603-A589-7422A47A8E4A}"/>
     </a:ext>
   </a:extLst>
 </a:theme>
